--- a/Programming with C#/4. C# High-Quality Code/11. Test-Driven-Development/Test-Driven-Development.pptx
+++ b/Programming with C#/4. C# High-Quality Code/11. Test-Driven-Development/Test-Driven-Development.pptx
@@ -2,7 +2,7 @@
 <file path=ppt/presentation.xml><?xml version="1.0" encoding="utf-8"?>
 <p:presentation xmlns:a="http://schemas.openxmlformats.org/drawingml/2006/main" xmlns:r="http://schemas.openxmlformats.org/officeDocument/2006/relationships" xmlns:p="http://schemas.openxmlformats.org/presentationml/2006/main" saveSubsetFonts="1">
   <p:sldMasterIdLst>
-    <p:sldMasterId id="2147483672" r:id="rId1"/>
+    <p:sldMasterId id="2147483707" r:id="rId1"/>
   </p:sldMasterIdLst>
   <p:notesMasterIdLst>
     <p:notesMasterId r:id="rId14"/>
@@ -302,7 +302,7 @@
             <a:fld id="{3BF7C7B5-275F-4D1F-9AB4-9255447DBC73}" type="datetimeFigureOut">
               <a:rPr lang="en-US"/>
               <a:pPr/>
-              <a:t>25.04.2013</a:t>
+              <a:t>29-Apr-14</a:t>
             </a:fld>
             <a:endParaRPr lang="en-US" dirty="0"/>
           </a:p>
@@ -533,7 +533,7 @@
             <a:fld id="{9B46F231-FB2B-4655-A644-E2477325E686}" type="datetimeFigureOut">
               <a:rPr lang="en-US"/>
               <a:pPr/>
-              <a:t>25.04.2013</a:t>
+              <a:t>29-Apr-14</a:t>
             </a:fld>
             <a:endParaRPr lang="en-US" dirty="0"/>
           </a:p>
@@ -964,8 +964,6510 @@
 </file>
 
 <file path=ppt/slideLayouts/slideLayout1.xml><?xml version="1.0" encoding="utf-8"?>
-<p:sldLayout xmlns:a="http://schemas.openxmlformats.org/drawingml/2006/main" xmlns:r="http://schemas.openxmlformats.org/officeDocument/2006/relationships" xmlns:p="http://schemas.openxmlformats.org/presentationml/2006/main" preserve="1" userDrawn="1">
+<p:sldLayout xmlns:a="http://schemas.openxmlformats.org/drawingml/2006/main" xmlns:r="http://schemas.openxmlformats.org/officeDocument/2006/relationships" xmlns:p="http://schemas.openxmlformats.org/presentationml/2006/main" preserve="1">
   <p:cSld name="Presentation Title Slide">
+    <p:spTree>
+      <p:nvGrpSpPr>
+        <p:cNvPr id="1" name=""/>
+        <p:cNvGrpSpPr/>
+        <p:nvPr/>
+      </p:nvGrpSpPr>
+      <p:grpSpPr>
+        <a:xfrm>
+          <a:off x="0" y="0"/>
+          <a:ext cx="0" cy="0"/>
+          <a:chOff x="0" y="0"/>
+          <a:chExt cx="0" cy="0"/>
+        </a:xfrm>
+      </p:grpSpPr>
+      <p:sp>
+        <p:nvSpPr>
+          <p:cNvPr id="6" name="Title 8"/>
+          <p:cNvSpPr>
+            <a:spLocks noGrp="1"/>
+          </p:cNvSpPr>
+          <p:nvPr>
+            <p:ph type="ctrTitle" hasCustomPrompt="1"/>
+          </p:nvPr>
+        </p:nvSpPr>
+        <p:spPr>
+          <a:xfrm>
+            <a:off x="457200" y="1524000"/>
+            <a:ext cx="8229600" cy="1524000"/>
+          </a:xfrm>
+          <a:prstGeom prst="rect">
+            <a:avLst/>
+          </a:prstGeom>
+        </p:spPr>
+        <p:txBody>
+          <a:bodyPr tIns="0" bIns="0" anchor="b" anchorCtr="0"/>
+          <a:lstStyle>
+            <a:lvl1pPr algn="r">
+              <a:lnSpc>
+                <a:spcPts val="5600"/>
+              </a:lnSpc>
+              <a:defRPr sz="5400" cap="none" baseline="0">
+                <a:solidFill>
+                  <a:srgbClr val="D4FF5B"/>
+                </a:solidFill>
+                <a:effectLst>
+                  <a:outerShdw blurRad="30000" dist="30000" dir="2700000" algn="tl" rotWithShape="0">
+                    <a:schemeClr val="bg2">
+                      <a:shade val="45000"/>
+                      <a:satMod val="150000"/>
+                      <a:alpha val="90000"/>
+                    </a:schemeClr>
+                  </a:outerShdw>
+                  <a:reflection blurRad="12000" stA="20000" endPos="50000" dist="12700" dir="5400000" sy="-100000" algn="bl" rotWithShape="0"/>
+                </a:effectLst>
+              </a:defRPr>
+            </a:lvl1pPr>
+          </a:lstStyle>
+          <a:p>
+            <a:r>
+              <a:rPr lang="en-US" dirty="0" smtClean="0"/>
+              <a:t>Presentation Title</a:t>
+            </a:r>
+            <a:endParaRPr lang="en-US" dirty="0"/>
+          </a:p>
+        </p:txBody>
+      </p:sp>
+      <p:sp>
+        <p:nvSpPr>
+          <p:cNvPr id="7" name="Subtitle 16"/>
+          <p:cNvSpPr>
+            <a:spLocks noGrp="1"/>
+          </p:cNvSpPr>
+          <p:nvPr>
+            <p:ph type="subTitle" idx="1" hasCustomPrompt="1"/>
+          </p:nvPr>
+        </p:nvSpPr>
+        <p:spPr>
+          <a:xfrm>
+            <a:off x="457200" y="3240880"/>
+            <a:ext cx="8229600" cy="569120"/>
+          </a:xfrm>
+          <a:prstGeom prst="rect">
+            <a:avLst/>
+          </a:prstGeom>
+        </p:spPr>
+        <p:txBody>
+          <a:bodyPr lIns="90000" tIns="0" rIns="90000" bIns="0" anchor="ctr" anchorCtr="0"/>
+          <a:lstStyle>
+            <a:lvl1pPr marL="0" indent="0" algn="r">
+              <a:buNone/>
+              <a:defRPr sz="2800">
+                <a:solidFill>
+                  <a:srgbClr val="FAF8C8"/>
+                </a:solidFill>
+              </a:defRPr>
+            </a:lvl1pPr>
+            <a:lvl2pPr marL="457200" indent="0" algn="ctr">
+              <a:buNone/>
+            </a:lvl2pPr>
+            <a:lvl3pPr marL="914400" indent="0" algn="ctr">
+              <a:buNone/>
+            </a:lvl3pPr>
+            <a:lvl4pPr marL="1371600" indent="0" algn="ctr">
+              <a:buNone/>
+            </a:lvl4pPr>
+            <a:lvl5pPr marL="1828800" indent="0" algn="ctr">
+              <a:buNone/>
+            </a:lvl5pPr>
+            <a:lvl6pPr marL="2286000" indent="0" algn="ctr">
+              <a:buNone/>
+            </a:lvl6pPr>
+            <a:lvl7pPr marL="2743200" indent="0" algn="ctr">
+              <a:buNone/>
+            </a:lvl7pPr>
+            <a:lvl8pPr marL="3200400" indent="0" algn="ctr">
+              <a:buNone/>
+            </a:lvl8pPr>
+            <a:lvl9pPr marL="3657600" indent="0" algn="ctr">
+              <a:buNone/>
+            </a:lvl9pPr>
+          </a:lstStyle>
+          <a:p>
+            <a:r>
+              <a:rPr lang="en-US" dirty="0" smtClean="0"/>
+              <a:t>Presentation Subtitle</a:t>
+            </a:r>
+            <a:endParaRPr lang="en-US" dirty="0"/>
+          </a:p>
+        </p:txBody>
+      </p:sp>
+      <p:cxnSp>
+        <p:nvCxnSpPr>
+          <p:cNvPr id="11" name="Straight Connector 10"/>
+          <p:cNvCxnSpPr/>
+          <p:nvPr/>
+        </p:nvCxnSpPr>
+        <p:spPr>
+          <a:xfrm>
+            <a:off x="2667000" y="4114800"/>
+            <a:ext cx="6248400" cy="0"/>
+          </a:xfrm>
+          <a:prstGeom prst="line">
+            <a:avLst/>
+          </a:prstGeom>
+          <a:ln w="38100" cap="rnd">
+            <a:solidFill>
+              <a:schemeClr val="accent5">
+                <a:lumMod val="20000"/>
+                <a:lumOff val="80000"/>
+                <a:alpha val="50000"/>
+              </a:schemeClr>
+            </a:solidFill>
+          </a:ln>
+          <a:effectLst>
+            <a:outerShdw blurRad="50800" dist="38100" dir="2700000" algn="tl" rotWithShape="0">
+              <a:prstClr val="black">
+                <a:alpha val="40000"/>
+              </a:prstClr>
+            </a:outerShdw>
+          </a:effectLst>
+        </p:spPr>
+        <p:style>
+          <a:lnRef idx="1">
+            <a:schemeClr val="accent1"/>
+          </a:lnRef>
+          <a:fillRef idx="0">
+            <a:schemeClr val="accent1"/>
+          </a:fillRef>
+          <a:effectRef idx="0">
+            <a:schemeClr val="accent1"/>
+          </a:effectRef>
+          <a:fontRef idx="minor">
+            <a:schemeClr val="tx1"/>
+          </a:fontRef>
+        </p:style>
+      </p:cxnSp>
+      <p:sp>
+        <p:nvSpPr>
+          <p:cNvPr id="5" name="Picture Placeholder 4"/>
+          <p:cNvSpPr>
+            <a:spLocks noGrp="1"/>
+          </p:cNvSpPr>
+          <p:nvPr>
+            <p:ph type="pic" sz="quarter" idx="16" hasCustomPrompt="1"/>
+          </p:nvPr>
+        </p:nvSpPr>
+        <p:spPr>
+          <a:xfrm>
+            <a:off x="4267200" y="4572000"/>
+            <a:ext cx="4419600" cy="1905000"/>
+          </a:xfrm>
+          <a:prstGeom prst="rect">
+            <a:avLst/>
+          </a:prstGeom>
+        </p:spPr>
+        <p:txBody>
+          <a:bodyPr/>
+          <a:lstStyle>
+            <a:lvl1pPr marL="0" indent="0">
+              <a:buNone/>
+              <a:defRPr/>
+            </a:lvl1pPr>
+          </a:lstStyle>
+          <a:p>
+            <a:r>
+              <a:rPr lang="en-US" dirty="0" smtClean="0"/>
+              <a:t>Insert a Picture Here</a:t>
+            </a:r>
+            <a:endParaRPr lang="en-US" dirty="0"/>
+          </a:p>
+        </p:txBody>
+      </p:sp>
+      <p:sp>
+        <p:nvSpPr>
+          <p:cNvPr id="18" name="Text Placeholder 6"/>
+          <p:cNvSpPr>
+            <a:spLocks noGrp="1"/>
+          </p:cNvSpPr>
+          <p:nvPr>
+            <p:ph type="body" sz="quarter" idx="10" hasCustomPrompt="1"/>
+          </p:nvPr>
+        </p:nvSpPr>
+        <p:spPr>
+          <a:xfrm>
+            <a:off x="457198" y="5496290"/>
+            <a:ext cx="3990513" cy="400110"/>
+          </a:xfrm>
+          <a:prstGeom prst="rect">
+            <a:avLst/>
+          </a:prstGeom>
+          <a:noFill/>
+        </p:spPr>
+        <p:txBody>
+          <a:bodyPr wrap="square" rtlCol="0">
+            <a:spAutoFit/>
+          </a:bodyPr>
+          <a:lstStyle>
+            <a:lvl1pPr marL="319088" indent="-319088">
+              <a:buNone/>
+              <a:defRPr lang="en-US" sz="2000" dirty="0">
+                <a:solidFill>
+                  <a:schemeClr val="tx2">
+                    <a:lumMod val="20000"/>
+                    <a:lumOff val="80000"/>
+                  </a:schemeClr>
+                </a:solidFill>
+                <a:latin typeface="Corbel" pitchFamily="34" charset="0"/>
+              </a:defRPr>
+            </a:lvl1pPr>
+          </a:lstStyle>
+          <a:p>
+            <a:pPr marL="0" lvl="0" indent="0" eaLnBrk="1" hangingPunct="1">
+              <a:spcBef>
+                <a:spcPct val="0"/>
+              </a:spcBef>
+            </a:pPr>
+            <a:r>
+              <a:rPr lang="en-US" sz="2000" dirty="0" smtClean="0">
+                <a:solidFill>
+                  <a:schemeClr val="tx2">
+                    <a:lumMod val="20000"/>
+                    <a:lumOff val="80000"/>
+                  </a:schemeClr>
+                </a:solidFill>
+              </a:rPr>
+              <a:t>Learning &amp; Development</a:t>
+            </a:r>
+            <a:endParaRPr lang="en-US" sz="2000" dirty="0">
+              <a:solidFill>
+                <a:schemeClr val="tx2">
+                  <a:lumMod val="20000"/>
+                  <a:lumOff val="80000"/>
+                </a:schemeClr>
+              </a:solidFill>
+            </a:endParaRPr>
+          </a:p>
+        </p:txBody>
+      </p:sp>
+      <p:sp>
+        <p:nvSpPr>
+          <p:cNvPr id="19" name="Text Placeholder 7"/>
+          <p:cNvSpPr>
+            <a:spLocks noGrp="1"/>
+          </p:cNvSpPr>
+          <p:nvPr>
+            <p:ph type="body" sz="quarter" idx="11" hasCustomPrompt="1"/>
+          </p:nvPr>
+        </p:nvSpPr>
+        <p:spPr>
+          <a:xfrm>
+            <a:off x="457199" y="5801090"/>
+            <a:ext cx="3990513" cy="369332"/>
+          </a:xfrm>
+          <a:prstGeom prst="rect">
+            <a:avLst/>
+          </a:prstGeom>
+          <a:noFill/>
+        </p:spPr>
+        <p:txBody>
+          <a:bodyPr wrap="square" rtlCol="0">
+            <a:spAutoFit/>
+          </a:bodyPr>
+          <a:lstStyle>
+            <a:lvl1pPr marL="319088" indent="-319088">
+              <a:buNone/>
+              <a:defRPr lang="en-US" sz="1800" dirty="0">
+                <a:solidFill>
+                  <a:schemeClr val="tx2">
+                    <a:lumMod val="20000"/>
+                    <a:lumOff val="80000"/>
+                  </a:schemeClr>
+                </a:solidFill>
+                <a:latin typeface="Corbel" pitchFamily="34" charset="0"/>
+              </a:defRPr>
+            </a:lvl1pPr>
+          </a:lstStyle>
+          <a:p>
+            <a:pPr marL="0" lvl="0" indent="0" eaLnBrk="1" hangingPunct="1">
+              <a:spcBef>
+                <a:spcPct val="0"/>
+              </a:spcBef>
+            </a:pPr>
+            <a:r>
+              <a:rPr lang="en-US" sz="1800" dirty="0" smtClean="0"/>
+              <a:t>http://academy.telerik.com</a:t>
+            </a:r>
+            <a:endParaRPr lang="en-US" sz="1800" dirty="0"/>
+          </a:p>
+        </p:txBody>
+      </p:sp>
+      <p:sp>
+        <p:nvSpPr>
+          <p:cNvPr id="20" name="Text Placeholder 13"/>
+          <p:cNvSpPr>
+            <a:spLocks noGrp="1"/>
+          </p:cNvSpPr>
+          <p:nvPr>
+            <p:ph type="body" sz="quarter" idx="12" hasCustomPrompt="1"/>
+          </p:nvPr>
+        </p:nvSpPr>
+        <p:spPr>
+          <a:xfrm>
+            <a:off x="457199" y="5121647"/>
+            <a:ext cx="3990513" cy="461665"/>
+          </a:xfrm>
+          <a:prstGeom prst="rect">
+            <a:avLst/>
+          </a:prstGeom>
+          <a:noFill/>
+        </p:spPr>
+        <p:txBody>
+          <a:bodyPr wrap="square" rtlCol="0">
+            <a:spAutoFit/>
+          </a:bodyPr>
+          <a:lstStyle>
+            <a:lvl1pPr marL="0" indent="0">
+              <a:buNone/>
+              <a:defRPr lang="en-US" sz="2400" dirty="0">
+                <a:solidFill>
+                  <a:schemeClr val="tx2">
+                    <a:lumMod val="50000"/>
+                  </a:schemeClr>
+                </a:solidFill>
+                <a:latin typeface="Corbel" pitchFamily="34" charset="0"/>
+              </a:defRPr>
+            </a:lvl1pPr>
+          </a:lstStyle>
+          <a:p>
+            <a:pPr lvl="0" eaLnBrk="1" hangingPunct="1">
+              <a:spcBef>
+                <a:spcPct val="0"/>
+              </a:spcBef>
+            </a:pPr>
+            <a:r>
+              <a:rPr lang="en-US" sz="2400" dirty="0" smtClean="0">
+                <a:solidFill>
+                  <a:schemeClr val="tx2">
+                    <a:lumMod val="50000"/>
+                  </a:schemeClr>
+                </a:solidFill>
+                <a:latin typeface="Corbel" pitchFamily="34" charset="0"/>
+              </a:rPr>
+              <a:t>Telerik Software Academy</a:t>
+            </a:r>
+            <a:endParaRPr lang="en-US" sz="2400" dirty="0">
+              <a:solidFill>
+                <a:schemeClr val="tx2">
+                  <a:lumMod val="50000"/>
+                </a:schemeClr>
+              </a:solidFill>
+              <a:latin typeface="Corbel" pitchFamily="34" charset="0"/>
+            </a:endParaRPr>
+          </a:p>
+        </p:txBody>
+      </p:sp>
+    </p:spTree>
+    <p:extLst>
+      <p:ext uri="{BB962C8B-B14F-4D97-AF65-F5344CB8AC3E}">
+        <p14:creationId xmlns:p14="http://schemas.microsoft.com/office/powerpoint/2010/main" val="4294222926"/>
+      </p:ext>
+    </p:extLst>
+  </p:cSld>
+  <p:clrMapOvr>
+    <a:masterClrMapping/>
+  </p:clrMapOvr>
+  <p:timing>
+    <p:tnLst>
+      <p:par>
+        <p:cTn id="1" dur="indefinite" restart="never" nodeType="tmRoot"/>
+      </p:par>
+    </p:tnLst>
+  </p:timing>
+  <p:hf hdr="0" ftr="0" dt="0"/>
+</p:sldLayout>
+</file>
+
+<file path=ppt/slideLayouts/slideLayout2.xml><?xml version="1.0" encoding="utf-8"?>
+<p:sldLayout xmlns:a="http://schemas.openxmlformats.org/drawingml/2006/main" xmlns:r="http://schemas.openxmlformats.org/officeDocument/2006/relationships" xmlns:p="http://schemas.openxmlformats.org/presentationml/2006/main" type="obj" preserve="1">
+  <p:cSld name="Title and Content">
+    <p:spTree>
+      <p:nvGrpSpPr>
+        <p:cNvPr id="1" name=""/>
+        <p:cNvGrpSpPr/>
+        <p:nvPr/>
+      </p:nvGrpSpPr>
+      <p:grpSpPr>
+        <a:xfrm>
+          <a:off x="0" y="0"/>
+          <a:ext cx="0" cy="0"/>
+          <a:chOff x="0" y="0"/>
+          <a:chExt cx="0" cy="0"/>
+        </a:xfrm>
+      </p:grpSpPr>
+      <p:sp>
+        <p:nvSpPr>
+          <p:cNvPr id="2" name="Title 1"/>
+          <p:cNvSpPr>
+            <a:spLocks noGrp="1"/>
+          </p:cNvSpPr>
+          <p:nvPr>
+            <p:ph type="title" hasCustomPrompt="1"/>
+          </p:nvPr>
+        </p:nvSpPr>
+        <p:spPr>
+          <a:xfrm>
+            <a:off x="1828800" y="76200"/>
+            <a:ext cx="7086600" cy="838200"/>
+          </a:xfrm>
+          <a:prstGeom prst="rect">
+            <a:avLst/>
+          </a:prstGeom>
+        </p:spPr>
+        <p:txBody>
+          <a:bodyPr anchor="ctr" anchorCtr="0">
+            <a:noAutofit/>
+          </a:bodyPr>
+          <a:lstStyle>
+            <a:lvl1pPr algn="r" rtl="0" eaLnBrk="0" fontAlgn="base" hangingPunct="0">
+              <a:lnSpc>
+                <a:spcPts val="4000"/>
+              </a:lnSpc>
+              <a:spcBef>
+                <a:spcPct val="0"/>
+              </a:spcBef>
+              <a:spcAft>
+                <a:spcPct val="0"/>
+              </a:spcAft>
+              <a:defRPr lang="en-US" sz="4000" b="1" kern="1200" baseline="0" dirty="0">
+                <a:ln w="500">
+                  <a:noFill/>
+                </a:ln>
+                <a:solidFill>
+                  <a:schemeClr val="tx2"/>
+                </a:solidFill>
+                <a:effectLst>
+                  <a:outerShdw blurRad="38100" dist="38100" dir="2700000" algn="tl">
+                    <a:srgbClr val="000000">
+                      <a:alpha val="43137"/>
+                    </a:srgbClr>
+                  </a:outerShdw>
+                  <a:reflection blurRad="12700" stA="20000" endPos="50000" dist="12700" dir="5400000" sy="-100000" algn="bl" rotWithShape="0"/>
+                </a:effectLst>
+                <a:latin typeface="+mj-lt"/>
+                <a:ea typeface="+mj-ea"/>
+                <a:cs typeface="+mj-cs"/>
+              </a:defRPr>
+            </a:lvl1pPr>
+          </a:lstStyle>
+          <a:p>
+            <a:r>
+              <a:rPr lang="en-US" dirty="0" smtClean="0"/>
+              <a:t>Slide Title</a:t>
+            </a:r>
+            <a:endParaRPr lang="en-US" dirty="0"/>
+          </a:p>
+        </p:txBody>
+      </p:sp>
+      <p:sp>
+        <p:nvSpPr>
+          <p:cNvPr id="3" name="Content Placeholder 2"/>
+          <p:cNvSpPr>
+            <a:spLocks noGrp="1"/>
+          </p:cNvSpPr>
+          <p:nvPr>
+            <p:ph idx="1" hasCustomPrompt="1"/>
+          </p:nvPr>
+        </p:nvSpPr>
+        <p:spPr>
+          <a:xfrm>
+            <a:off x="228600" y="914400"/>
+            <a:ext cx="8686800" cy="5791200"/>
+          </a:xfrm>
+          <a:prstGeom prst="rect">
+            <a:avLst/>
+          </a:prstGeom>
+        </p:spPr>
+        <p:txBody>
+          <a:bodyPr/>
+          <a:lstStyle>
+            <a:lvl1pPr marL="282575" indent="-282575">
+              <a:lnSpc>
+                <a:spcPct val="105000"/>
+              </a:lnSpc>
+              <a:spcBef>
+                <a:spcPts val="600"/>
+              </a:spcBef>
+              <a:spcAft>
+                <a:spcPts val="600"/>
+              </a:spcAft>
+              <a:buClr>
+                <a:schemeClr val="accent5">
+                  <a:lumMod val="40000"/>
+                  <a:lumOff val="60000"/>
+                </a:schemeClr>
+              </a:buClr>
+              <a:tabLst>
+                <a:tab pos="282575" algn="l"/>
+              </a:tabLst>
+              <a:defRPr sz="3200">
+                <a:solidFill>
+                  <a:srgbClr val="EBFFD2"/>
+                </a:solidFill>
+              </a:defRPr>
+            </a:lvl1pPr>
+            <a:lvl2pPr>
+              <a:lnSpc>
+                <a:spcPct val="105000"/>
+              </a:lnSpc>
+              <a:spcBef>
+                <a:spcPts val="600"/>
+              </a:spcBef>
+              <a:spcAft>
+                <a:spcPts val="600"/>
+              </a:spcAft>
+              <a:buClr>
+                <a:srgbClr val="8FD600"/>
+              </a:buClr>
+              <a:defRPr sz="3000">
+                <a:solidFill>
+                  <a:schemeClr val="tx1">
+                    <a:lumMod val="40000"/>
+                    <a:lumOff val="60000"/>
+                  </a:schemeClr>
+                </a:solidFill>
+              </a:defRPr>
+            </a:lvl2pPr>
+            <a:lvl3pPr>
+              <a:lnSpc>
+                <a:spcPct val="105000"/>
+              </a:lnSpc>
+              <a:spcBef>
+                <a:spcPts val="600"/>
+              </a:spcBef>
+              <a:spcAft>
+                <a:spcPts val="600"/>
+              </a:spcAft>
+              <a:buClr>
+                <a:srgbClr val="FFAD9F"/>
+              </a:buClr>
+              <a:defRPr sz="2800">
+                <a:solidFill>
+                  <a:srgbClr val="F5FFC2"/>
+                </a:solidFill>
+              </a:defRPr>
+            </a:lvl3pPr>
+            <a:lvl4pPr>
+              <a:lnSpc>
+                <a:spcPct val="105000"/>
+              </a:lnSpc>
+              <a:spcBef>
+                <a:spcPts val="600"/>
+              </a:spcBef>
+              <a:spcAft>
+                <a:spcPts val="600"/>
+              </a:spcAft>
+              <a:buClr>
+                <a:srgbClr val="FACF82"/>
+              </a:buClr>
+              <a:defRPr sz="2600">
+                <a:solidFill>
+                  <a:schemeClr val="tx1">
+                    <a:lumMod val="40000"/>
+                    <a:lumOff val="60000"/>
+                  </a:schemeClr>
+                </a:solidFill>
+              </a:defRPr>
+            </a:lvl4pPr>
+            <a:lvl5pPr>
+              <a:lnSpc>
+                <a:spcPct val="105000"/>
+              </a:lnSpc>
+              <a:spcBef>
+                <a:spcPts val="600"/>
+              </a:spcBef>
+              <a:spcAft>
+                <a:spcPts val="600"/>
+              </a:spcAft>
+              <a:defRPr sz="2400">
+                <a:solidFill>
+                  <a:schemeClr val="tx1">
+                    <a:lumMod val="40000"/>
+                    <a:lumOff val="60000"/>
+                  </a:schemeClr>
+                </a:solidFill>
+              </a:defRPr>
+            </a:lvl5pPr>
+          </a:lstStyle>
+          <a:p>
+            <a:pPr lvl="0"/>
+            <a:r>
+              <a:rPr lang="en-US" dirty="0" smtClean="0"/>
+              <a:t>First Level</a:t>
+            </a:r>
+          </a:p>
+          <a:p>
+            <a:pPr lvl="1"/>
+            <a:r>
+              <a:rPr lang="en-US" dirty="0" smtClean="0"/>
+              <a:t>Second level</a:t>
+            </a:r>
+          </a:p>
+          <a:p>
+            <a:pPr lvl="2"/>
+            <a:r>
+              <a:rPr lang="en-US" dirty="0" smtClean="0"/>
+              <a:t>Third level</a:t>
+            </a:r>
+          </a:p>
+          <a:p>
+            <a:pPr lvl="3"/>
+            <a:r>
+              <a:rPr lang="en-US" dirty="0" smtClean="0"/>
+              <a:t>Fourth level</a:t>
+            </a:r>
+          </a:p>
+          <a:p>
+            <a:pPr lvl="4"/>
+            <a:r>
+              <a:rPr lang="en-US" dirty="0" smtClean="0"/>
+              <a:t>Fifth level</a:t>
+            </a:r>
+            <a:endParaRPr lang="en-US" dirty="0"/>
+          </a:p>
+        </p:txBody>
+      </p:sp>
+      <p:sp>
+        <p:nvSpPr>
+          <p:cNvPr id="4" name="Slide Number Placeholder 5"/>
+          <p:cNvSpPr>
+            <a:spLocks noGrp="1"/>
+          </p:cNvSpPr>
+          <p:nvPr>
+            <p:ph type="sldNum" sz="quarter" idx="10"/>
+          </p:nvPr>
+        </p:nvSpPr>
+        <p:spPr>
+          <a:xfrm>
+            <a:off x="8610600" y="6553200"/>
+            <a:ext cx="457200" cy="228600"/>
+          </a:xfrm>
+          <a:prstGeom prst="rect">
+            <a:avLst/>
+          </a:prstGeom>
+        </p:spPr>
+        <p:txBody>
+          <a:bodyPr anchor="ctr" anchorCtr="0"/>
+          <a:lstStyle>
+            <a:lvl1pPr algn="r">
+              <a:defRPr sz="1100"/>
+            </a:lvl1pPr>
+          </a:lstStyle>
+          <a:p>
+            <a:pPr>
+              <a:defRPr/>
+            </a:pPr>
+            <a:fld id="{58452FF4-89E3-4D1B-9927-2DBDC00E58D7}" type="slidenum">
+              <a:rPr lang="en-US" smtClean="0"/>
+              <a:pPr>
+                <a:defRPr/>
+              </a:pPr>
+              <a:t>‹#›</a:t>
+            </a:fld>
+            <a:endParaRPr lang="en-US" dirty="0"/>
+          </a:p>
+        </p:txBody>
+      </p:sp>
+    </p:spTree>
+    <p:extLst>
+      <p:ext uri="{BB962C8B-B14F-4D97-AF65-F5344CB8AC3E}">
+        <p14:creationId xmlns:p14="http://schemas.microsoft.com/office/powerpoint/2010/main" val="1057613046"/>
+      </p:ext>
+    </p:extLst>
+  </p:cSld>
+  <p:clrMapOvr>
+    <a:masterClrMapping/>
+  </p:clrMapOvr>
+  <p:timing>
+    <p:tnLst>
+      <p:par>
+        <p:cTn id="1" dur="indefinite" restart="never" nodeType="tmRoot"/>
+      </p:par>
+    </p:tnLst>
+  </p:timing>
+</p:sldLayout>
+</file>
+
+<file path=ppt/slideLayouts/slideLayout3.xml><?xml version="1.0" encoding="utf-8"?>
+<p:sldLayout xmlns:a="http://schemas.openxmlformats.org/drawingml/2006/main" xmlns:r="http://schemas.openxmlformats.org/officeDocument/2006/relationships" xmlns:p="http://schemas.openxmlformats.org/presentationml/2006/main" preserve="1">
+  <p:cSld name="Custom Layout">
+    <p:spTree>
+      <p:nvGrpSpPr>
+        <p:cNvPr id="1" name=""/>
+        <p:cNvGrpSpPr/>
+        <p:nvPr/>
+      </p:nvGrpSpPr>
+      <p:grpSpPr>
+        <a:xfrm>
+          <a:off x="0" y="0"/>
+          <a:ext cx="0" cy="0"/>
+          <a:chOff x="0" y="0"/>
+          <a:chExt cx="0" cy="0"/>
+        </a:xfrm>
+      </p:grpSpPr>
+      <p:sp>
+        <p:nvSpPr>
+          <p:cNvPr id="4" name="Title 1"/>
+          <p:cNvSpPr>
+            <a:spLocks noGrp="1"/>
+          </p:cNvSpPr>
+          <p:nvPr>
+            <p:ph type="title" hasCustomPrompt="1"/>
+          </p:nvPr>
+        </p:nvSpPr>
+        <p:spPr>
+          <a:xfrm>
+            <a:off x="1828800" y="76200"/>
+            <a:ext cx="7086600" cy="838200"/>
+          </a:xfrm>
+          <a:prstGeom prst="rect">
+            <a:avLst/>
+          </a:prstGeom>
+        </p:spPr>
+        <p:txBody>
+          <a:bodyPr anchor="ctr" anchorCtr="0">
+            <a:noAutofit/>
+          </a:bodyPr>
+          <a:lstStyle>
+            <a:lvl1pPr>
+              <a:lnSpc>
+                <a:spcPts val="4000"/>
+              </a:lnSpc>
+              <a:defRPr sz="4000">
+                <a:effectLst>
+                  <a:outerShdw blurRad="38100" dist="38100" dir="2700000" algn="tl">
+                    <a:srgbClr val="000000">
+                      <a:alpha val="43137"/>
+                    </a:srgbClr>
+                  </a:outerShdw>
+                  <a:reflection blurRad="12700" stA="20000" endPos="50000" dist="12700" dir="5400000" sy="-100000" algn="bl" rotWithShape="0"/>
+                </a:effectLst>
+              </a:defRPr>
+            </a:lvl1pPr>
+          </a:lstStyle>
+          <a:p>
+            <a:r>
+              <a:rPr lang="en-US" dirty="0" smtClean="0"/>
+              <a:t>Slide Title</a:t>
+            </a:r>
+            <a:endParaRPr lang="en-US" dirty="0"/>
+          </a:p>
+        </p:txBody>
+      </p:sp>
+      <p:sp>
+        <p:nvSpPr>
+          <p:cNvPr id="5" name="Content Placeholder 2"/>
+          <p:cNvSpPr>
+            <a:spLocks noGrp="1"/>
+          </p:cNvSpPr>
+          <p:nvPr>
+            <p:ph idx="1" hasCustomPrompt="1"/>
+          </p:nvPr>
+        </p:nvSpPr>
+        <p:spPr>
+          <a:xfrm>
+            <a:off x="228600" y="990600"/>
+            <a:ext cx="8686800" cy="579646"/>
+          </a:xfrm>
+          <a:prstGeom prst="rect">
+            <a:avLst/>
+          </a:prstGeom>
+        </p:spPr>
+        <p:txBody>
+          <a:bodyPr>
+            <a:spAutoFit/>
+          </a:bodyPr>
+          <a:lstStyle>
+            <a:lvl1pPr marL="319088" marR="0" indent="-319088" algn="l" defTabSz="914400" rtl="0" eaLnBrk="0" fontAlgn="base" latinLnBrk="0" hangingPunct="0">
+              <a:lnSpc>
+                <a:spcPct val="100000"/>
+              </a:lnSpc>
+              <a:spcBef>
+                <a:spcPct val="20000"/>
+              </a:spcBef>
+              <a:spcAft>
+                <a:spcPct val="0"/>
+              </a:spcAft>
+              <a:buClr>
+                <a:srgbClr val="46A6BD">
+                  <a:lumMod val="40000"/>
+                  <a:lumOff val="60000"/>
+                </a:srgbClr>
+              </a:buClr>
+              <a:buSzPct val="70000"/>
+              <a:buFont typeface="Wingdings 2" pitchFamily="18" charset="2"/>
+              <a:buChar char=""/>
+              <a:tabLst/>
+              <a:defRPr sz="3000" baseline="0">
+                <a:solidFill>
+                  <a:schemeClr val="tx1">
+                    <a:lumMod val="40000"/>
+                    <a:lumOff val="60000"/>
+                  </a:schemeClr>
+                </a:solidFill>
+              </a:defRPr>
+            </a:lvl1pPr>
+            <a:lvl2pPr>
+              <a:lnSpc>
+                <a:spcPts val="3800"/>
+              </a:lnSpc>
+              <a:spcBef>
+                <a:spcPts val="600"/>
+              </a:spcBef>
+              <a:spcAft>
+                <a:spcPts val="600"/>
+              </a:spcAft>
+              <a:buClr>
+                <a:srgbClr val="8FD600"/>
+              </a:buClr>
+              <a:defRPr sz="3000">
+                <a:solidFill>
+                  <a:schemeClr val="tx1">
+                    <a:lumMod val="40000"/>
+                    <a:lumOff val="60000"/>
+                  </a:schemeClr>
+                </a:solidFill>
+              </a:defRPr>
+            </a:lvl2pPr>
+            <a:lvl3pPr>
+              <a:lnSpc>
+                <a:spcPts val="3800"/>
+              </a:lnSpc>
+              <a:spcBef>
+                <a:spcPts val="600"/>
+              </a:spcBef>
+              <a:spcAft>
+                <a:spcPts val="600"/>
+              </a:spcAft>
+              <a:buClr>
+                <a:srgbClr val="FFAD9F"/>
+              </a:buClr>
+              <a:defRPr sz="2800">
+                <a:solidFill>
+                  <a:schemeClr val="tx1">
+                    <a:lumMod val="40000"/>
+                    <a:lumOff val="60000"/>
+                  </a:schemeClr>
+                </a:solidFill>
+              </a:defRPr>
+            </a:lvl3pPr>
+            <a:lvl4pPr>
+              <a:lnSpc>
+                <a:spcPts val="3800"/>
+              </a:lnSpc>
+              <a:spcBef>
+                <a:spcPts val="600"/>
+              </a:spcBef>
+              <a:spcAft>
+                <a:spcPts val="600"/>
+              </a:spcAft>
+              <a:buClr>
+                <a:srgbClr val="FACF82"/>
+              </a:buClr>
+              <a:defRPr sz="2600">
+                <a:solidFill>
+                  <a:schemeClr val="tx1">
+                    <a:lumMod val="40000"/>
+                    <a:lumOff val="60000"/>
+                  </a:schemeClr>
+                </a:solidFill>
+              </a:defRPr>
+            </a:lvl4pPr>
+            <a:lvl5pPr>
+              <a:lnSpc>
+                <a:spcPts val="3800"/>
+              </a:lnSpc>
+              <a:spcBef>
+                <a:spcPts val="600"/>
+              </a:spcBef>
+              <a:spcAft>
+                <a:spcPts val="600"/>
+              </a:spcAft>
+              <a:defRPr sz="2400">
+                <a:solidFill>
+                  <a:schemeClr val="tx1">
+                    <a:lumMod val="40000"/>
+                    <a:lumOff val="60000"/>
+                  </a:schemeClr>
+                </a:solidFill>
+              </a:defRPr>
+            </a:lvl5pPr>
+          </a:lstStyle>
+          <a:p>
+            <a:pPr marL="319088" marR="0" lvl="0" indent="-319088" algn="l" defTabSz="914400" rtl="0" eaLnBrk="0" fontAlgn="base" latinLnBrk="0" hangingPunct="0">
+              <a:lnSpc>
+                <a:spcPct val="100000"/>
+              </a:lnSpc>
+              <a:spcBef>
+                <a:spcPct val="20000"/>
+              </a:spcBef>
+              <a:spcAft>
+                <a:spcPct val="0"/>
+              </a:spcAft>
+              <a:buClr>
+                <a:srgbClr val="46A6BD">
+                  <a:lumMod val="40000"/>
+                  <a:lumOff val="60000"/>
+                </a:srgbClr>
+              </a:buClr>
+              <a:buSzPct val="70000"/>
+              <a:buFont typeface="Wingdings 2" pitchFamily="18" charset="2"/>
+              <a:buChar char=""/>
+              <a:tabLst/>
+              <a:defRPr/>
+            </a:pPr>
+            <a:r>
+              <a:rPr kumimoji="0" lang="en-US" sz="3200" b="1" i="0" u="none" strike="noStrike" kern="1200" cap="none" spc="0" normalizeH="0" baseline="0" noProof="0" dirty="0" smtClean="0">
+                <a:ln>
+                  <a:noFill/>
+                </a:ln>
+                <a:solidFill>
+                  <a:srgbClr val="CCFF66">
+                    <a:lumMod val="20000"/>
+                    <a:lumOff val="80000"/>
+                  </a:srgbClr>
+                </a:solidFill>
+                <a:effectLst>
+                  <a:outerShdw blurRad="38100" dist="38100" dir="2700000" algn="tl">
+                    <a:srgbClr val="000000">
+                      <a:alpha val="43137"/>
+                    </a:srgbClr>
+                  </a:outerShdw>
+                </a:effectLst>
+                <a:uLnTx/>
+                <a:uFillTx/>
+                <a:latin typeface="+mn-lt"/>
+                <a:ea typeface="+mn-ea"/>
+                <a:cs typeface="+mn-cs"/>
+              </a:rPr>
+              <a:t>First Level</a:t>
+            </a:r>
+          </a:p>
+        </p:txBody>
+      </p:sp>
+      <p:sp>
+        <p:nvSpPr>
+          <p:cNvPr id="6" name="Text Placeholder 5"/>
+          <p:cNvSpPr>
+            <a:spLocks noGrp="1"/>
+          </p:cNvSpPr>
+          <p:nvPr>
+            <p:ph type="body" sz="quarter" idx="11" hasCustomPrompt="1"/>
+          </p:nvPr>
+        </p:nvSpPr>
+        <p:spPr>
+          <a:xfrm>
+            <a:off x="533400" y="1752600"/>
+            <a:ext cx="8077200" cy="4708981"/>
+          </a:xfrm>
+          <a:prstGeom prst="rect">
+            <a:avLst/>
+          </a:prstGeom>
+          <a:solidFill>
+            <a:schemeClr val="accent5">
+              <a:lumMod val="40000"/>
+              <a:lumOff val="60000"/>
+              <a:alpha val="15000"/>
+            </a:schemeClr>
+          </a:solidFill>
+          <a:ln w="12700">
+            <a:solidFill>
+              <a:schemeClr val="accent5">
+                <a:lumMod val="60000"/>
+                <a:lumOff val="40000"/>
+              </a:schemeClr>
+            </a:solidFill>
+          </a:ln>
+        </p:spPr>
+        <p:txBody>
+          <a:bodyPr wrap="square">
+            <a:spAutoFit/>
+          </a:bodyPr>
+          <a:lstStyle>
+            <a:lvl1pPr marL="0" indent="0" algn="l">
+              <a:spcBef>
+                <a:spcPts val="0"/>
+              </a:spcBef>
+              <a:buNone/>
+              <a:defRPr lang="en-US" sz="2000" smtClean="0">
+                <a:solidFill>
+                  <a:srgbClr val="8CF4F2"/>
+                </a:solidFill>
+                <a:latin typeface="Consolas" pitchFamily="49" charset="0"/>
+                <a:cs typeface="Consolas" pitchFamily="49" charset="0"/>
+              </a:defRPr>
+            </a:lvl1pPr>
+          </a:lstStyle>
+          <a:p>
+            <a:pPr lvl="0"/>
+            <a:r>
+              <a:rPr lang="en-US" noProof="1" smtClean="0"/>
+              <a:t>Enter source code here</a:t>
+            </a:r>
+          </a:p>
+          <a:p>
+            <a:pPr lvl="0"/>
+            <a:endParaRPr lang="en-US" noProof="1" smtClean="0"/>
+          </a:p>
+          <a:p>
+            <a:pPr lvl="0"/>
+            <a:endParaRPr lang="en-US" noProof="1" smtClean="0"/>
+          </a:p>
+          <a:p>
+            <a:pPr lvl="0"/>
+            <a:endParaRPr lang="en-US" noProof="1" smtClean="0"/>
+          </a:p>
+          <a:p>
+            <a:pPr lvl="0"/>
+            <a:endParaRPr lang="en-US" noProof="1" smtClean="0"/>
+          </a:p>
+          <a:p>
+            <a:pPr lvl="0"/>
+            <a:endParaRPr lang="en-US" noProof="1" smtClean="0"/>
+          </a:p>
+          <a:p>
+            <a:pPr lvl="0"/>
+            <a:endParaRPr lang="en-US" noProof="1" smtClean="0"/>
+          </a:p>
+          <a:p>
+            <a:pPr lvl="0"/>
+            <a:endParaRPr lang="en-US" noProof="1" smtClean="0"/>
+          </a:p>
+          <a:p>
+            <a:pPr lvl="0"/>
+            <a:endParaRPr lang="en-US" noProof="1" smtClean="0"/>
+          </a:p>
+          <a:p>
+            <a:pPr lvl="0"/>
+            <a:endParaRPr lang="en-US" noProof="1" smtClean="0"/>
+          </a:p>
+          <a:p>
+            <a:pPr lvl="0"/>
+            <a:endParaRPr lang="en-US" noProof="1" smtClean="0"/>
+          </a:p>
+          <a:p>
+            <a:pPr lvl="0"/>
+            <a:endParaRPr lang="en-US" noProof="1" smtClean="0"/>
+          </a:p>
+          <a:p>
+            <a:pPr lvl="0"/>
+            <a:endParaRPr lang="en-US" noProof="1" smtClean="0"/>
+          </a:p>
+          <a:p>
+            <a:pPr lvl="0"/>
+            <a:endParaRPr lang="en-US" noProof="1" smtClean="0"/>
+          </a:p>
+          <a:p>
+            <a:pPr lvl="0"/>
+            <a:endParaRPr lang="en-US" noProof="1" smtClean="0"/>
+          </a:p>
+        </p:txBody>
+      </p:sp>
+      <p:sp>
+        <p:nvSpPr>
+          <p:cNvPr id="7" name="Slide Number Placeholder 5"/>
+          <p:cNvSpPr>
+            <a:spLocks noGrp="1"/>
+          </p:cNvSpPr>
+          <p:nvPr>
+            <p:ph type="sldNum" sz="quarter" idx="10"/>
+          </p:nvPr>
+        </p:nvSpPr>
+        <p:spPr>
+          <a:xfrm>
+            <a:off x="8610600" y="6553200"/>
+            <a:ext cx="457200" cy="228600"/>
+          </a:xfrm>
+          <a:prstGeom prst="rect">
+            <a:avLst/>
+          </a:prstGeom>
+        </p:spPr>
+        <p:txBody>
+          <a:bodyPr anchor="ctr" anchorCtr="0"/>
+          <a:lstStyle>
+            <a:lvl1pPr algn="r">
+              <a:defRPr sz="1100"/>
+            </a:lvl1pPr>
+          </a:lstStyle>
+          <a:p>
+            <a:pPr>
+              <a:defRPr/>
+            </a:pPr>
+            <a:fld id="{58452FF4-89E3-4D1B-9927-2DBDC00E58D7}" type="slidenum">
+              <a:rPr lang="en-US" smtClean="0"/>
+              <a:pPr>
+                <a:defRPr/>
+              </a:pPr>
+              <a:t>‹#›</a:t>
+            </a:fld>
+            <a:endParaRPr lang="en-US" dirty="0"/>
+          </a:p>
+        </p:txBody>
+      </p:sp>
+    </p:spTree>
+    <p:extLst>
+      <p:ext uri="{BB962C8B-B14F-4D97-AF65-F5344CB8AC3E}">
+        <p14:creationId xmlns:p14="http://schemas.microsoft.com/office/powerpoint/2010/main" val="515908546"/>
+      </p:ext>
+    </p:extLst>
+  </p:cSld>
+  <p:clrMapOvr>
+    <a:masterClrMapping/>
+  </p:clrMapOvr>
+</p:sldLayout>
+</file>
+
+<file path=ppt/slideLayouts/slideLayout4.xml><?xml version="1.0" encoding="utf-8"?>
+<p:sldLayout xmlns:a="http://schemas.openxmlformats.org/drawingml/2006/main" xmlns:r="http://schemas.openxmlformats.org/officeDocument/2006/relationships" xmlns:p="http://schemas.openxmlformats.org/presentationml/2006/main" type="title" preserve="1">
+  <p:cSld name="Title Slide">
+    <p:spTree>
+      <p:nvGrpSpPr>
+        <p:cNvPr id="1" name=""/>
+        <p:cNvGrpSpPr/>
+        <p:nvPr/>
+      </p:nvGrpSpPr>
+      <p:grpSpPr>
+        <a:xfrm>
+          <a:off x="0" y="0"/>
+          <a:ext cx="0" cy="0"/>
+          <a:chOff x="0" y="0"/>
+          <a:chExt cx="0" cy="0"/>
+        </a:xfrm>
+      </p:grpSpPr>
+      <p:sp>
+        <p:nvSpPr>
+          <p:cNvPr id="9" name="Title 8"/>
+          <p:cNvSpPr>
+            <a:spLocks noGrp="1"/>
+          </p:cNvSpPr>
+          <p:nvPr>
+            <p:ph type="ctrTitle" hasCustomPrompt="1"/>
+          </p:nvPr>
+        </p:nvSpPr>
+        <p:spPr>
+          <a:xfrm>
+            <a:off x="609600" y="2743201"/>
+            <a:ext cx="7924800" cy="685800"/>
+          </a:xfrm>
+          <a:prstGeom prst="rect">
+            <a:avLst/>
+          </a:prstGeom>
+        </p:spPr>
+        <p:txBody>
+          <a:bodyPr tIns="0" bIns="0" anchor="ctr" anchorCtr="0"/>
+          <a:lstStyle>
+            <a:lvl1pPr algn="ctr">
+              <a:lnSpc>
+                <a:spcPts val="5600"/>
+              </a:lnSpc>
+              <a:defRPr sz="5000" cap="none" baseline="0">
+                <a:effectLst>
+                  <a:outerShdw blurRad="30000" dist="30000" dir="2700000" algn="tl" rotWithShape="0">
+                    <a:schemeClr val="bg2">
+                      <a:shade val="45000"/>
+                      <a:satMod val="150000"/>
+                      <a:alpha val="90000"/>
+                    </a:schemeClr>
+                  </a:outerShdw>
+                  <a:reflection blurRad="12000" stA="20000" endPos="50000" dist="12700" dir="5400000" sy="-100000" algn="bl" rotWithShape="0"/>
+                </a:effectLst>
+              </a:defRPr>
+            </a:lvl1pPr>
+          </a:lstStyle>
+          <a:p>
+            <a:r>
+              <a:rPr lang="en-US" dirty="0" smtClean="0"/>
+              <a:t>Section Title</a:t>
+            </a:r>
+            <a:endParaRPr lang="en-US" dirty="0"/>
+          </a:p>
+        </p:txBody>
+      </p:sp>
+      <p:sp>
+        <p:nvSpPr>
+          <p:cNvPr id="17" name="Subtitle 16"/>
+          <p:cNvSpPr>
+            <a:spLocks noGrp="1"/>
+          </p:cNvSpPr>
+          <p:nvPr>
+            <p:ph type="subTitle" idx="1" hasCustomPrompt="1"/>
+          </p:nvPr>
+        </p:nvSpPr>
+        <p:spPr>
+          <a:xfrm>
+            <a:off x="609600" y="3469480"/>
+            <a:ext cx="7924800" cy="569120"/>
+          </a:xfrm>
+          <a:prstGeom prst="rect">
+            <a:avLst/>
+          </a:prstGeom>
+        </p:spPr>
+        <p:txBody>
+          <a:bodyPr lIns="0" tIns="0" rIns="0" bIns="0" anchor="ctr" anchorCtr="0"/>
+          <a:lstStyle>
+            <a:lvl1pPr marL="0" indent="0" algn="ctr" rtl="0" eaLnBrk="0" fontAlgn="base" hangingPunct="0">
+              <a:spcBef>
+                <a:spcPct val="20000"/>
+              </a:spcBef>
+              <a:spcAft>
+                <a:spcPct val="0"/>
+              </a:spcAft>
+              <a:buClr>
+                <a:schemeClr val="accent5">
+                  <a:lumMod val="40000"/>
+                  <a:lumOff val="60000"/>
+                </a:schemeClr>
+              </a:buClr>
+              <a:buSzPct val="70000"/>
+              <a:buFont typeface="Wingdings 2" pitchFamily="18" charset="2"/>
+              <a:buNone/>
+              <a:defRPr lang="en-US" sz="2800" b="1" kern="1200" baseline="0" dirty="0">
+                <a:solidFill>
+                  <a:srgbClr val="FAF7C8"/>
+                </a:solidFill>
+                <a:effectLst>
+                  <a:outerShdw blurRad="38100" dist="38100" dir="2700000" algn="tl">
+                    <a:srgbClr val="000000">
+                      <a:alpha val="43137"/>
+                    </a:srgbClr>
+                  </a:outerShdw>
+                </a:effectLst>
+                <a:latin typeface="+mn-lt"/>
+                <a:ea typeface="+mn-ea"/>
+                <a:cs typeface="+mn-cs"/>
+              </a:defRPr>
+            </a:lvl1pPr>
+            <a:lvl2pPr marL="457200" indent="0" algn="ctr">
+              <a:buNone/>
+            </a:lvl2pPr>
+            <a:lvl3pPr marL="914400" indent="0" algn="ctr">
+              <a:buNone/>
+            </a:lvl3pPr>
+            <a:lvl4pPr marL="1371600" indent="0" algn="ctr">
+              <a:buNone/>
+            </a:lvl4pPr>
+            <a:lvl5pPr marL="1828800" indent="0" algn="ctr">
+              <a:buNone/>
+            </a:lvl5pPr>
+            <a:lvl6pPr marL="2286000" indent="0" algn="ctr">
+              <a:buNone/>
+            </a:lvl6pPr>
+            <a:lvl7pPr marL="2743200" indent="0" algn="ctr">
+              <a:buNone/>
+            </a:lvl7pPr>
+            <a:lvl8pPr marL="3200400" indent="0" algn="ctr">
+              <a:buNone/>
+            </a:lvl8pPr>
+            <a:lvl9pPr marL="3657600" indent="0" algn="ctr">
+              <a:buNone/>
+            </a:lvl9pPr>
+          </a:lstStyle>
+          <a:p>
+            <a:r>
+              <a:rPr lang="en-US" dirty="0" smtClean="0"/>
+              <a:t>Section Subtitle</a:t>
+            </a:r>
+            <a:endParaRPr lang="en-US" dirty="0"/>
+          </a:p>
+        </p:txBody>
+      </p:sp>
+    </p:spTree>
+    <p:extLst>
+      <p:ext uri="{BB962C8B-B14F-4D97-AF65-F5344CB8AC3E}">
+        <p14:creationId xmlns:p14="http://schemas.microsoft.com/office/powerpoint/2010/main" val="1185220379"/>
+      </p:ext>
+    </p:extLst>
+  </p:cSld>
+  <p:clrMapOvr>
+    <a:masterClrMapping/>
+  </p:clrMapOvr>
+  <p:timing>
+    <p:tnLst>
+      <p:par>
+        <p:cTn id="1" dur="indefinite" restart="never" nodeType="tmRoot"/>
+      </p:par>
+    </p:tnLst>
+  </p:timing>
+</p:sldLayout>
+</file>
+
+<file path=ppt/slideLayouts/slideLayout5.xml><?xml version="1.0" encoding="utf-8"?>
+<p:sldLayout xmlns:a="http://schemas.openxmlformats.org/drawingml/2006/main" xmlns:r="http://schemas.openxmlformats.org/officeDocument/2006/relationships" xmlns:p="http://schemas.openxmlformats.org/presentationml/2006/main" preserve="1">
+  <p:cSld name="Questions Slide">
+    <p:spTree>
+      <p:nvGrpSpPr>
+        <p:cNvPr id="1" name=""/>
+        <p:cNvGrpSpPr/>
+        <p:nvPr/>
+      </p:nvGrpSpPr>
+      <p:grpSpPr>
+        <a:xfrm>
+          <a:off x="0" y="0"/>
+          <a:ext cx="0" cy="0"/>
+          <a:chOff x="0" y="0"/>
+          <a:chExt cx="0" cy="0"/>
+        </a:xfrm>
+      </p:grpSpPr>
+      <p:grpSp>
+        <p:nvGrpSpPr>
+          <p:cNvPr id="30" name="Group 29"/>
+          <p:cNvGrpSpPr/>
+          <p:nvPr/>
+        </p:nvGrpSpPr>
+        <p:grpSpPr>
+          <a:xfrm>
+            <a:off x="130434" y="6373882"/>
+            <a:ext cx="1816798" cy="331718"/>
+            <a:chOff x="1236228" y="1523999"/>
+            <a:chExt cx="4351212" cy="3261410"/>
+          </a:xfrm>
+          <a:noFill/>
+        </p:grpSpPr>
+        <p:sp>
+          <p:nvSpPr>
+            <p:cNvPr id="31" name="TextBox 30">
+              <a:hlinkClick r:id="rId2" tooltip="Форум за програмиране и уеб дизайн - дискусии, съвети, въпроси и отговори @ Софтуерна академия на Телерик"/>
+            </p:cNvPr>
+            <p:cNvSpPr txBox="1"/>
+            <p:nvPr/>
+          </p:nvSpPr>
+          <p:spPr>
+            <a:xfrm flipH="1">
+              <a:off x="3394420" y="1733044"/>
+              <a:ext cx="1528760" cy="1210412"/>
+            </a:xfrm>
+            <a:prstGeom prst="rect">
+              <a:avLst/>
+            </a:prstGeom>
+            <a:grpFill/>
+          </p:spPr>
+          <p:txBody>
+            <a:bodyPr wrap="none" rtlCol="0">
+              <a:spAutoFit/>
+            </a:bodyPr>
+            <a:lstStyle>
+              <a:defPPr>
+                <a:defRPr lang="en-US"/>
+              </a:defPPr>
+              <a:lvl1pPr lvl="0">
+                <a:defRPr sz="1200"/>
+              </a:lvl1pPr>
+            </a:lstStyle>
+            <a:p>
+              <a:pPr lvl="0"/>
+              <a:r>
+                <a:rPr lang="bg-BG" sz="200" noProof="1" smtClean="0">
+                  <a:ln w="0">
+                    <a:noFill/>
+                  </a:ln>
+                  <a:solidFill>
+                    <a:schemeClr val="bg1"/>
+                  </a:solidFill>
+                  <a:effectLst/>
+                </a:rPr>
+                <a:t>форум програмиране, форум уеб дизайн</a:t>
+              </a:r>
+              <a:endParaRPr lang="bg-BG" sz="200" noProof="1">
+                <a:ln w="0">
+                  <a:noFill/>
+                </a:ln>
+                <a:solidFill>
+                  <a:schemeClr val="bg1"/>
+                </a:solidFill>
+                <a:effectLst/>
+              </a:endParaRPr>
+            </a:p>
+          </p:txBody>
+        </p:sp>
+        <p:sp>
+          <p:nvSpPr>
+            <p:cNvPr id="32" name="TextBox 31">
+              <a:hlinkClick r:id="rId3" tooltip="Курсове и уроци по програмиране, уеб дизайн, разработка на софтуер и информационни технологии - лекции, видео уроци, обучения - безплатно"/>
+            </p:cNvPr>
+            <p:cNvSpPr txBox="1"/>
+            <p:nvPr/>
+          </p:nvSpPr>
+          <p:spPr>
+            <a:xfrm flipH="1">
+              <a:off x="1350512" y="1528531"/>
+              <a:ext cx="2008656" cy="1149887"/>
+            </a:xfrm>
+            <a:prstGeom prst="rect">
+              <a:avLst/>
+            </a:prstGeom>
+            <a:grpFill/>
+          </p:spPr>
+          <p:txBody>
+            <a:bodyPr wrap="none" rtlCol="0">
+              <a:spAutoFit/>
+            </a:bodyPr>
+            <a:lstStyle/>
+            <a:p>
+              <a:pPr>
+                <a:lnSpc>
+                  <a:spcPct val="80000"/>
+                </a:lnSpc>
+              </a:pPr>
+              <a:r>
+                <a:rPr lang="bg-BG" sz="200" kern="1200" noProof="1" smtClean="0">
+                  <a:ln w="0">
+                    <a:noFill/>
+                  </a:ln>
+                  <a:solidFill>
+                    <a:schemeClr val="bg1"/>
+                  </a:solidFill>
+                  <a:effectLst/>
+                  <a:latin typeface="Corbel" pitchFamily="34" charset="0"/>
+                  <a:ea typeface="+mn-ea"/>
+                  <a:cs typeface="+mn-cs"/>
+                </a:rPr>
+                <a:t>курсове и уроци по програмиране, уеб дизайн – безплатно</a:t>
+              </a:r>
+              <a:endParaRPr lang="bg-BG" sz="200" kern="1200" noProof="1">
+                <a:ln w="0">
+                  <a:noFill/>
+                </a:ln>
+                <a:solidFill>
+                  <a:schemeClr val="bg1"/>
+                </a:solidFill>
+                <a:effectLst/>
+                <a:latin typeface="Corbel" pitchFamily="34" charset="0"/>
+                <a:ea typeface="+mn-ea"/>
+                <a:cs typeface="+mn-cs"/>
+              </a:endParaRPr>
+            </a:p>
+          </p:txBody>
+        </p:sp>
+        <p:sp>
+          <p:nvSpPr>
+            <p:cNvPr id="33" name="TextBox 32">
+              <a:hlinkClick r:id="rId4" tooltip="Програмиране за деца - безплатно в Телерик кидс академия"/>
+            </p:cNvPr>
+            <p:cNvSpPr txBox="1"/>
+            <p:nvPr/>
+          </p:nvSpPr>
+          <p:spPr>
+            <a:xfrm flipH="1">
+              <a:off x="1538277" y="2175145"/>
+              <a:ext cx="1816697" cy="1210412"/>
+            </a:xfrm>
+            <a:prstGeom prst="rect">
+              <a:avLst/>
+            </a:prstGeom>
+            <a:grpFill/>
+          </p:spPr>
+          <p:txBody>
+            <a:bodyPr wrap="none" rtlCol="0">
+              <a:spAutoFit/>
+            </a:bodyPr>
+            <a:lstStyle/>
+            <a:p>
+              <a:r>
+                <a:rPr lang="bg-BG" sz="200" kern="1200" noProof="1" smtClean="0">
+                  <a:ln w="0">
+                    <a:noFill/>
+                  </a:ln>
+                  <a:solidFill>
+                    <a:schemeClr val="bg1"/>
+                  </a:solidFill>
+                  <a:effectLst/>
+                  <a:latin typeface="Corbel" pitchFamily="34" charset="0"/>
+                  <a:ea typeface="+mn-ea"/>
+                  <a:cs typeface="+mn-cs"/>
+                </a:rPr>
+                <a:t>програмиране за деца – безплатни курсове и уроци</a:t>
+              </a:r>
+              <a:endParaRPr lang="bg-BG" sz="200" kern="1200" noProof="1">
+                <a:ln w="0">
+                  <a:noFill/>
+                </a:ln>
+                <a:solidFill>
+                  <a:schemeClr val="bg1"/>
+                </a:solidFill>
+                <a:effectLst/>
+                <a:latin typeface="Corbel" pitchFamily="34" charset="0"/>
+                <a:ea typeface="+mn-ea"/>
+                <a:cs typeface="+mn-cs"/>
+              </a:endParaRPr>
+            </a:p>
+          </p:txBody>
+        </p:sp>
+        <p:sp>
+          <p:nvSpPr>
+            <p:cNvPr id="34" name="TextBox 33">
+              <a:hlinkClick r:id="rId5" tooltip="Безплатен SEO курс - оптимизация за търсачки, уроци по SEO"/>
+            </p:cNvPr>
+            <p:cNvSpPr txBox="1"/>
+            <p:nvPr/>
+          </p:nvSpPr>
+          <p:spPr>
+            <a:xfrm flipH="1">
+              <a:off x="1660733" y="2421354"/>
+              <a:ext cx="1697683" cy="1210412"/>
+            </a:xfrm>
+            <a:prstGeom prst="rect">
+              <a:avLst/>
+            </a:prstGeom>
+            <a:grpFill/>
+          </p:spPr>
+          <p:txBody>
+            <a:bodyPr wrap="none" rtlCol="0">
+              <a:spAutoFit/>
+            </a:bodyPr>
+            <a:lstStyle>
+              <a:defPPr>
+                <a:defRPr lang="en-US"/>
+              </a:defPPr>
+              <a:lvl1pPr lvl="0">
+                <a:defRPr sz="1200"/>
+              </a:lvl1pPr>
+            </a:lstStyle>
+            <a:p>
+              <a:pPr lvl="0" algn="l"/>
+              <a:r>
+                <a:rPr lang="bg-BG" sz="200" noProof="1" smtClean="0">
+                  <a:ln w="0">
+                    <a:noFill/>
+                  </a:ln>
+                  <a:solidFill>
+                    <a:schemeClr val="bg1"/>
+                  </a:solidFill>
+                  <a:effectLst/>
+                </a:rPr>
+                <a:t>безплатен SEO курс - оптимизация за търсачки</a:t>
+              </a:r>
+              <a:endParaRPr lang="bg-BG" sz="200" noProof="1">
+                <a:ln w="0">
+                  <a:noFill/>
+                </a:ln>
+                <a:solidFill>
+                  <a:schemeClr val="bg1"/>
+                </a:solidFill>
+                <a:effectLst/>
+              </a:endParaRPr>
+            </a:p>
+          </p:txBody>
+        </p:sp>
+        <p:sp>
+          <p:nvSpPr>
+            <p:cNvPr id="35" name="TextBox 34">
+              <a:hlinkClick r:id="rId6" tooltip="Безплатен курс &quot;Уеб дизайн с HTML, CSS и JavaScript&quot; - уроци по правене на уеб сайтове, HTML, CSS, Photoshop, JavaScript и CMS системи"/>
+            </p:cNvPr>
+            <p:cNvSpPr txBox="1"/>
+            <p:nvPr/>
+          </p:nvSpPr>
+          <p:spPr>
+            <a:xfrm flipH="1">
+              <a:off x="1448482" y="2878556"/>
+              <a:ext cx="1908837" cy="1210412"/>
+            </a:xfrm>
+            <a:prstGeom prst="rect">
+              <a:avLst/>
+            </a:prstGeom>
+            <a:grpFill/>
+          </p:spPr>
+          <p:txBody>
+            <a:bodyPr wrap="none" rtlCol="0">
+              <a:spAutoFit/>
+            </a:bodyPr>
+            <a:lstStyle>
+              <a:defPPr>
+                <a:defRPr lang="en-US"/>
+              </a:defPPr>
+              <a:lvl1pPr lvl="0">
+                <a:defRPr sz="1200"/>
+              </a:lvl1pPr>
+            </a:lstStyle>
+            <a:p>
+              <a:pPr lvl="0"/>
+              <a:r>
+                <a:rPr lang="bg-BG" sz="200" noProof="1" smtClean="0">
+                  <a:ln w="0">
+                    <a:noFill/>
+                  </a:ln>
+                  <a:solidFill>
+                    <a:schemeClr val="bg1"/>
+                  </a:solidFill>
+                  <a:effectLst/>
+                </a:rPr>
+                <a:t>уроци по уеб дизайн, HTML, CSS, JavaScript, Photoshop</a:t>
+              </a:r>
+              <a:endParaRPr lang="bg-BG" sz="200" noProof="1">
+                <a:ln w="0">
+                  <a:noFill/>
+                </a:ln>
+                <a:solidFill>
+                  <a:schemeClr val="bg1"/>
+                </a:solidFill>
+                <a:effectLst/>
+              </a:endParaRPr>
+            </a:p>
+          </p:txBody>
+        </p:sp>
+        <p:sp>
+          <p:nvSpPr>
+            <p:cNvPr id="36" name="TextBox 35">
+              <a:hlinkClick r:id="rId7" tooltip="Училищна софтуерна академия - безплатни уроци по програмиране и уеб дизайн"/>
+            </p:cNvPr>
+            <p:cNvSpPr txBox="1"/>
+            <p:nvPr/>
+          </p:nvSpPr>
+          <p:spPr>
+            <a:xfrm flipH="1">
+              <a:off x="1636239" y="1946534"/>
+              <a:ext cx="1747592" cy="1210412"/>
+            </a:xfrm>
+            <a:prstGeom prst="rect">
+              <a:avLst/>
+            </a:prstGeom>
+            <a:grpFill/>
+          </p:spPr>
+          <p:txBody>
+            <a:bodyPr wrap="none" rtlCol="0">
+              <a:spAutoFit/>
+            </a:bodyPr>
+            <a:lstStyle/>
+            <a:p>
+              <a:pPr algn="l"/>
+              <a:r>
+                <a:rPr lang="bg-BG" sz="200" kern="1200" noProof="1" smtClean="0">
+                  <a:ln w="0">
+                    <a:noFill/>
+                  </a:ln>
+                  <a:solidFill>
+                    <a:schemeClr val="bg1"/>
+                  </a:solidFill>
+                  <a:effectLst/>
+                  <a:latin typeface="Corbel" pitchFamily="34" charset="0"/>
+                  <a:ea typeface="+mn-ea"/>
+                  <a:cs typeface="+mn-cs"/>
+                </a:rPr>
+                <a:t>уроци по програмиране и уеб дизайн за ученици</a:t>
+              </a:r>
+              <a:endParaRPr lang="bg-BG" sz="200" kern="1200" noProof="1">
+                <a:ln w="0">
+                  <a:noFill/>
+                </a:ln>
+                <a:solidFill>
+                  <a:schemeClr val="bg1"/>
+                </a:solidFill>
+                <a:effectLst/>
+                <a:latin typeface="Corbel" pitchFamily="34" charset="0"/>
+                <a:ea typeface="+mn-ea"/>
+                <a:cs typeface="+mn-cs"/>
+              </a:endParaRPr>
+            </a:p>
+          </p:txBody>
+        </p:sp>
+        <p:sp>
+          <p:nvSpPr>
+            <p:cNvPr id="37" name="TextBox 36">
+              <a:hlinkClick r:id="rId8" tooltip="Безплатен курс &quot;Програмиране с ASP.NET MVC&quot; - уеб технологии, бази данни, C#, .NET, ASP.NET MVC"/>
+            </p:cNvPr>
+            <p:cNvSpPr txBox="1"/>
+            <p:nvPr/>
+          </p:nvSpPr>
+          <p:spPr>
+            <a:xfrm flipH="1">
+              <a:off x="3402824" y="2230065"/>
+              <a:ext cx="1939551" cy="1210412"/>
+            </a:xfrm>
+            <a:prstGeom prst="rect">
+              <a:avLst/>
+            </a:prstGeom>
+            <a:grpFill/>
+          </p:spPr>
+          <p:txBody>
+            <a:bodyPr wrap="none" rtlCol="0">
+              <a:spAutoFit/>
+            </a:bodyPr>
+            <a:lstStyle>
+              <a:defPPr>
+                <a:defRPr lang="en-US"/>
+              </a:defPPr>
+              <a:lvl1pPr lvl="0">
+                <a:defRPr sz="1200"/>
+              </a:lvl1pPr>
+            </a:lstStyle>
+            <a:p>
+              <a:pPr lvl="0"/>
+              <a:r>
+                <a:rPr lang="bg-BG" sz="200" noProof="1" smtClean="0">
+                  <a:ln w="0">
+                    <a:noFill/>
+                  </a:ln>
+                  <a:solidFill>
+                    <a:schemeClr val="bg1"/>
+                  </a:solidFill>
+                  <a:effectLst/>
+                </a:rPr>
+                <a:t>ASP.NET MVC курс – HTML, SQL, C#, .NET, ASP.NET MVC</a:t>
+              </a:r>
+              <a:endParaRPr lang="bg-BG" sz="200" noProof="1">
+                <a:ln w="0">
+                  <a:noFill/>
+                </a:ln>
+                <a:solidFill>
+                  <a:schemeClr val="bg1"/>
+                </a:solidFill>
+                <a:effectLst/>
+              </a:endParaRPr>
+            </a:p>
+          </p:txBody>
+        </p:sp>
+        <p:sp>
+          <p:nvSpPr>
+            <p:cNvPr id="38" name="TextBox 37">
+              <a:hlinkClick r:id="rId9" tooltip="Безплатен курс &quot;Разработка на софтуер в Cloud среда&quot; - AppEngine, AWS, Azure"/>
+            </p:cNvPr>
+            <p:cNvSpPr txBox="1"/>
+            <p:nvPr/>
+          </p:nvSpPr>
+          <p:spPr>
+            <a:xfrm flipH="1">
+              <a:off x="1440310" y="3574997"/>
+              <a:ext cx="1881966" cy="1210412"/>
+            </a:xfrm>
+            <a:prstGeom prst="rect">
+              <a:avLst/>
+            </a:prstGeom>
+            <a:grpFill/>
+          </p:spPr>
+          <p:txBody>
+            <a:bodyPr wrap="none" rtlCol="0">
+              <a:spAutoFit/>
+            </a:bodyPr>
+            <a:lstStyle/>
+            <a:p>
+              <a:r>
+                <a:rPr lang="bg-BG" sz="200" kern="1200" noProof="1" smtClean="0">
+                  <a:ln w="0">
+                    <a:noFill/>
+                  </a:ln>
+                  <a:solidFill>
+                    <a:schemeClr val="bg1"/>
+                  </a:solidFill>
+                  <a:effectLst/>
+                  <a:latin typeface="Corbel" pitchFamily="34" charset="0"/>
+                  <a:ea typeface="+mn-ea"/>
+                  <a:cs typeface="+mn-cs"/>
+                </a:rPr>
+                <a:t>безплатен курс "Разработка на софтуер в cloud среда"</a:t>
+              </a:r>
+              <a:endParaRPr lang="bg-BG" sz="200" kern="1200" noProof="1">
+                <a:ln w="0">
+                  <a:noFill/>
+                </a:ln>
+                <a:solidFill>
+                  <a:schemeClr val="bg1"/>
+                </a:solidFill>
+                <a:effectLst/>
+                <a:latin typeface="Corbel" pitchFamily="34" charset="0"/>
+                <a:ea typeface="+mn-ea"/>
+                <a:cs typeface="+mn-cs"/>
+              </a:endParaRPr>
+            </a:p>
+          </p:txBody>
+        </p:sp>
+        <p:sp>
+          <p:nvSpPr>
+            <p:cNvPr id="39" name="TextBox 38">
+              <a:hlinkClick r:id="rId10" tooltip="BG Coder - онлайн състезателна система - тренировки за състезания по програмиране - online judge"/>
+            </p:cNvPr>
+            <p:cNvSpPr txBox="1"/>
+            <p:nvPr/>
+          </p:nvSpPr>
+          <p:spPr>
+            <a:xfrm flipH="1">
+              <a:off x="3389110" y="1523999"/>
+              <a:ext cx="1874287" cy="1210412"/>
+            </a:xfrm>
+            <a:prstGeom prst="rect">
+              <a:avLst/>
+            </a:prstGeom>
+            <a:grpFill/>
+          </p:spPr>
+          <p:txBody>
+            <a:bodyPr wrap="none" rtlCol="0">
+              <a:spAutoFit/>
+            </a:bodyPr>
+            <a:lstStyle>
+              <a:defPPr>
+                <a:defRPr lang="en-US"/>
+              </a:defPPr>
+              <a:lvl1pPr lvl="0">
+                <a:defRPr sz="1200"/>
+              </a:lvl1pPr>
+            </a:lstStyle>
+            <a:p>
+              <a:pPr lvl="0"/>
+              <a:r>
+                <a:rPr lang="bg-BG" sz="200" noProof="1" smtClean="0">
+                  <a:ln w="0">
+                    <a:noFill/>
+                  </a:ln>
+                  <a:solidFill>
+                    <a:schemeClr val="bg1"/>
+                  </a:solidFill>
+                  <a:effectLst/>
+                </a:rPr>
+                <a:t>BG Coder - онлайн състезателна система - online judge</a:t>
+              </a:r>
+              <a:endParaRPr lang="bg-BG" sz="200" noProof="1">
+                <a:ln w="0">
+                  <a:noFill/>
+                </a:ln>
+                <a:solidFill>
+                  <a:schemeClr val="bg1"/>
+                </a:solidFill>
+                <a:effectLst/>
+              </a:endParaRPr>
+            </a:p>
+          </p:txBody>
+        </p:sp>
+        <p:sp>
+          <p:nvSpPr>
+            <p:cNvPr id="40" name="TextBox 39">
+              <a:hlinkClick r:id="rId11" tooltip="Светлин Наков - курсове и уроци по програмиране, уеб дизайн, книги, обучения - безплатно"/>
+            </p:cNvPr>
+            <p:cNvSpPr txBox="1"/>
+            <p:nvPr/>
+          </p:nvSpPr>
+          <p:spPr>
+            <a:xfrm flipH="1">
+              <a:off x="1236228" y="2649965"/>
+              <a:ext cx="2123831" cy="1210412"/>
+            </a:xfrm>
+            <a:prstGeom prst="rect">
+              <a:avLst/>
+            </a:prstGeom>
+            <a:grpFill/>
+          </p:spPr>
+          <p:txBody>
+            <a:bodyPr wrap="none" rtlCol="0">
+              <a:spAutoFit/>
+            </a:bodyPr>
+            <a:lstStyle>
+              <a:defPPr>
+                <a:defRPr lang="en-US"/>
+              </a:defPPr>
+              <a:lvl1pPr lvl="0">
+                <a:defRPr sz="1200"/>
+              </a:lvl1pPr>
+            </a:lstStyle>
+            <a:p>
+              <a:pPr lvl="0"/>
+              <a:r>
+                <a:rPr lang="bg-BG" sz="200" noProof="1" smtClean="0">
+                  <a:ln w="0">
+                    <a:noFill/>
+                  </a:ln>
+                  <a:solidFill>
+                    <a:schemeClr val="bg1"/>
+                  </a:solidFill>
+                  <a:effectLst/>
+                </a:rPr>
+                <a:t>курсове и уроци по програмиране, книги – безплатно от Наков</a:t>
+              </a:r>
+              <a:endParaRPr lang="bg-BG" sz="200" noProof="1">
+                <a:ln w="0">
+                  <a:noFill/>
+                </a:ln>
+                <a:solidFill>
+                  <a:schemeClr val="bg1"/>
+                </a:solidFill>
+                <a:effectLst/>
+              </a:endParaRPr>
+            </a:p>
+          </p:txBody>
+        </p:sp>
+        <p:sp>
+          <p:nvSpPr>
+            <p:cNvPr id="41" name="TextBox 40">
+              <a:hlinkClick r:id="rId12" tooltip="Безплатен курс &quot;Качествен програмен код&quot;"/>
+            </p:cNvPr>
+            <p:cNvSpPr txBox="1"/>
+            <p:nvPr/>
+          </p:nvSpPr>
+          <p:spPr>
+            <a:xfrm flipH="1">
+              <a:off x="1766855" y="3335748"/>
+              <a:ext cx="1594026" cy="1210412"/>
+            </a:xfrm>
+            <a:prstGeom prst="rect">
+              <a:avLst/>
+            </a:prstGeom>
+            <a:grpFill/>
+          </p:spPr>
+          <p:txBody>
+            <a:bodyPr wrap="none" rtlCol="0">
+              <a:spAutoFit/>
+            </a:bodyPr>
+            <a:lstStyle/>
+            <a:p>
+              <a:r>
+                <a:rPr lang="bg-BG" sz="200" kern="1200" noProof="1" smtClean="0">
+                  <a:ln w="0">
+                    <a:noFill/>
+                  </a:ln>
+                  <a:solidFill>
+                    <a:schemeClr val="bg1"/>
+                  </a:solidFill>
+                  <a:effectLst/>
+                  <a:latin typeface="Corbel" pitchFamily="34" charset="0"/>
+                  <a:ea typeface="+mn-ea"/>
+                  <a:cs typeface="+mn-cs"/>
+                </a:rPr>
+                <a:t>безплатен курс "Качествен програмен код"</a:t>
+              </a:r>
+              <a:endParaRPr lang="bg-BG" sz="200" kern="1200" noProof="1">
+                <a:ln w="0">
+                  <a:noFill/>
+                </a:ln>
+                <a:solidFill>
+                  <a:schemeClr val="bg1"/>
+                </a:solidFill>
+                <a:effectLst/>
+                <a:latin typeface="Corbel" pitchFamily="34" charset="0"/>
+                <a:ea typeface="+mn-ea"/>
+                <a:cs typeface="+mn-cs"/>
+              </a:endParaRPr>
+            </a:p>
+          </p:txBody>
+        </p:sp>
+        <p:sp>
+          <p:nvSpPr>
+            <p:cNvPr id="42" name="TextBox 41">
+              <a:hlinkClick r:id="rId13" tooltip="Алго академия - Академия по алгоритмично програмиране - безплатни уроци по алгоритми и структури от данни, състезателно програмиране и състезания"/>
+            </p:cNvPr>
+            <p:cNvSpPr txBox="1"/>
+            <p:nvPr/>
+          </p:nvSpPr>
+          <p:spPr>
+            <a:xfrm flipH="1">
+              <a:off x="3407676" y="2461282"/>
+              <a:ext cx="1977943" cy="1210412"/>
+            </a:xfrm>
+            <a:prstGeom prst="rect">
+              <a:avLst/>
+            </a:prstGeom>
+            <a:grpFill/>
+          </p:spPr>
+          <p:txBody>
+            <a:bodyPr wrap="none" rtlCol="0">
+              <a:spAutoFit/>
+            </a:bodyPr>
+            <a:lstStyle>
+              <a:defPPr>
+                <a:defRPr lang="en-US"/>
+              </a:defPPr>
+              <a:lvl1pPr lvl="0">
+                <a:defRPr sz="1200"/>
+              </a:lvl1pPr>
+            </a:lstStyle>
+            <a:p>
+              <a:pPr lvl="0"/>
+              <a:r>
+                <a:rPr lang="bg-BG" sz="200" noProof="1" smtClean="0">
+                  <a:ln w="0">
+                    <a:noFill/>
+                  </a:ln>
+                  <a:solidFill>
+                    <a:schemeClr val="bg1"/>
+                  </a:solidFill>
+                  <a:effectLst/>
+                </a:rPr>
+                <a:t>алго академия – състезателно програмиране, състезания</a:t>
+              </a:r>
+              <a:endParaRPr lang="bg-BG" sz="200" noProof="1">
+                <a:ln w="0">
+                  <a:noFill/>
+                </a:ln>
+                <a:solidFill>
+                  <a:schemeClr val="bg1"/>
+                </a:solidFill>
+                <a:effectLst/>
+              </a:endParaRPr>
+            </a:p>
+          </p:txBody>
+        </p:sp>
+        <p:sp>
+          <p:nvSpPr>
+            <p:cNvPr id="43" name="TextBox 42">
+              <a:hlinkClick r:id="rId14" tooltip="Безплатен ASP.NET курс - уеб програмиране, бази данни, C#, .NET, ASP.NET"/>
+            </p:cNvPr>
+            <p:cNvSpPr txBox="1"/>
+            <p:nvPr/>
+          </p:nvSpPr>
+          <p:spPr>
+            <a:xfrm flipH="1">
+              <a:off x="3406019" y="1985429"/>
+              <a:ext cx="2181421" cy="1210412"/>
+            </a:xfrm>
+            <a:prstGeom prst="rect">
+              <a:avLst/>
+            </a:prstGeom>
+            <a:grpFill/>
+          </p:spPr>
+          <p:txBody>
+            <a:bodyPr wrap="none" rtlCol="0">
+              <a:spAutoFit/>
+            </a:bodyPr>
+            <a:lstStyle>
+              <a:defPPr>
+                <a:defRPr lang="en-US"/>
+              </a:defPPr>
+              <a:lvl1pPr lvl="0">
+                <a:defRPr sz="1200"/>
+              </a:lvl1pPr>
+            </a:lstStyle>
+            <a:p>
+              <a:pPr lvl="0"/>
+              <a:r>
+                <a:rPr lang="bg-BG" sz="200" noProof="1" smtClean="0">
+                  <a:ln w="0">
+                    <a:noFill/>
+                  </a:ln>
+                  <a:solidFill>
+                    <a:schemeClr val="bg1"/>
+                  </a:solidFill>
+                  <a:effectLst/>
+                </a:rPr>
+                <a:t>ASP.NET курс - уеб програмиране, бази данни, C#, .NET, ASP.NET</a:t>
+              </a:r>
+              <a:endParaRPr lang="bg-BG" sz="200" noProof="1">
+                <a:ln w="0">
+                  <a:noFill/>
+                </a:ln>
+                <a:solidFill>
+                  <a:schemeClr val="bg1"/>
+                </a:solidFill>
+                <a:effectLst/>
+              </a:endParaRPr>
+            </a:p>
+          </p:txBody>
+        </p:sp>
+        <p:sp>
+          <p:nvSpPr>
+            <p:cNvPr id="44" name="TextBox 43">
+              <a:hlinkClick r:id="rId15" tooltip="Софтуерна академия на Телерик - безплатни курсове и уроци по програмиране"/>
+            </p:cNvPr>
+            <p:cNvSpPr txBox="1"/>
+            <p:nvPr/>
+          </p:nvSpPr>
+          <p:spPr>
+            <a:xfrm flipH="1">
+              <a:off x="1504800" y="1717933"/>
+              <a:ext cx="1901159" cy="1210412"/>
+            </a:xfrm>
+            <a:prstGeom prst="rect">
+              <a:avLst/>
+            </a:prstGeom>
+            <a:grpFill/>
+          </p:spPr>
+          <p:txBody>
+            <a:bodyPr wrap="none" rtlCol="0">
+              <a:spAutoFit/>
+            </a:bodyPr>
+            <a:lstStyle>
+              <a:defPPr>
+                <a:defRPr lang="en-US"/>
+              </a:defPPr>
+              <a:lvl1pPr>
+                <a:defRPr sz="1200"/>
+              </a:lvl1pPr>
+            </a:lstStyle>
+            <a:p>
+              <a:pPr lvl="0" algn="l"/>
+              <a:r>
+                <a:rPr lang="bg-BG" sz="200" noProof="1" smtClean="0">
+                  <a:ln w="0">
+                    <a:noFill/>
+                  </a:ln>
+                  <a:solidFill>
+                    <a:schemeClr val="bg1"/>
+                  </a:solidFill>
+                  <a:effectLst/>
+                </a:rPr>
+                <a:t>курсове и уроци по </a:t>
+              </a:r>
+              <a:r>
+                <a:rPr lang="bg-BG" sz="200" kern="1200" noProof="1" smtClean="0">
+                  <a:ln w="0">
+                    <a:noFill/>
+                  </a:ln>
+                  <a:solidFill>
+                    <a:schemeClr val="bg1"/>
+                  </a:solidFill>
+                  <a:effectLst/>
+                  <a:latin typeface="Corbel" pitchFamily="34" charset="0"/>
+                  <a:ea typeface="+mn-ea"/>
+                  <a:cs typeface="+mn-cs"/>
+                </a:rPr>
+                <a:t>програмиране – Телерик академия</a:t>
+              </a:r>
+              <a:endParaRPr lang="bg-BG" sz="200" kern="1200" noProof="1">
+                <a:ln w="0">
+                  <a:noFill/>
+                </a:ln>
+                <a:solidFill>
+                  <a:schemeClr val="bg1"/>
+                </a:solidFill>
+                <a:effectLst/>
+                <a:latin typeface="Corbel" pitchFamily="34" charset="0"/>
+                <a:ea typeface="+mn-ea"/>
+                <a:cs typeface="+mn-cs"/>
+              </a:endParaRPr>
+            </a:p>
+          </p:txBody>
+        </p:sp>
+        <p:sp>
+          <p:nvSpPr>
+            <p:cNvPr id="45" name="TextBox 44">
+              <a:hlinkClick r:id="rId16" tooltip="Безплатен курс &quot;Разработка на мобилни приложения&quot; - iPhone, Android, Windows Phone, PhoneGap, HTML5, jQuery, AJAX"/>
+            </p:cNvPr>
+            <p:cNvSpPr txBox="1"/>
+            <p:nvPr/>
+          </p:nvSpPr>
+          <p:spPr>
+            <a:xfrm flipH="1">
+              <a:off x="3404043" y="2718405"/>
+              <a:ext cx="2058568" cy="1210412"/>
+            </a:xfrm>
+            <a:prstGeom prst="rect">
+              <a:avLst/>
+            </a:prstGeom>
+            <a:grpFill/>
+          </p:spPr>
+          <p:txBody>
+            <a:bodyPr wrap="none" rtlCol="0">
+              <a:spAutoFit/>
+            </a:bodyPr>
+            <a:lstStyle>
+              <a:defPPr>
+                <a:defRPr lang="en-US"/>
+              </a:defPPr>
+              <a:lvl1pPr lvl="0">
+                <a:defRPr sz="1200"/>
+              </a:lvl1pPr>
+            </a:lstStyle>
+            <a:p>
+              <a:pPr lvl="0"/>
+              <a:r>
+                <a:rPr lang="bg-BG" sz="200" noProof="1" smtClean="0">
+                  <a:ln w="0">
+                    <a:noFill/>
+                  </a:ln>
+                  <a:solidFill>
+                    <a:schemeClr val="bg1"/>
+                  </a:solidFill>
+                  <a:effectLst/>
+                </a:rPr>
+                <a:t>курс мобилни приложения с iPhone, Android, WP7, PhoneGap</a:t>
+              </a:r>
+              <a:endParaRPr lang="bg-BG" sz="200" noProof="1">
+                <a:ln w="0">
+                  <a:noFill/>
+                </a:ln>
+                <a:solidFill>
+                  <a:schemeClr val="bg1"/>
+                </a:solidFill>
+                <a:effectLst/>
+              </a:endParaRPr>
+            </a:p>
+          </p:txBody>
+        </p:sp>
+        <p:sp>
+          <p:nvSpPr>
+            <p:cNvPr id="46" name="TextBox 45">
+              <a:hlinkClick r:id="rId17" tooltip="Free C# Programming Book by Svetlin Nakov - безплатна C# книга от Светлин Наков, книга C#, книга Java, безплатна книга"/>
+            </p:cNvPr>
+            <p:cNvSpPr txBox="1"/>
+            <p:nvPr/>
+          </p:nvSpPr>
+          <p:spPr>
+            <a:xfrm flipH="1">
+              <a:off x="1440317" y="3117785"/>
+              <a:ext cx="1901159" cy="1210412"/>
+            </a:xfrm>
+            <a:prstGeom prst="rect">
+              <a:avLst/>
+            </a:prstGeom>
+            <a:grpFill/>
+          </p:spPr>
+          <p:txBody>
+            <a:bodyPr wrap="none" rtlCol="0">
+              <a:spAutoFit/>
+            </a:bodyPr>
+            <a:lstStyle/>
+            <a:p>
+              <a:r>
+                <a:rPr lang="bg-BG" sz="200" kern="1200" noProof="1" smtClean="0">
+                  <a:ln w="0">
+                    <a:noFill/>
+                  </a:ln>
+                  <a:solidFill>
+                    <a:schemeClr val="bg1"/>
+                  </a:solidFill>
+                  <a:effectLst/>
+                  <a:latin typeface="Corbel" pitchFamily="34" charset="0"/>
+                  <a:ea typeface="+mn-ea"/>
+                  <a:cs typeface="+mn-cs"/>
+                </a:rPr>
+                <a:t>free C# book, безплатна книга C#, книга Java, книга C#</a:t>
+              </a:r>
+              <a:endParaRPr lang="bg-BG" sz="200" kern="1200" noProof="1">
+                <a:ln w="0">
+                  <a:noFill/>
+                </a:ln>
+                <a:solidFill>
+                  <a:schemeClr val="bg1"/>
+                </a:solidFill>
+                <a:effectLst/>
+                <a:latin typeface="Corbel" pitchFamily="34" charset="0"/>
+                <a:ea typeface="+mn-ea"/>
+                <a:cs typeface="+mn-cs"/>
+              </a:endParaRPr>
+            </a:p>
+          </p:txBody>
+        </p:sp>
+        <p:sp>
+          <p:nvSpPr>
+            <p:cNvPr id="47" name="TextBox 46">
+              <a:hlinkClick r:id="rId18" tooltip="Дончо Минков - сайт за програмиране"/>
+            </p:cNvPr>
+            <p:cNvSpPr txBox="1"/>
+            <p:nvPr/>
+          </p:nvSpPr>
+          <p:spPr>
+            <a:xfrm flipH="1">
+              <a:off x="3401370" y="2963513"/>
+              <a:ext cx="1475012" cy="1210412"/>
+            </a:xfrm>
+            <a:prstGeom prst="rect">
+              <a:avLst/>
+            </a:prstGeom>
+            <a:grpFill/>
+          </p:spPr>
+          <p:txBody>
+            <a:bodyPr wrap="none" rtlCol="0">
+              <a:spAutoFit/>
+            </a:bodyPr>
+            <a:lstStyle>
+              <a:defPPr>
+                <a:defRPr lang="en-US"/>
+              </a:defPPr>
+              <a:lvl1pPr>
+                <a:defRPr sz="1600">
+                  <a:ln w="0">
+                    <a:solidFill>
+                      <a:schemeClr val="tx1"/>
+                    </a:solidFill>
+                  </a:ln>
+                  <a:effectLst/>
+                </a:defRPr>
+              </a:lvl1pPr>
+            </a:lstStyle>
+            <a:p>
+              <a:pPr lvl="0"/>
+              <a:r>
+                <a:rPr lang="bg-BG" sz="200" noProof="1" smtClean="0">
+                  <a:ln w="0">
+                    <a:noFill/>
+                  </a:ln>
+                  <a:solidFill>
+                    <a:schemeClr val="bg1"/>
+                  </a:solidFill>
+                </a:rPr>
+                <a:t>Дончо Минков - сайт за програмиране</a:t>
+              </a:r>
+              <a:endParaRPr lang="bg-BG" sz="200" noProof="1">
+                <a:ln w="0">
+                  <a:noFill/>
+                </a:ln>
+                <a:solidFill>
+                  <a:schemeClr val="bg1"/>
+                </a:solidFill>
+              </a:endParaRPr>
+            </a:p>
+          </p:txBody>
+        </p:sp>
+        <p:sp>
+          <p:nvSpPr>
+            <p:cNvPr id="48" name="TextBox 47">
+              <a:hlinkClick r:id="rId19" tooltip="Николай Костов - блог за програмиране"/>
+            </p:cNvPr>
+            <p:cNvSpPr txBox="1"/>
+            <p:nvPr/>
+          </p:nvSpPr>
+          <p:spPr>
+            <a:xfrm flipH="1">
+              <a:off x="3401423" y="3217864"/>
+              <a:ext cx="1513403" cy="1210412"/>
+            </a:xfrm>
+            <a:prstGeom prst="rect">
+              <a:avLst/>
+            </a:prstGeom>
+            <a:grpFill/>
+          </p:spPr>
+          <p:txBody>
+            <a:bodyPr wrap="none" rtlCol="0">
+              <a:spAutoFit/>
+            </a:bodyPr>
+            <a:lstStyle/>
+            <a:p>
+              <a:pPr algn="l"/>
+              <a:r>
+                <a:rPr lang="bg-BG" sz="200" kern="1200" noProof="1" smtClean="0">
+                  <a:ln w="0">
+                    <a:noFill/>
+                  </a:ln>
+                  <a:solidFill>
+                    <a:schemeClr val="bg1"/>
+                  </a:solidFill>
+                  <a:effectLst/>
+                  <a:latin typeface="Corbel" pitchFamily="34" charset="0"/>
+                  <a:ea typeface="+mn-ea"/>
+                  <a:cs typeface="+mn-cs"/>
+                </a:rPr>
+                <a:t>Николай Костов - блог за програмиране</a:t>
+              </a:r>
+              <a:endParaRPr lang="bg-BG" sz="200" kern="1200" noProof="1">
+                <a:ln w="0">
+                  <a:noFill/>
+                </a:ln>
+                <a:solidFill>
+                  <a:schemeClr val="bg1"/>
+                </a:solidFill>
+                <a:effectLst/>
+                <a:latin typeface="Corbel" pitchFamily="34" charset="0"/>
+                <a:ea typeface="+mn-ea"/>
+                <a:cs typeface="+mn-cs"/>
+              </a:endParaRPr>
+            </a:p>
+          </p:txBody>
+        </p:sp>
+        <p:sp>
+          <p:nvSpPr>
+            <p:cNvPr id="49" name="TextBox 48">
+              <a:hlinkClick r:id="rId20" tooltip="безплатен C# курс в софтуерната академия на Наков"/>
+            </p:cNvPr>
+            <p:cNvSpPr txBox="1"/>
+            <p:nvPr/>
+          </p:nvSpPr>
+          <p:spPr>
+            <a:xfrm flipH="1">
+              <a:off x="3398079" y="3548402"/>
+              <a:ext cx="1359837" cy="1210412"/>
+            </a:xfrm>
+            <a:prstGeom prst="rect">
+              <a:avLst/>
+            </a:prstGeom>
+            <a:grpFill/>
+          </p:spPr>
+          <p:txBody>
+            <a:bodyPr wrap="none" rtlCol="0">
+              <a:spAutoFit/>
+            </a:bodyPr>
+            <a:lstStyle>
+              <a:defPPr>
+                <a:defRPr lang="en-US"/>
+              </a:defPPr>
+              <a:lvl1pPr>
+                <a:defRPr sz="1600">
+                  <a:ln w="0">
+                    <a:solidFill>
+                      <a:schemeClr val="tx1"/>
+                    </a:solidFill>
+                  </a:ln>
+                  <a:effectLst/>
+                </a:defRPr>
+              </a:lvl1pPr>
+            </a:lstStyle>
+            <a:p>
+              <a:pPr lvl="0"/>
+              <a:r>
+                <a:rPr lang="bg-BG" sz="200" noProof="1" smtClean="0">
+                  <a:ln w="0">
+                    <a:noFill/>
+                  </a:ln>
+                  <a:solidFill>
+                    <a:schemeClr val="bg1"/>
+                  </a:solidFill>
+                </a:rPr>
+                <a:t>C# курс, програмиране, безплатно</a:t>
+              </a:r>
+              <a:endParaRPr lang="bg-BG" sz="200" noProof="1">
+                <a:ln w="0">
+                  <a:noFill/>
+                </a:ln>
+                <a:solidFill>
+                  <a:schemeClr val="bg1"/>
+                </a:solidFill>
+              </a:endParaRPr>
+            </a:p>
+          </p:txBody>
+        </p:sp>
+      </p:grpSp>
+      <p:sp>
+        <p:nvSpPr>
+          <p:cNvPr id="7" name="Title 1"/>
+          <p:cNvSpPr>
+            <a:spLocks noGrp="1"/>
+          </p:cNvSpPr>
+          <p:nvPr>
+            <p:ph type="title" hasCustomPrompt="1"/>
+          </p:nvPr>
+        </p:nvSpPr>
+        <p:spPr>
+          <a:xfrm>
+            <a:off x="1828800" y="152400"/>
+            <a:ext cx="7086600" cy="838200"/>
+          </a:xfrm>
+          <a:prstGeom prst="rect">
+            <a:avLst/>
+          </a:prstGeom>
+        </p:spPr>
+        <p:txBody>
+          <a:bodyPr anchor="ctr" anchorCtr="0">
+            <a:noAutofit/>
+          </a:bodyPr>
+          <a:lstStyle>
+            <a:lvl1pPr algn="r" rtl="0" eaLnBrk="0" fontAlgn="base" hangingPunct="0">
+              <a:lnSpc>
+                <a:spcPts val="4000"/>
+              </a:lnSpc>
+              <a:spcBef>
+                <a:spcPct val="0"/>
+              </a:spcBef>
+              <a:spcAft>
+                <a:spcPct val="0"/>
+              </a:spcAft>
+              <a:defRPr lang="en-US" sz="4000" b="1" kern="1200" baseline="0" dirty="0">
+                <a:ln w="500">
+                  <a:noFill/>
+                </a:ln>
+                <a:solidFill>
+                  <a:schemeClr val="tx2"/>
+                </a:solidFill>
+                <a:effectLst>
+                  <a:outerShdw blurRad="38100" dist="38100" dir="2700000" algn="tl">
+                    <a:srgbClr val="000000">
+                      <a:alpha val="43137"/>
+                    </a:srgbClr>
+                  </a:outerShdw>
+                  <a:reflection blurRad="12700" stA="20000" endPos="50000" dist="12700" dir="5400000" sy="-100000" algn="bl" rotWithShape="0"/>
+                </a:effectLst>
+                <a:latin typeface="+mj-lt"/>
+                <a:ea typeface="+mj-ea"/>
+                <a:cs typeface="+mj-cs"/>
+              </a:defRPr>
+            </a:lvl1pPr>
+          </a:lstStyle>
+          <a:p>
+            <a:r>
+              <a:rPr lang="en-US" dirty="0" smtClean="0"/>
+              <a:t>Presentation Title</a:t>
+            </a:r>
+            <a:endParaRPr lang="en-US" dirty="0"/>
+          </a:p>
+        </p:txBody>
+      </p:sp>
+      <p:sp>
+        <p:nvSpPr>
+          <p:cNvPr id="9" name="TextBox 8">
+            <a:hlinkClick r:id="rId2" tooltip="Форум за програмиране и уеб дизайн - дискусии, съвети, въпроси и отговори @ Софтуерна академия на Телерик"/>
+          </p:cNvPr>
+          <p:cNvSpPr txBox="1"/>
+          <p:nvPr/>
+        </p:nvSpPr>
+        <p:spPr>
+          <a:xfrm rot="12041701" flipH="1">
+            <a:off x="7471619" y="3840481"/>
+            <a:ext cx="890352" cy="1569660"/>
+          </a:xfrm>
+          <a:prstGeom prst="rect">
+            <a:avLst/>
+          </a:prstGeom>
+          <a:noFill/>
+        </p:spPr>
+        <p:txBody>
+          <a:bodyPr wrap="square" rtlCol="0">
+            <a:spAutoFit/>
+            <a:scene3d>
+              <a:camera prst="orthographicFront"/>
+              <a:lightRig rig="threePt" dir="t"/>
+            </a:scene3d>
+            <a:sp3d extrusionH="57150">
+              <a:bevelT w="38100" h="38100"/>
+            </a:sp3d>
+          </a:bodyPr>
+          <a:lstStyle/>
+          <a:p>
+            <a:r>
+              <a:rPr lang="en-US" sz="9600" b="1" dirty="0" smtClean="0">
+                <a:solidFill>
+                  <a:schemeClr val="tx1">
+                    <a:lumMod val="75000"/>
+                  </a:schemeClr>
+                </a:solidFill>
+                <a:effectLst>
+                  <a:reflection blurRad="6350" stA="55000" endA="300" endPos="45500" dir="5400000" sy="-100000" algn="bl" rotWithShape="0"/>
+                </a:effectLst>
+              </a:rPr>
+              <a:t>?</a:t>
+            </a:r>
+            <a:endParaRPr lang="en-US" sz="9600" b="1" dirty="0">
+              <a:solidFill>
+                <a:schemeClr val="tx1">
+                  <a:lumMod val="75000"/>
+                </a:schemeClr>
+              </a:solidFill>
+              <a:effectLst>
+                <a:reflection blurRad="6350" stA="55000" endA="300" endPos="45500" dir="5400000" sy="-100000" algn="bl" rotWithShape="0"/>
+              </a:effectLst>
+            </a:endParaRPr>
+          </a:p>
+        </p:txBody>
+      </p:sp>
+      <p:sp>
+        <p:nvSpPr>
+          <p:cNvPr id="11" name="TextBox 10">
+            <a:hlinkClick r:id="rId4" tooltip="Програмиране за деца - безплатно в Телерик кидс академия"/>
+          </p:cNvPr>
+          <p:cNvSpPr txBox="1"/>
+          <p:nvPr/>
+        </p:nvSpPr>
+        <p:spPr>
+          <a:xfrm rot="9535351" flipH="1">
+            <a:off x="923386" y="1861198"/>
+            <a:ext cx="673363" cy="1446550"/>
+          </a:xfrm>
+          <a:prstGeom prst="rect">
+            <a:avLst/>
+          </a:prstGeom>
+          <a:noFill/>
+        </p:spPr>
+        <p:txBody>
+          <a:bodyPr wrap="square" rtlCol="0">
+            <a:spAutoFit/>
+            <a:scene3d>
+              <a:camera prst="isometricOffAxis1Right"/>
+              <a:lightRig rig="threePt" dir="t"/>
+            </a:scene3d>
+            <a:sp3d extrusionH="57150">
+              <a:bevelT w="38100" h="38100"/>
+            </a:sp3d>
+          </a:bodyPr>
+          <a:lstStyle/>
+          <a:p>
+            <a:r>
+              <a:rPr lang="en-US" sz="8800" dirty="0" smtClean="0">
+                <a:solidFill>
+                  <a:schemeClr val="accent5">
+                    <a:lumMod val="60000"/>
+                    <a:lumOff val="40000"/>
+                  </a:schemeClr>
+                </a:solidFill>
+                <a:effectLst>
+                  <a:reflection blurRad="6350" stA="55000" endA="300" endPos="45500" dir="5400000" sy="-100000" algn="bl" rotWithShape="0"/>
+                </a:effectLst>
+              </a:rPr>
+              <a:t>?</a:t>
+            </a:r>
+            <a:endParaRPr lang="en-US" sz="8800" dirty="0">
+              <a:solidFill>
+                <a:schemeClr val="accent5">
+                  <a:lumMod val="60000"/>
+                  <a:lumOff val="40000"/>
+                </a:schemeClr>
+              </a:solidFill>
+              <a:effectLst>
+                <a:reflection blurRad="6350" stA="55000" endA="300" endPos="45500" dir="5400000" sy="-100000" algn="bl" rotWithShape="0"/>
+              </a:effectLst>
+            </a:endParaRPr>
+          </a:p>
+        </p:txBody>
+      </p:sp>
+      <p:sp>
+        <p:nvSpPr>
+          <p:cNvPr id="12" name="TextBox 11">
+            <a:hlinkClick r:id="rId5" tooltip="Безплатен SEO курс - оптимизация за търсачки, уроци по SEO"/>
+          </p:cNvPr>
+          <p:cNvSpPr txBox="1"/>
+          <p:nvPr/>
+        </p:nvSpPr>
+        <p:spPr>
+          <a:xfrm rot="16938170" flipH="1">
+            <a:off x="4905823" y="966542"/>
+            <a:ext cx="859648" cy="1992899"/>
+          </a:xfrm>
+          <a:prstGeom prst="rect">
+            <a:avLst/>
+          </a:prstGeom>
+          <a:noFill/>
+        </p:spPr>
+        <p:txBody>
+          <a:bodyPr wrap="square" rtlCol="0">
+            <a:spAutoFit/>
+            <a:scene3d>
+              <a:camera prst="orthographicFront"/>
+              <a:lightRig rig="threePt" dir="t"/>
+            </a:scene3d>
+            <a:sp3d extrusionH="57150">
+              <a:bevelT w="38100" h="38100"/>
+            </a:sp3d>
+          </a:bodyPr>
+          <a:lstStyle/>
+          <a:p>
+            <a:r>
+              <a:rPr lang="en-US" sz="11500" b="1" dirty="0" smtClean="0">
+                <a:solidFill>
+                  <a:srgbClr val="FF831D"/>
+                </a:solidFill>
+                <a:effectLst>
+                  <a:reflection blurRad="6350" stA="55000" endA="300" endPos="45500" dir="5400000" sy="-100000" algn="bl" rotWithShape="0"/>
+                </a:effectLst>
+              </a:rPr>
+              <a:t>?</a:t>
+            </a:r>
+            <a:endParaRPr lang="en-US" sz="11500" b="1" dirty="0">
+              <a:solidFill>
+                <a:srgbClr val="FF831D"/>
+              </a:solidFill>
+              <a:effectLst>
+                <a:reflection blurRad="6350" stA="55000" endA="300" endPos="45500" dir="5400000" sy="-100000" algn="bl" rotWithShape="0"/>
+              </a:effectLst>
+            </a:endParaRPr>
+          </a:p>
+        </p:txBody>
+      </p:sp>
+      <p:sp>
+        <p:nvSpPr>
+          <p:cNvPr id="13" name="TextBox 12">
+            <a:hlinkClick r:id="rId6" tooltip="Безплатен курс &quot;Уеб дизайн с HTML, CSS и JavaScript&quot; - уроци по правене на уеб сайтове, HTML, CSS, Photoshop, JavaScript и CMS системи"/>
+          </p:cNvPr>
+          <p:cNvSpPr txBox="1"/>
+          <p:nvPr/>
+        </p:nvSpPr>
+        <p:spPr>
+          <a:xfrm rot="19836951" flipH="1">
+            <a:off x="7379010" y="1495154"/>
+            <a:ext cx="949687" cy="2062103"/>
+          </a:xfrm>
+          <a:prstGeom prst="rect">
+            <a:avLst/>
+          </a:prstGeom>
+          <a:noFill/>
+        </p:spPr>
+        <p:txBody>
+          <a:bodyPr wrap="square" rtlCol="0">
+            <a:spAutoFit/>
+            <a:scene3d>
+              <a:camera prst="orthographicFront"/>
+              <a:lightRig rig="glow" dir="tl">
+                <a:rot lat="0" lon="0" rev="5400000"/>
+              </a:lightRig>
+            </a:scene3d>
+            <a:sp3d contourW="12700">
+              <a:bevelT w="25400" h="25400"/>
+              <a:contourClr>
+                <a:schemeClr val="accent6">
+                  <a:shade val="73000"/>
+                </a:schemeClr>
+              </a:contourClr>
+            </a:sp3d>
+          </a:bodyPr>
+          <a:lstStyle/>
+          <a:p>
+            <a:r>
+              <a:rPr lang="en-US" sz="12800" b="1" dirty="0" smtClean="0">
+                <a:ln w="11430"/>
+                <a:gradFill>
+                  <a:gsLst>
+                    <a:gs pos="0">
+                      <a:schemeClr val="accent6">
+                        <a:tint val="90000"/>
+                        <a:satMod val="120000"/>
+                      </a:schemeClr>
+                    </a:gs>
+                    <a:gs pos="25000">
+                      <a:schemeClr val="accent6">
+                        <a:tint val="93000"/>
+                        <a:satMod val="120000"/>
+                      </a:schemeClr>
+                    </a:gs>
+                    <a:gs pos="50000">
+                      <a:schemeClr val="accent6">
+                        <a:shade val="89000"/>
+                        <a:satMod val="110000"/>
+                      </a:schemeClr>
+                    </a:gs>
+                    <a:gs pos="75000">
+                      <a:schemeClr val="accent6">
+                        <a:tint val="93000"/>
+                        <a:satMod val="120000"/>
+                      </a:schemeClr>
+                    </a:gs>
+                    <a:gs pos="100000">
+                      <a:schemeClr val="accent6">
+                        <a:tint val="90000"/>
+                        <a:satMod val="120000"/>
+                      </a:schemeClr>
+                    </a:gs>
+                  </a:gsLst>
+                  <a:lin ang="5400000"/>
+                </a:gradFill>
+                <a:effectLst>
+                  <a:innerShdw blurRad="63500" dist="50800" dir="8100000">
+                    <a:prstClr val="black">
+                      <a:alpha val="50000"/>
+                    </a:prstClr>
+                  </a:innerShdw>
+                  <a:reflection blurRad="6350" stA="55000" endA="300" endPos="45500" dir="5400000" sy="-100000" algn="bl" rotWithShape="0"/>
+                </a:effectLst>
+              </a:rPr>
+              <a:t>?</a:t>
+            </a:r>
+            <a:endParaRPr lang="en-US" sz="12800" b="1" dirty="0">
+              <a:ln w="11430"/>
+              <a:gradFill>
+                <a:gsLst>
+                  <a:gs pos="0">
+                    <a:schemeClr val="accent6">
+                      <a:tint val="90000"/>
+                      <a:satMod val="120000"/>
+                    </a:schemeClr>
+                  </a:gs>
+                  <a:gs pos="25000">
+                    <a:schemeClr val="accent6">
+                      <a:tint val="93000"/>
+                      <a:satMod val="120000"/>
+                    </a:schemeClr>
+                  </a:gs>
+                  <a:gs pos="50000">
+                    <a:schemeClr val="accent6">
+                      <a:shade val="89000"/>
+                      <a:satMod val="110000"/>
+                    </a:schemeClr>
+                  </a:gs>
+                  <a:gs pos="75000">
+                    <a:schemeClr val="accent6">
+                      <a:tint val="93000"/>
+                      <a:satMod val="120000"/>
+                    </a:schemeClr>
+                  </a:gs>
+                  <a:gs pos="100000">
+                    <a:schemeClr val="accent6">
+                      <a:tint val="90000"/>
+                      <a:satMod val="120000"/>
+                    </a:schemeClr>
+                  </a:gs>
+                </a:gsLst>
+                <a:lin ang="5400000"/>
+              </a:gradFill>
+              <a:effectLst>
+                <a:innerShdw blurRad="63500" dist="50800" dir="8100000">
+                  <a:prstClr val="black">
+                    <a:alpha val="50000"/>
+                  </a:prstClr>
+                </a:innerShdw>
+                <a:reflection blurRad="6350" stA="55000" endA="300" endPos="45500" dir="5400000" sy="-100000" algn="bl" rotWithShape="0"/>
+              </a:effectLst>
+            </a:endParaRPr>
+          </a:p>
+        </p:txBody>
+      </p:sp>
+      <p:sp>
+        <p:nvSpPr>
+          <p:cNvPr id="14" name="TextBox 13">
+            <a:hlinkClick r:id="rId7" tooltip="Училищна софтуерна академия - безплатни уроци по програмиране и уеб дизайн"/>
+          </p:cNvPr>
+          <p:cNvSpPr txBox="1"/>
+          <p:nvPr/>
+        </p:nvSpPr>
+        <p:spPr>
+          <a:xfrm rot="2233443" flipH="1">
+            <a:off x="2139218" y="940065"/>
+            <a:ext cx="445351" cy="954107"/>
+          </a:xfrm>
+          <a:prstGeom prst="rect">
+            <a:avLst/>
+          </a:prstGeom>
+          <a:noFill/>
+        </p:spPr>
+        <p:txBody>
+          <a:bodyPr wrap="square" rtlCol="0">
+            <a:spAutoFit/>
+            <a:scene3d>
+              <a:camera prst="perspectiveHeroicExtremeLeftFacing"/>
+              <a:lightRig rig="threePt" dir="t"/>
+            </a:scene3d>
+            <a:sp3d extrusionH="57150">
+              <a:bevelT w="38100" h="38100"/>
+            </a:sp3d>
+          </a:bodyPr>
+          <a:lstStyle/>
+          <a:p>
+            <a:r>
+              <a:rPr lang="en-US" sz="5600" dirty="0" smtClean="0">
+                <a:solidFill>
+                  <a:schemeClr val="tx2">
+                    <a:lumMod val="75000"/>
+                  </a:schemeClr>
+                </a:solidFill>
+                <a:effectLst>
+                  <a:reflection blurRad="6350" stA="55000" endA="300" endPos="45500" dir="5400000" sy="-100000" algn="bl" rotWithShape="0"/>
+                </a:effectLst>
+              </a:rPr>
+              <a:t>?</a:t>
+            </a:r>
+            <a:endParaRPr lang="en-US" sz="5600" dirty="0">
+              <a:solidFill>
+                <a:schemeClr val="tx2">
+                  <a:lumMod val="75000"/>
+                </a:schemeClr>
+              </a:solidFill>
+              <a:effectLst>
+                <a:reflection blurRad="6350" stA="55000" endA="300" endPos="45500" dir="5400000" sy="-100000" algn="bl" rotWithShape="0"/>
+              </a:effectLst>
+            </a:endParaRPr>
+          </a:p>
+        </p:txBody>
+      </p:sp>
+      <p:sp>
+        <p:nvSpPr>
+          <p:cNvPr id="15" name="TextBox 14">
+            <a:hlinkClick r:id="rId8" tooltip="Безплатен курс &quot;Програмиране с ASP.NET MVC&quot; - уеб технологии, бази данни, C#, .NET, ASP.NET MVC"/>
+          </p:cNvPr>
+          <p:cNvSpPr txBox="1"/>
+          <p:nvPr/>
+        </p:nvSpPr>
+        <p:spPr>
+          <a:xfrm rot="8530737" flipH="1">
+            <a:off x="4757100" y="4722613"/>
+            <a:ext cx="643173" cy="1569660"/>
+          </a:xfrm>
+          <a:prstGeom prst="rect">
+            <a:avLst/>
+          </a:prstGeom>
+          <a:noFill/>
+        </p:spPr>
+        <p:txBody>
+          <a:bodyPr wrap="square" rtlCol="0">
+            <a:spAutoFit/>
+            <a:scene3d>
+              <a:camera prst="orthographicFront"/>
+              <a:lightRig rig="threePt" dir="t"/>
+            </a:scene3d>
+            <a:sp3d extrusionH="57150">
+              <a:bevelT w="38100" h="38100"/>
+            </a:sp3d>
+          </a:bodyPr>
+          <a:lstStyle/>
+          <a:p>
+            <a:r>
+              <a:rPr lang="en-US" sz="9600" dirty="0" smtClean="0">
+                <a:solidFill>
+                  <a:srgbClr val="FF4A37"/>
+                </a:solidFill>
+                <a:effectLst>
+                  <a:reflection blurRad="6350" stA="60000" endA="900" endPos="60000" dist="29997" dir="5400000" sy="-100000" algn="bl" rotWithShape="0"/>
+                </a:effectLst>
+              </a:rPr>
+              <a:t>?</a:t>
+            </a:r>
+            <a:endParaRPr lang="en-US" sz="9600" dirty="0">
+              <a:solidFill>
+                <a:srgbClr val="FF4A37"/>
+              </a:solidFill>
+              <a:effectLst>
+                <a:reflection blurRad="6350" stA="60000" endA="900" endPos="60000" dist="29997" dir="5400000" sy="-100000" algn="bl" rotWithShape="0"/>
+              </a:effectLst>
+            </a:endParaRPr>
+          </a:p>
+        </p:txBody>
+      </p:sp>
+      <p:sp>
+        <p:nvSpPr>
+          <p:cNvPr id="16" name="TextBox 15">
+            <a:hlinkClick r:id="rId9" tooltip="Безплатен курс &quot;Разработка на софтуер в Cloud среда&quot; - AppEngine, AWS, Azure"/>
+          </p:cNvPr>
+          <p:cNvSpPr txBox="1"/>
+          <p:nvPr/>
+        </p:nvSpPr>
+        <p:spPr>
+          <a:xfrm rot="12627025" flipH="1">
+            <a:off x="2910497" y="4405707"/>
+            <a:ext cx="386488" cy="646331"/>
+          </a:xfrm>
+          <a:prstGeom prst="rect">
+            <a:avLst/>
+          </a:prstGeom>
+          <a:noFill/>
+        </p:spPr>
+        <p:txBody>
+          <a:bodyPr wrap="square" rtlCol="0">
+            <a:spAutoFit/>
+            <a:scene3d>
+              <a:camera prst="orthographicFront"/>
+              <a:lightRig rig="threePt" dir="t"/>
+            </a:scene3d>
+            <a:sp3d extrusionH="57150">
+              <a:bevelT w="38100" h="38100"/>
+            </a:sp3d>
+          </a:bodyPr>
+          <a:lstStyle/>
+          <a:p>
+            <a:r>
+              <a:rPr lang="en-US" sz="3600" dirty="0" smtClean="0">
+                <a:solidFill>
+                  <a:schemeClr val="tx2">
+                    <a:lumMod val="40000"/>
+                    <a:lumOff val="60000"/>
+                  </a:schemeClr>
+                </a:solidFill>
+                <a:effectLst>
+                  <a:reflection blurRad="6350" stA="55000" endA="300" endPos="45500" dir="5400000" sy="-100000" algn="bl" rotWithShape="0"/>
+                </a:effectLst>
+              </a:rPr>
+              <a:t>?</a:t>
+            </a:r>
+            <a:endParaRPr lang="en-US" sz="3600" dirty="0">
+              <a:solidFill>
+                <a:schemeClr val="tx2">
+                  <a:lumMod val="40000"/>
+                  <a:lumOff val="60000"/>
+                </a:schemeClr>
+              </a:solidFill>
+              <a:effectLst>
+                <a:reflection blurRad="6350" stA="55000" endA="300" endPos="45500" dir="5400000" sy="-100000" algn="bl" rotWithShape="0"/>
+              </a:effectLst>
+            </a:endParaRPr>
+          </a:p>
+        </p:txBody>
+      </p:sp>
+      <p:sp>
+        <p:nvSpPr>
+          <p:cNvPr id="17" name="TextBox 16">
+            <a:hlinkClick r:id="rId10" tooltip="BG Coder - онлайн състезателна система - тренировки за състезания по програмиране - online judge"/>
+          </p:cNvPr>
+          <p:cNvSpPr txBox="1"/>
+          <p:nvPr/>
+        </p:nvSpPr>
+        <p:spPr>
+          <a:xfrm rot="1186146" flipH="1">
+            <a:off x="6185957" y="4125718"/>
+            <a:ext cx="499379" cy="1107996"/>
+          </a:xfrm>
+          <a:prstGeom prst="rect">
+            <a:avLst/>
+          </a:prstGeom>
+          <a:noFill/>
+        </p:spPr>
+        <p:txBody>
+          <a:bodyPr wrap="square" rtlCol="0">
+            <a:spAutoFit/>
+            <a:scene3d>
+              <a:camera prst="orthographicFront"/>
+              <a:lightRig rig="threePt" dir="t"/>
+            </a:scene3d>
+            <a:sp3d extrusionH="57150">
+              <a:bevelT w="69850" h="69850" prst="divot"/>
+            </a:sp3d>
+          </a:bodyPr>
+          <a:lstStyle/>
+          <a:p>
+            <a:r>
+              <a:rPr lang="en-US" sz="6600" dirty="0" smtClean="0">
+                <a:solidFill>
+                  <a:srgbClr val="9966FF"/>
+                </a:solidFill>
+                <a:effectLst>
+                  <a:reflection blurRad="6350" stA="55000" endA="300" endPos="45500" dir="5400000" sy="-100000" algn="bl" rotWithShape="0"/>
+                </a:effectLst>
+              </a:rPr>
+              <a:t>?</a:t>
+            </a:r>
+            <a:endParaRPr lang="en-US" sz="6600" dirty="0">
+              <a:solidFill>
+                <a:srgbClr val="9966FF"/>
+              </a:solidFill>
+              <a:effectLst>
+                <a:reflection blurRad="6350" stA="55000" endA="300" endPos="45500" dir="5400000" sy="-100000" algn="bl" rotWithShape="0"/>
+              </a:effectLst>
+            </a:endParaRPr>
+          </a:p>
+        </p:txBody>
+      </p:sp>
+      <p:sp>
+        <p:nvSpPr>
+          <p:cNvPr id="18" name="TextBox 17">
+            <a:hlinkClick r:id="rId11" tooltip="Светлин Наков - курсове и уроци по програмиране, уеб дизайн, книги, обучения - безплатно"/>
+          </p:cNvPr>
+          <p:cNvSpPr txBox="1"/>
+          <p:nvPr/>
+        </p:nvSpPr>
+        <p:spPr>
+          <a:xfrm rot="19460650" flipH="1">
+            <a:off x="3150206" y="1979501"/>
+            <a:ext cx="489197" cy="769441"/>
+          </a:xfrm>
+          <a:prstGeom prst="rect">
+            <a:avLst/>
+          </a:prstGeom>
+          <a:noFill/>
+        </p:spPr>
+        <p:txBody>
+          <a:bodyPr wrap="square" rtlCol="0">
+            <a:prstTxWarp prst="textInflate">
+              <a:avLst/>
+            </a:prstTxWarp>
+            <a:spAutoFit/>
+            <a:scene3d>
+              <a:camera prst="perspectiveRelaxedModerately"/>
+              <a:lightRig rig="threePt" dir="t"/>
+            </a:scene3d>
+            <a:sp3d extrusionH="57150">
+              <a:bevelT w="38100" h="38100"/>
+            </a:sp3d>
+          </a:bodyPr>
+          <a:lstStyle/>
+          <a:p>
+            <a:r>
+              <a:rPr lang="en-US" sz="4400" dirty="0" smtClean="0">
+                <a:solidFill>
+                  <a:srgbClr val="FF6699"/>
+                </a:solidFill>
+                <a:effectLst>
+                  <a:reflection blurRad="6350" stA="55000" endA="300" endPos="45500" dir="5400000" sy="-100000" algn="bl" rotWithShape="0"/>
+                </a:effectLst>
+              </a:rPr>
+              <a:t>?</a:t>
+            </a:r>
+            <a:endParaRPr lang="en-US" sz="4400" dirty="0">
+              <a:solidFill>
+                <a:srgbClr val="FF6699"/>
+              </a:solidFill>
+              <a:effectLst>
+                <a:reflection blurRad="6350" stA="55000" endA="300" endPos="45500" dir="5400000" sy="-100000" algn="bl" rotWithShape="0"/>
+              </a:effectLst>
+            </a:endParaRPr>
+          </a:p>
+        </p:txBody>
+      </p:sp>
+      <p:sp>
+        <p:nvSpPr>
+          <p:cNvPr id="19" name="TextBox 18">
+            <a:hlinkClick r:id="rId12" tooltip="Безплатен курс &quot;Качествен програмен код&quot;"/>
+          </p:cNvPr>
+          <p:cNvSpPr txBox="1"/>
+          <p:nvPr/>
+        </p:nvSpPr>
+        <p:spPr>
+          <a:xfrm rot="18277140" flipH="1">
+            <a:off x="405234" y="3272336"/>
+            <a:ext cx="413607" cy="646331"/>
+          </a:xfrm>
+          <a:prstGeom prst="rect">
+            <a:avLst/>
+          </a:prstGeom>
+          <a:noFill/>
+        </p:spPr>
+        <p:txBody>
+          <a:bodyPr wrap="square" rtlCol="0">
+            <a:spAutoFit/>
+            <a:scene3d>
+              <a:camera prst="orthographicFront"/>
+              <a:lightRig rig="threePt" dir="t"/>
+            </a:scene3d>
+            <a:sp3d extrusionH="57150">
+              <a:bevelT w="38100" h="38100"/>
+            </a:sp3d>
+          </a:bodyPr>
+          <a:lstStyle/>
+          <a:p>
+            <a:r>
+              <a:rPr lang="en-US" sz="3600" dirty="0" smtClean="0">
+                <a:solidFill>
+                  <a:schemeClr val="tx2">
+                    <a:lumMod val="40000"/>
+                    <a:lumOff val="60000"/>
+                  </a:schemeClr>
+                </a:solidFill>
+                <a:effectLst>
+                  <a:reflection blurRad="6350" stA="55000" endA="300" endPos="45500" dir="5400000" sy="-100000" algn="bl" rotWithShape="0"/>
+                </a:effectLst>
+              </a:rPr>
+              <a:t>?</a:t>
+            </a:r>
+            <a:endParaRPr lang="en-US" sz="3600" dirty="0">
+              <a:solidFill>
+                <a:schemeClr val="tx2">
+                  <a:lumMod val="40000"/>
+                  <a:lumOff val="60000"/>
+                </a:schemeClr>
+              </a:solidFill>
+              <a:effectLst>
+                <a:reflection blurRad="6350" stA="55000" endA="300" endPos="45500" dir="5400000" sy="-100000" algn="bl" rotWithShape="0"/>
+              </a:effectLst>
+            </a:endParaRPr>
+          </a:p>
+        </p:txBody>
+      </p:sp>
+      <p:sp>
+        <p:nvSpPr>
+          <p:cNvPr id="20" name="TextBox 19">
+            <a:hlinkClick r:id="rId13" tooltip="Алго академия - Академия по алгоритмично програмиране - безплатни уроци по алгоритми и структури от данни, състезателно програмиране и състезания"/>
+          </p:cNvPr>
+          <p:cNvSpPr txBox="1"/>
+          <p:nvPr/>
+        </p:nvSpPr>
+        <p:spPr>
+          <a:xfrm rot="18695734" flipH="1">
+            <a:off x="3127407" y="5396299"/>
+            <a:ext cx="548101" cy="1015663"/>
+          </a:xfrm>
+          <a:prstGeom prst="rect">
+            <a:avLst/>
+          </a:prstGeom>
+          <a:noFill/>
+        </p:spPr>
+        <p:txBody>
+          <a:bodyPr wrap="square" rtlCol="0">
+            <a:spAutoFit/>
+          </a:bodyPr>
+          <a:lstStyle/>
+          <a:p>
+            <a:r>
+              <a:rPr lang="en-US" sz="6000" b="1" dirty="0" smtClean="0">
+                <a:ln w="1905"/>
+                <a:gradFill>
+                  <a:gsLst>
+                    <a:gs pos="0">
+                      <a:schemeClr val="accent6">
+                        <a:shade val="20000"/>
+                        <a:satMod val="200000"/>
+                      </a:schemeClr>
+                    </a:gs>
+                    <a:gs pos="78000">
+                      <a:schemeClr val="accent6">
+                        <a:tint val="90000"/>
+                        <a:shade val="89000"/>
+                        <a:satMod val="220000"/>
+                      </a:schemeClr>
+                    </a:gs>
+                    <a:gs pos="100000">
+                      <a:schemeClr val="accent6">
+                        <a:tint val="12000"/>
+                        <a:satMod val="255000"/>
+                      </a:schemeClr>
+                    </a:gs>
+                  </a:gsLst>
+                  <a:lin ang="5400000"/>
+                </a:gradFill>
+                <a:effectLst>
+                  <a:innerShdw blurRad="69850" dist="43180" dir="5400000">
+                    <a:srgbClr val="000000">
+                      <a:alpha val="65000"/>
+                    </a:srgbClr>
+                  </a:innerShdw>
+                </a:effectLst>
+              </a:rPr>
+              <a:t>?</a:t>
+            </a:r>
+            <a:endParaRPr lang="en-US" sz="6000" b="1" dirty="0">
+              <a:ln w="1905"/>
+              <a:gradFill>
+                <a:gsLst>
+                  <a:gs pos="0">
+                    <a:schemeClr val="accent6">
+                      <a:shade val="20000"/>
+                      <a:satMod val="200000"/>
+                    </a:schemeClr>
+                  </a:gs>
+                  <a:gs pos="78000">
+                    <a:schemeClr val="accent6">
+                      <a:tint val="90000"/>
+                      <a:shade val="89000"/>
+                      <a:satMod val="220000"/>
+                    </a:schemeClr>
+                  </a:gs>
+                  <a:gs pos="100000">
+                    <a:schemeClr val="accent6">
+                      <a:tint val="12000"/>
+                      <a:satMod val="255000"/>
+                    </a:schemeClr>
+                  </a:gs>
+                </a:gsLst>
+                <a:lin ang="5400000"/>
+              </a:gradFill>
+              <a:effectLst>
+                <a:innerShdw blurRad="69850" dist="43180" dir="5400000">
+                  <a:srgbClr val="000000">
+                    <a:alpha val="65000"/>
+                  </a:srgbClr>
+                </a:innerShdw>
+              </a:effectLst>
+            </a:endParaRPr>
+          </a:p>
+        </p:txBody>
+      </p:sp>
+      <p:sp>
+        <p:nvSpPr>
+          <p:cNvPr id="21" name="TextBox 20">
+            <a:hlinkClick r:id="rId14" tooltip="Безплатен ASP.NET курс - уеб програмиране, бази данни, C#, .NET, ASP.NET"/>
+          </p:cNvPr>
+          <p:cNvSpPr txBox="1"/>
+          <p:nvPr/>
+        </p:nvSpPr>
+        <p:spPr>
+          <a:xfrm rot="10134629" flipH="1">
+            <a:off x="6730680" y="5522529"/>
+            <a:ext cx="444390" cy="707886"/>
+          </a:xfrm>
+          <a:prstGeom prst="rect">
+            <a:avLst/>
+          </a:prstGeom>
+          <a:noFill/>
+        </p:spPr>
+        <p:txBody>
+          <a:bodyPr wrap="square" rtlCol="0">
+            <a:spAutoFit/>
+            <a:scene3d>
+              <a:camera prst="orthographicFront"/>
+              <a:lightRig rig="threePt" dir="t"/>
+            </a:scene3d>
+            <a:sp3d extrusionH="57150">
+              <a:bevelT w="38100" h="38100"/>
+            </a:sp3d>
+          </a:bodyPr>
+          <a:lstStyle/>
+          <a:p>
+            <a:r>
+              <a:rPr lang="en-US" sz="4000" dirty="0" smtClean="0">
+                <a:solidFill>
+                  <a:schemeClr val="accent4">
+                    <a:lumMod val="60000"/>
+                    <a:lumOff val="40000"/>
+                  </a:schemeClr>
+                </a:solidFill>
+                <a:effectLst>
+                  <a:reflection blurRad="6350" stA="55000" endA="300" endPos="45500" dir="5400000" sy="-100000" algn="bl" rotWithShape="0"/>
+                </a:effectLst>
+              </a:rPr>
+              <a:t>?</a:t>
+            </a:r>
+            <a:endParaRPr lang="en-US" sz="4000" dirty="0">
+              <a:solidFill>
+                <a:schemeClr val="accent4">
+                  <a:lumMod val="60000"/>
+                  <a:lumOff val="40000"/>
+                </a:schemeClr>
+              </a:solidFill>
+              <a:effectLst>
+                <a:reflection blurRad="6350" stA="55000" endA="300" endPos="45500" dir="5400000" sy="-100000" algn="bl" rotWithShape="0"/>
+              </a:effectLst>
+            </a:endParaRPr>
+          </a:p>
+        </p:txBody>
+      </p:sp>
+      <p:sp>
+        <p:nvSpPr>
+          <p:cNvPr id="22" name="TextBox 21">
+            <a:hlinkClick r:id="rId15" tooltip="Софтуерна академия на Телерик - безплатни курсове и уроци по програмиране"/>
+          </p:cNvPr>
+          <p:cNvSpPr txBox="1"/>
+          <p:nvPr/>
+        </p:nvSpPr>
+        <p:spPr>
+          <a:xfrm rot="12126217" flipH="1">
+            <a:off x="559977" y="930479"/>
+            <a:ext cx="387894" cy="707886"/>
+          </a:xfrm>
+          <a:prstGeom prst="rect">
+            <a:avLst/>
+          </a:prstGeom>
+          <a:noFill/>
+        </p:spPr>
+        <p:txBody>
+          <a:bodyPr wrap="square" rtlCol="0">
+            <a:spAutoFit/>
+            <a:scene3d>
+              <a:camera prst="orthographicFront"/>
+              <a:lightRig rig="soft" dir="t">
+                <a:rot lat="0" lon="0" rev="10800000"/>
+              </a:lightRig>
+            </a:scene3d>
+            <a:sp3d>
+              <a:bevelT w="27940" h="12700"/>
+              <a:contourClr>
+                <a:srgbClr val="DDDDDD"/>
+              </a:contourClr>
+            </a:sp3d>
+          </a:bodyPr>
+          <a:lstStyle/>
+          <a:p>
+            <a:r>
+              <a:rPr lang="en-US" sz="4000" b="1" spc="150" dirty="0" smtClean="0">
+                <a:ln w="11430"/>
+                <a:solidFill>
+                  <a:schemeClr val="accent4">
+                    <a:lumMod val="60000"/>
+                    <a:lumOff val="40000"/>
+                  </a:schemeClr>
+                </a:solidFill>
+                <a:effectLst>
+                  <a:outerShdw blurRad="25400" algn="tl" rotWithShape="0">
+                    <a:srgbClr val="000000">
+                      <a:alpha val="43000"/>
+                    </a:srgbClr>
+                  </a:outerShdw>
+                </a:effectLst>
+              </a:rPr>
+              <a:t>?</a:t>
+            </a:r>
+            <a:endParaRPr lang="en-US" sz="4000" b="1" spc="150" dirty="0">
+              <a:ln w="11430"/>
+              <a:solidFill>
+                <a:schemeClr val="accent4">
+                  <a:lumMod val="60000"/>
+                  <a:lumOff val="40000"/>
+                </a:schemeClr>
+              </a:solidFill>
+              <a:effectLst>
+                <a:outerShdw blurRad="25400" algn="tl" rotWithShape="0">
+                  <a:srgbClr val="000000">
+                    <a:alpha val="43000"/>
+                  </a:srgbClr>
+                </a:outerShdw>
+              </a:effectLst>
+            </a:endParaRPr>
+          </a:p>
+        </p:txBody>
+      </p:sp>
+      <p:sp>
+        <p:nvSpPr>
+          <p:cNvPr id="23" name="TextBox 22">
+            <a:hlinkClick r:id="rId16" tooltip="Безплатен курс &quot;Разработка на мобилни приложения&quot; - iPhone, Android, Windows Phone, PhoneGap, HTML5, jQuery, AJAX"/>
+          </p:cNvPr>
+          <p:cNvSpPr txBox="1"/>
+          <p:nvPr/>
+        </p:nvSpPr>
+        <p:spPr>
+          <a:xfrm rot="20840689" flipH="1">
+            <a:off x="8186733" y="5517701"/>
+            <a:ext cx="357408" cy="646331"/>
+          </a:xfrm>
+          <a:prstGeom prst="rect">
+            <a:avLst/>
+          </a:prstGeom>
+          <a:noFill/>
+        </p:spPr>
+        <p:txBody>
+          <a:bodyPr wrap="square" rtlCol="0">
+            <a:spAutoFit/>
+          </a:bodyPr>
+          <a:lstStyle/>
+          <a:p>
+            <a:r>
+              <a:rPr lang="en-US" sz="3600" b="1" dirty="0" smtClean="0">
+                <a:ln w="19050">
+                  <a:solidFill>
+                    <a:schemeClr val="accent4">
+                      <a:lumMod val="75000"/>
+                      <a:alpha val="50000"/>
+                    </a:schemeClr>
+                  </a:solidFill>
+                  <a:prstDash val="solid"/>
+                  <a:miter lim="800000"/>
+                </a:ln>
+                <a:solidFill>
+                  <a:schemeClr val="accent4">
+                    <a:lumMod val="20000"/>
+                    <a:lumOff val="80000"/>
+                    <a:alpha val="25000"/>
+                  </a:schemeClr>
+                </a:solidFill>
+                <a:effectLst>
+                  <a:outerShdw blurRad="25500" dist="23000" dir="7020000" algn="tl">
+                    <a:srgbClr val="000000">
+                      <a:alpha val="50000"/>
+                    </a:srgbClr>
+                  </a:outerShdw>
+                </a:effectLst>
+              </a:rPr>
+              <a:t>?</a:t>
+            </a:r>
+            <a:endParaRPr lang="en-US" sz="4000" b="1" dirty="0">
+              <a:ln w="19050">
+                <a:solidFill>
+                  <a:schemeClr val="accent4">
+                    <a:lumMod val="75000"/>
+                    <a:alpha val="50000"/>
+                  </a:schemeClr>
+                </a:solidFill>
+                <a:prstDash val="solid"/>
+                <a:miter lim="800000"/>
+              </a:ln>
+              <a:solidFill>
+                <a:schemeClr val="accent4">
+                  <a:lumMod val="20000"/>
+                  <a:lumOff val="80000"/>
+                  <a:alpha val="25000"/>
+                </a:schemeClr>
+              </a:solidFill>
+              <a:effectLst>
+                <a:outerShdw blurRad="25500" dist="23000" dir="7020000" algn="tl">
+                  <a:srgbClr val="000000">
+                    <a:alpha val="50000"/>
+                  </a:srgbClr>
+                </a:outerShdw>
+              </a:effectLst>
+            </a:endParaRPr>
+          </a:p>
+        </p:txBody>
+      </p:sp>
+      <p:sp>
+        <p:nvSpPr>
+          <p:cNvPr id="24" name="TextBox 23">
+            <a:hlinkClick r:id="rId17" tooltip="Free C# Programming Book by Svetlin Nakov - безплатна C# книга от Светлин Наков, книга C#, книга Java, безплатна книга"/>
+          </p:cNvPr>
+          <p:cNvSpPr txBox="1"/>
+          <p:nvPr/>
+        </p:nvSpPr>
+        <p:spPr>
+          <a:xfrm rot="15426793" flipH="1">
+            <a:off x="1145826" y="4072253"/>
+            <a:ext cx="369652" cy="769441"/>
+          </a:xfrm>
+          <a:prstGeom prst="rect">
+            <a:avLst/>
+          </a:prstGeom>
+          <a:noFill/>
+        </p:spPr>
+        <p:txBody>
+          <a:bodyPr wrap="square" rtlCol="0">
+            <a:spAutoFit/>
+            <a:scene3d>
+              <a:camera prst="orthographicFront"/>
+              <a:lightRig rig="threePt" dir="t"/>
+            </a:scene3d>
+            <a:sp3d extrusionH="57150">
+              <a:bevelT w="38100" h="38100"/>
+            </a:sp3d>
+          </a:bodyPr>
+          <a:lstStyle/>
+          <a:p>
+            <a:r>
+              <a:rPr lang="en-US" sz="4400" dirty="0" smtClean="0">
+                <a:ln>
+                  <a:solidFill>
+                    <a:schemeClr val="accent2">
+                      <a:lumMod val="40000"/>
+                      <a:lumOff val="60000"/>
+                    </a:schemeClr>
+                  </a:solidFill>
+                </a:ln>
+                <a:solidFill>
+                  <a:schemeClr val="accent6">
+                    <a:lumMod val="60000"/>
+                    <a:lumOff val="40000"/>
+                  </a:schemeClr>
+                </a:solidFill>
+                <a:effectLst>
+                  <a:reflection blurRad="6350" stA="55000" endA="300" endPos="45500" dir="5400000" sy="-100000" algn="bl" rotWithShape="0"/>
+                </a:effectLst>
+              </a:rPr>
+              <a:t>?</a:t>
+            </a:r>
+            <a:endParaRPr lang="en-US" sz="4400" dirty="0">
+              <a:ln>
+                <a:solidFill>
+                  <a:schemeClr val="accent2">
+                    <a:lumMod val="40000"/>
+                    <a:lumOff val="60000"/>
+                  </a:schemeClr>
+                </a:solidFill>
+              </a:ln>
+              <a:solidFill>
+                <a:schemeClr val="accent6">
+                  <a:lumMod val="60000"/>
+                  <a:lumOff val="40000"/>
+                </a:schemeClr>
+              </a:solidFill>
+              <a:effectLst>
+                <a:reflection blurRad="6350" stA="55000" endA="300" endPos="45500" dir="5400000" sy="-100000" algn="bl" rotWithShape="0"/>
+              </a:effectLst>
+            </a:endParaRPr>
+          </a:p>
+        </p:txBody>
+      </p:sp>
+      <p:sp>
+        <p:nvSpPr>
+          <p:cNvPr id="25" name="TextBox 24">
+            <a:hlinkClick r:id="rId18" tooltip="Дончо Минков - сайт за програмиране"/>
+          </p:cNvPr>
+          <p:cNvSpPr txBox="1"/>
+          <p:nvPr/>
+        </p:nvSpPr>
+        <p:spPr>
+          <a:xfrm rot="11071760" flipH="1">
+            <a:off x="6518175" y="1140358"/>
+            <a:ext cx="345408" cy="523220"/>
+          </a:xfrm>
+          <a:prstGeom prst="rect">
+            <a:avLst/>
+          </a:prstGeom>
+          <a:noFill/>
+        </p:spPr>
+        <p:txBody>
+          <a:bodyPr wrap="square" rtlCol="0">
+            <a:spAutoFit/>
+            <a:scene3d>
+              <a:camera prst="orthographicFront"/>
+              <a:lightRig rig="threePt" dir="t"/>
+            </a:scene3d>
+            <a:sp3d extrusionH="57150">
+              <a:bevelT w="38100" h="38100"/>
+            </a:sp3d>
+          </a:bodyPr>
+          <a:lstStyle/>
+          <a:p>
+            <a:r>
+              <a:rPr lang="en-US" sz="2800" dirty="0" smtClean="0">
+                <a:ln>
+                  <a:solidFill>
+                    <a:schemeClr val="tx1">
+                      <a:lumMod val="75000"/>
+                    </a:schemeClr>
+                  </a:solidFill>
+                </a:ln>
+                <a:solidFill>
+                  <a:schemeClr val="accent4">
+                    <a:lumMod val="60000"/>
+                    <a:lumOff val="40000"/>
+                  </a:schemeClr>
+                </a:solidFill>
+                <a:effectLst>
+                  <a:reflection blurRad="6350" stA="55000" endA="300" endPos="45500" dir="5400000" sy="-100000" algn="bl" rotWithShape="0"/>
+                </a:effectLst>
+              </a:rPr>
+              <a:t>?</a:t>
+            </a:r>
+            <a:endParaRPr lang="en-US" sz="2800" dirty="0">
+              <a:ln>
+                <a:solidFill>
+                  <a:schemeClr val="tx1">
+                    <a:lumMod val="75000"/>
+                  </a:schemeClr>
+                </a:solidFill>
+              </a:ln>
+              <a:solidFill>
+                <a:schemeClr val="accent4">
+                  <a:lumMod val="60000"/>
+                  <a:lumOff val="40000"/>
+                </a:schemeClr>
+              </a:solidFill>
+              <a:effectLst>
+                <a:reflection blurRad="6350" stA="55000" endA="300" endPos="45500" dir="5400000" sy="-100000" algn="bl" rotWithShape="0"/>
+              </a:effectLst>
+            </a:endParaRPr>
+          </a:p>
+        </p:txBody>
+      </p:sp>
+      <p:sp>
+        <p:nvSpPr>
+          <p:cNvPr id="26" name="TextBox 25">
+            <a:hlinkClick r:id="rId19" tooltip="Николай Костов - блог за програмиране"/>
+          </p:cNvPr>
+          <p:cNvSpPr txBox="1"/>
+          <p:nvPr/>
+        </p:nvSpPr>
+        <p:spPr>
+          <a:xfrm rot="300526" flipH="1">
+            <a:off x="3902297" y="1278821"/>
+            <a:ext cx="345408" cy="523220"/>
+          </a:xfrm>
+          <a:prstGeom prst="rect">
+            <a:avLst/>
+          </a:prstGeom>
+          <a:noFill/>
+        </p:spPr>
+        <p:txBody>
+          <a:bodyPr wrap="square" rtlCol="0">
+            <a:spAutoFit/>
+            <a:scene3d>
+              <a:camera prst="orthographicFront"/>
+              <a:lightRig rig="threePt" dir="t"/>
+            </a:scene3d>
+            <a:sp3d extrusionH="57150">
+              <a:bevelT w="38100" h="38100"/>
+            </a:sp3d>
+          </a:bodyPr>
+          <a:lstStyle/>
+          <a:p>
+            <a:r>
+              <a:rPr lang="en-US" sz="2800" b="1" dirty="0" smtClean="0">
+                <a:ln w="31550" cmpd="sng">
+                  <a:solidFill>
+                    <a:schemeClr val="tx2">
+                      <a:lumMod val="20000"/>
+                      <a:lumOff val="80000"/>
+                    </a:schemeClr>
+                  </a:solidFill>
+                  <a:prstDash val="solid"/>
+                </a:ln>
+                <a:solidFill>
+                  <a:schemeClr val="tx1">
+                    <a:lumMod val="20000"/>
+                    <a:lumOff val="80000"/>
+                  </a:schemeClr>
+                </a:solidFill>
+                <a:effectLst>
+                  <a:outerShdw blurRad="50800" dist="40000" dir="5400000" algn="tl" rotWithShape="0">
+                    <a:srgbClr val="000000">
+                      <a:shade val="5000"/>
+                      <a:satMod val="120000"/>
+                      <a:alpha val="33000"/>
+                    </a:srgbClr>
+                  </a:outerShdw>
+                </a:effectLst>
+              </a:rPr>
+              <a:t>?</a:t>
+            </a:r>
+            <a:endParaRPr lang="en-US" sz="2800" dirty="0">
+              <a:ln w="31550" cmpd="sng">
+                <a:solidFill>
+                  <a:schemeClr val="tx2">
+                    <a:lumMod val="20000"/>
+                    <a:lumOff val="80000"/>
+                  </a:schemeClr>
+                </a:solidFill>
+                <a:prstDash val="solid"/>
+              </a:ln>
+              <a:solidFill>
+                <a:schemeClr val="tx1">
+                  <a:lumMod val="20000"/>
+                  <a:lumOff val="80000"/>
+                </a:schemeClr>
+              </a:solidFill>
+              <a:effectLst>
+                <a:reflection blurRad="6350" stA="55000" endA="300" endPos="45500" dir="5400000" sy="-100000" algn="bl" rotWithShape="0"/>
+              </a:effectLst>
+            </a:endParaRPr>
+          </a:p>
+        </p:txBody>
+      </p:sp>
+      <p:sp>
+        <p:nvSpPr>
+          <p:cNvPr id="27" name="TextBox 26">
+            <a:hlinkClick r:id="rId20" tooltip="C# курс - програмиране, уроци, видео, лекции от Наков"/>
+          </p:cNvPr>
+          <p:cNvSpPr txBox="1"/>
+          <p:nvPr/>
+        </p:nvSpPr>
+        <p:spPr>
+          <a:xfrm rot="2086872" flipH="1">
+            <a:off x="8330354" y="1359227"/>
+            <a:ext cx="444390" cy="584775"/>
+          </a:xfrm>
+          <a:prstGeom prst="rect">
+            <a:avLst/>
+          </a:prstGeom>
+          <a:noFill/>
+        </p:spPr>
+        <p:txBody>
+          <a:bodyPr wrap="square" rtlCol="0">
+            <a:spAutoFit/>
+            <a:scene3d>
+              <a:camera prst="orthographicFront"/>
+              <a:lightRig rig="threePt" dir="t"/>
+            </a:scene3d>
+            <a:sp3d extrusionH="57150">
+              <a:bevelT w="38100" h="38100"/>
+            </a:sp3d>
+          </a:bodyPr>
+          <a:lstStyle/>
+          <a:p>
+            <a:r>
+              <a:rPr lang="en-US" sz="3200" dirty="0" smtClean="0">
+                <a:ln>
+                  <a:solidFill>
+                    <a:schemeClr val="accent1">
+                      <a:lumMod val="40000"/>
+                      <a:lumOff val="60000"/>
+                    </a:schemeClr>
+                  </a:solidFill>
+                </a:ln>
+                <a:solidFill>
+                  <a:schemeClr val="accent4">
+                    <a:lumMod val="60000"/>
+                    <a:lumOff val="40000"/>
+                  </a:schemeClr>
+                </a:solidFill>
+                <a:effectLst>
+                  <a:reflection blurRad="6350" stA="55000" endA="300" endPos="45500" dir="5400000" sy="-100000" algn="bl" rotWithShape="0"/>
+                </a:effectLst>
+              </a:rPr>
+              <a:t>?</a:t>
+            </a:r>
+            <a:endParaRPr lang="en-US" sz="3200" dirty="0">
+              <a:ln>
+                <a:solidFill>
+                  <a:schemeClr val="accent1">
+                    <a:lumMod val="40000"/>
+                    <a:lumOff val="60000"/>
+                  </a:schemeClr>
+                </a:solidFill>
+              </a:ln>
+              <a:solidFill>
+                <a:schemeClr val="accent4">
+                  <a:lumMod val="60000"/>
+                  <a:lumOff val="40000"/>
+                </a:schemeClr>
+              </a:solidFill>
+              <a:effectLst>
+                <a:reflection blurRad="6350" stA="55000" endA="300" endPos="45500" dir="5400000" sy="-100000" algn="bl" rotWithShape="0"/>
+              </a:effectLst>
+            </a:endParaRPr>
+          </a:p>
+        </p:txBody>
+      </p:sp>
+      <p:sp>
+        <p:nvSpPr>
+          <p:cNvPr id="28" name="Rectangle 27"/>
+          <p:cNvSpPr/>
+          <p:nvPr/>
+        </p:nvSpPr>
+        <p:spPr>
+          <a:xfrm>
+            <a:off x="1828800" y="2903716"/>
+            <a:ext cx="5486400" cy="1261884"/>
+          </a:xfrm>
+          <a:prstGeom prst="rect">
+            <a:avLst/>
+          </a:prstGeom>
+        </p:spPr>
+        <p:txBody>
+          <a:bodyPr wrap="none" lIns="0" tIns="0" rIns="0" bIns="0" anchor="ctr" anchorCtr="0">
+            <a:noAutofit/>
+            <a:scene3d>
+              <a:camera prst="orthographicFront"/>
+              <a:lightRig rig="soft" dir="t">
+                <a:rot lat="0" lon="0" rev="10800000"/>
+              </a:lightRig>
+            </a:scene3d>
+            <a:sp3d>
+              <a:bevelT w="27940" h="12700"/>
+              <a:contourClr>
+                <a:srgbClr val="DDDDDD"/>
+              </a:contourClr>
+            </a:sp3d>
+          </a:bodyPr>
+          <a:lstStyle/>
+          <a:p>
+            <a:pPr marL="0" lvl="0" indent="0" algn="ctr" eaLnBrk="0" hangingPunct="0">
+              <a:lnSpc>
+                <a:spcPct val="100000"/>
+              </a:lnSpc>
+              <a:spcBef>
+                <a:spcPts val="0"/>
+              </a:spcBef>
+              <a:spcAft>
+                <a:spcPts val="0"/>
+              </a:spcAft>
+              <a:buClr>
+                <a:schemeClr val="accent5">
+                  <a:lumMod val="40000"/>
+                  <a:lumOff val="60000"/>
+                </a:schemeClr>
+              </a:buClr>
+              <a:buSzPct val="70000"/>
+              <a:buFont typeface="Wingdings 2" pitchFamily="18" charset="2"/>
+              <a:buNone/>
+            </a:pPr>
+            <a:r>
+              <a:rPr lang="en-US" sz="7600" b="1" spc="150" noProof="0" dirty="0" smtClean="0">
+                <a:ln w="11430"/>
+                <a:solidFill>
+                  <a:schemeClr val="tx1">
+                    <a:lumMod val="40000"/>
+                    <a:lumOff val="60000"/>
+                  </a:schemeClr>
+                </a:solidFill>
+                <a:effectLst>
+                  <a:outerShdw blurRad="25400" algn="tl" rotWithShape="0">
+                    <a:srgbClr val="000000">
+                      <a:alpha val="43000"/>
+                    </a:srgbClr>
+                  </a:outerShdw>
+                </a:effectLst>
+                <a:latin typeface="+mn-lt"/>
+              </a:rPr>
+              <a:t>Questions?</a:t>
+            </a:r>
+            <a:endParaRPr lang="en-US" sz="7600" b="1" spc="150" dirty="0">
+              <a:ln w="11430"/>
+              <a:solidFill>
+                <a:schemeClr val="tx1">
+                  <a:lumMod val="40000"/>
+                  <a:lumOff val="60000"/>
+                </a:schemeClr>
+              </a:solidFill>
+              <a:effectLst>
+                <a:outerShdw blurRad="25400" algn="tl" rotWithShape="0">
+                  <a:srgbClr val="000000">
+                    <a:alpha val="43000"/>
+                  </a:srgbClr>
+                </a:outerShdw>
+              </a:effectLst>
+              <a:latin typeface="+mn-lt"/>
+            </a:endParaRPr>
+          </a:p>
+        </p:txBody>
+      </p:sp>
+      <p:sp>
+        <p:nvSpPr>
+          <p:cNvPr id="29" name="Text Placeholder 29"/>
+          <p:cNvSpPr>
+            <a:spLocks noGrp="1"/>
+          </p:cNvSpPr>
+          <p:nvPr>
+            <p:ph type="body" sz="quarter" idx="10" hasCustomPrompt="1"/>
+          </p:nvPr>
+        </p:nvSpPr>
+        <p:spPr>
+          <a:xfrm>
+            <a:off x="6807131" y="6400800"/>
+            <a:ext cx="2218556" cy="369332"/>
+          </a:xfrm>
+          <a:prstGeom prst="rect">
+            <a:avLst/>
+          </a:prstGeom>
+        </p:spPr>
+        <p:txBody>
+          <a:bodyPr wrap="none">
+            <a:spAutoFit/>
+          </a:bodyPr>
+          <a:lstStyle>
+            <a:lvl1pPr marL="0" indent="0" algn="r">
+              <a:buNone/>
+              <a:defRPr sz="1800"/>
+            </a:lvl1pPr>
+          </a:lstStyle>
+          <a:p>
+            <a:pPr lvl="0"/>
+            <a:r>
+              <a:rPr lang="en-US" dirty="0" smtClean="0"/>
+              <a:t>Course web site URL</a:t>
+            </a:r>
+            <a:endParaRPr lang="en-US" dirty="0"/>
+          </a:p>
+        </p:txBody>
+      </p:sp>
+      <p:sp>
+        <p:nvSpPr>
+          <p:cNvPr id="10" name="TextBox 9">
+            <a:hlinkClick r:id="rId3" tooltip="Курсове и уроци по програмиране, уеб дизайн, разработка на софтуер и информационни технологии - лекции, видео уроци, обучения - безплатно"/>
+          </p:cNvPr>
+          <p:cNvSpPr txBox="1"/>
+          <p:nvPr/>
+        </p:nvSpPr>
+        <p:spPr>
+          <a:xfrm rot="2456848" flipH="1">
+            <a:off x="968763" y="4970087"/>
+            <a:ext cx="859648" cy="1569660"/>
+          </a:xfrm>
+          <a:prstGeom prst="rect">
+            <a:avLst/>
+          </a:prstGeom>
+          <a:noFill/>
+        </p:spPr>
+        <p:txBody>
+          <a:bodyPr wrap="square" rtlCol="0">
+            <a:spAutoFit/>
+            <a:scene3d>
+              <a:camera prst="orthographicFront"/>
+              <a:lightRig rig="threePt" dir="t"/>
+            </a:scene3d>
+            <a:sp3d extrusionH="57150">
+              <a:bevelT w="38100" h="38100"/>
+            </a:sp3d>
+          </a:bodyPr>
+          <a:lstStyle/>
+          <a:p>
+            <a:pPr>
+              <a:lnSpc>
+                <a:spcPct val="80000"/>
+              </a:lnSpc>
+            </a:pPr>
+            <a:r>
+              <a:rPr lang="en-US" sz="12000" b="1" dirty="0" smtClean="0">
+                <a:solidFill>
+                  <a:srgbClr val="FFBF8B"/>
+                </a:solidFill>
+                <a:effectLst>
+                  <a:reflection blurRad="6350" stA="55000" endA="300" endPos="45500" dir="5400000" sy="-100000" algn="bl" rotWithShape="0"/>
+                </a:effectLst>
+                <a:latin typeface="Cambria" pitchFamily="18" charset="0"/>
+              </a:rPr>
+              <a:t>?</a:t>
+            </a:r>
+            <a:endParaRPr lang="en-US" sz="12000" b="1" dirty="0">
+              <a:solidFill>
+                <a:srgbClr val="FFBF8B"/>
+              </a:solidFill>
+              <a:effectLst>
+                <a:reflection blurRad="6350" stA="55000" endA="300" endPos="45500" dir="5400000" sy="-100000" algn="bl" rotWithShape="0"/>
+              </a:effectLst>
+              <a:latin typeface="Cambria" pitchFamily="18" charset="0"/>
+            </a:endParaRPr>
+          </a:p>
+        </p:txBody>
+      </p:sp>
+      <p:grpSp>
+        <p:nvGrpSpPr>
+          <p:cNvPr id="50" name="Group 49"/>
+          <p:cNvGrpSpPr/>
+          <p:nvPr userDrawn="1"/>
+        </p:nvGrpSpPr>
+        <p:grpSpPr>
+          <a:xfrm>
+            <a:off x="130434" y="6373882"/>
+            <a:ext cx="1816798" cy="331718"/>
+            <a:chOff x="1236228" y="1523999"/>
+            <a:chExt cx="4351212" cy="3261410"/>
+          </a:xfrm>
+          <a:noFill/>
+        </p:grpSpPr>
+        <p:sp>
+          <p:nvSpPr>
+            <p:cNvPr id="51" name="TextBox 50">
+              <a:hlinkClick r:id="rId2" tooltip="Форум за програмиране и уеб дизайн - дискусии, съвети, въпроси и отговори @ Софтуерна академия на Телерик"/>
+            </p:cNvPr>
+            <p:cNvSpPr txBox="1"/>
+            <p:nvPr userDrawn="1"/>
+          </p:nvSpPr>
+          <p:spPr>
+            <a:xfrm flipH="1">
+              <a:off x="3394420" y="1733044"/>
+              <a:ext cx="1528760" cy="1210412"/>
+            </a:xfrm>
+            <a:prstGeom prst="rect">
+              <a:avLst/>
+            </a:prstGeom>
+            <a:grpFill/>
+          </p:spPr>
+          <p:txBody>
+            <a:bodyPr wrap="none" rtlCol="0">
+              <a:spAutoFit/>
+            </a:bodyPr>
+            <a:lstStyle>
+              <a:defPPr>
+                <a:defRPr lang="en-US"/>
+              </a:defPPr>
+              <a:lvl1pPr lvl="0">
+                <a:defRPr sz="1200"/>
+              </a:lvl1pPr>
+            </a:lstStyle>
+            <a:p>
+              <a:pPr lvl="0"/>
+              <a:r>
+                <a:rPr lang="bg-BG" sz="200" noProof="1" smtClean="0">
+                  <a:ln w="0">
+                    <a:noFill/>
+                  </a:ln>
+                  <a:solidFill>
+                    <a:schemeClr val="bg1"/>
+                  </a:solidFill>
+                  <a:effectLst/>
+                </a:rPr>
+                <a:t>форум програмиране, форум уеб дизайн</a:t>
+              </a:r>
+              <a:endParaRPr lang="bg-BG" sz="200" noProof="1">
+                <a:ln w="0">
+                  <a:noFill/>
+                </a:ln>
+                <a:solidFill>
+                  <a:schemeClr val="bg1"/>
+                </a:solidFill>
+                <a:effectLst/>
+              </a:endParaRPr>
+            </a:p>
+          </p:txBody>
+        </p:sp>
+        <p:sp>
+          <p:nvSpPr>
+            <p:cNvPr id="52" name="TextBox 51">
+              <a:hlinkClick r:id="rId3" tooltip="Курсове и уроци по програмиране, уеб дизайн, разработка на софтуер и информационни технологии - лекции, видео уроци, обучения - безплатно"/>
+            </p:cNvPr>
+            <p:cNvSpPr txBox="1"/>
+            <p:nvPr userDrawn="1"/>
+          </p:nvSpPr>
+          <p:spPr>
+            <a:xfrm flipH="1">
+              <a:off x="1350512" y="1528531"/>
+              <a:ext cx="2008656" cy="1149887"/>
+            </a:xfrm>
+            <a:prstGeom prst="rect">
+              <a:avLst/>
+            </a:prstGeom>
+            <a:grpFill/>
+          </p:spPr>
+          <p:txBody>
+            <a:bodyPr wrap="none" rtlCol="0">
+              <a:spAutoFit/>
+            </a:bodyPr>
+            <a:lstStyle/>
+            <a:p>
+              <a:pPr>
+                <a:lnSpc>
+                  <a:spcPct val="80000"/>
+                </a:lnSpc>
+              </a:pPr>
+              <a:r>
+                <a:rPr lang="bg-BG" sz="200" kern="1200" noProof="1" smtClean="0">
+                  <a:ln w="0">
+                    <a:noFill/>
+                  </a:ln>
+                  <a:solidFill>
+                    <a:schemeClr val="bg1"/>
+                  </a:solidFill>
+                  <a:effectLst/>
+                  <a:latin typeface="Corbel" pitchFamily="34" charset="0"/>
+                  <a:ea typeface="+mn-ea"/>
+                  <a:cs typeface="+mn-cs"/>
+                </a:rPr>
+                <a:t>курсове и уроци по програмиране, уеб дизайн – безплатно</a:t>
+              </a:r>
+              <a:endParaRPr lang="bg-BG" sz="200" kern="1200" noProof="1">
+                <a:ln w="0">
+                  <a:noFill/>
+                </a:ln>
+                <a:solidFill>
+                  <a:schemeClr val="bg1"/>
+                </a:solidFill>
+                <a:effectLst/>
+                <a:latin typeface="Corbel" pitchFamily="34" charset="0"/>
+                <a:ea typeface="+mn-ea"/>
+                <a:cs typeface="+mn-cs"/>
+              </a:endParaRPr>
+            </a:p>
+          </p:txBody>
+        </p:sp>
+        <p:sp>
+          <p:nvSpPr>
+            <p:cNvPr id="53" name="TextBox 52">
+              <a:hlinkClick r:id="rId4" tooltip="Програмиране за деца - безплатно в Телерик кидс академия"/>
+            </p:cNvPr>
+            <p:cNvSpPr txBox="1"/>
+            <p:nvPr userDrawn="1"/>
+          </p:nvSpPr>
+          <p:spPr>
+            <a:xfrm flipH="1">
+              <a:off x="1538277" y="2175145"/>
+              <a:ext cx="1816697" cy="1210412"/>
+            </a:xfrm>
+            <a:prstGeom prst="rect">
+              <a:avLst/>
+            </a:prstGeom>
+            <a:grpFill/>
+          </p:spPr>
+          <p:txBody>
+            <a:bodyPr wrap="none" rtlCol="0">
+              <a:spAutoFit/>
+            </a:bodyPr>
+            <a:lstStyle/>
+            <a:p>
+              <a:r>
+                <a:rPr lang="bg-BG" sz="200" kern="1200" noProof="1" smtClean="0">
+                  <a:ln w="0">
+                    <a:noFill/>
+                  </a:ln>
+                  <a:solidFill>
+                    <a:schemeClr val="bg1"/>
+                  </a:solidFill>
+                  <a:effectLst/>
+                  <a:latin typeface="Corbel" pitchFamily="34" charset="0"/>
+                  <a:ea typeface="+mn-ea"/>
+                  <a:cs typeface="+mn-cs"/>
+                </a:rPr>
+                <a:t>програмиране за деца – безплатни курсове и уроци</a:t>
+              </a:r>
+              <a:endParaRPr lang="bg-BG" sz="200" kern="1200" noProof="1">
+                <a:ln w="0">
+                  <a:noFill/>
+                </a:ln>
+                <a:solidFill>
+                  <a:schemeClr val="bg1"/>
+                </a:solidFill>
+                <a:effectLst/>
+                <a:latin typeface="Corbel" pitchFamily="34" charset="0"/>
+                <a:ea typeface="+mn-ea"/>
+                <a:cs typeface="+mn-cs"/>
+              </a:endParaRPr>
+            </a:p>
+          </p:txBody>
+        </p:sp>
+        <p:sp>
+          <p:nvSpPr>
+            <p:cNvPr id="54" name="TextBox 53">
+              <a:hlinkClick r:id="rId5" tooltip="Безплатен SEO курс - оптимизация за търсачки, уроци по SEO"/>
+            </p:cNvPr>
+            <p:cNvSpPr txBox="1"/>
+            <p:nvPr userDrawn="1"/>
+          </p:nvSpPr>
+          <p:spPr>
+            <a:xfrm flipH="1">
+              <a:off x="1660733" y="2421354"/>
+              <a:ext cx="1697683" cy="1210412"/>
+            </a:xfrm>
+            <a:prstGeom prst="rect">
+              <a:avLst/>
+            </a:prstGeom>
+            <a:grpFill/>
+          </p:spPr>
+          <p:txBody>
+            <a:bodyPr wrap="none" rtlCol="0">
+              <a:spAutoFit/>
+            </a:bodyPr>
+            <a:lstStyle>
+              <a:defPPr>
+                <a:defRPr lang="en-US"/>
+              </a:defPPr>
+              <a:lvl1pPr lvl="0">
+                <a:defRPr sz="1200"/>
+              </a:lvl1pPr>
+            </a:lstStyle>
+            <a:p>
+              <a:pPr lvl="0" algn="l"/>
+              <a:r>
+                <a:rPr lang="bg-BG" sz="200" noProof="1" smtClean="0">
+                  <a:ln w="0">
+                    <a:noFill/>
+                  </a:ln>
+                  <a:solidFill>
+                    <a:schemeClr val="bg1"/>
+                  </a:solidFill>
+                  <a:effectLst/>
+                </a:rPr>
+                <a:t>безплатен SEO курс - оптимизация за търсачки</a:t>
+              </a:r>
+              <a:endParaRPr lang="bg-BG" sz="200" noProof="1">
+                <a:ln w="0">
+                  <a:noFill/>
+                </a:ln>
+                <a:solidFill>
+                  <a:schemeClr val="bg1"/>
+                </a:solidFill>
+                <a:effectLst/>
+              </a:endParaRPr>
+            </a:p>
+          </p:txBody>
+        </p:sp>
+        <p:sp>
+          <p:nvSpPr>
+            <p:cNvPr id="55" name="TextBox 54">
+              <a:hlinkClick r:id="rId6" tooltip="Безплатен курс &quot;Уеб дизайн с HTML, CSS и JavaScript&quot; - уроци по правене на уеб сайтове, HTML, CSS, Photoshop, JavaScript и CMS системи"/>
+            </p:cNvPr>
+            <p:cNvSpPr txBox="1"/>
+            <p:nvPr userDrawn="1"/>
+          </p:nvSpPr>
+          <p:spPr>
+            <a:xfrm flipH="1">
+              <a:off x="1448482" y="2878556"/>
+              <a:ext cx="1908837" cy="1210412"/>
+            </a:xfrm>
+            <a:prstGeom prst="rect">
+              <a:avLst/>
+            </a:prstGeom>
+            <a:grpFill/>
+          </p:spPr>
+          <p:txBody>
+            <a:bodyPr wrap="none" rtlCol="0">
+              <a:spAutoFit/>
+            </a:bodyPr>
+            <a:lstStyle>
+              <a:defPPr>
+                <a:defRPr lang="en-US"/>
+              </a:defPPr>
+              <a:lvl1pPr lvl="0">
+                <a:defRPr sz="1200"/>
+              </a:lvl1pPr>
+            </a:lstStyle>
+            <a:p>
+              <a:pPr lvl="0"/>
+              <a:r>
+                <a:rPr lang="bg-BG" sz="200" noProof="1" smtClean="0">
+                  <a:ln w="0">
+                    <a:noFill/>
+                  </a:ln>
+                  <a:solidFill>
+                    <a:schemeClr val="bg1"/>
+                  </a:solidFill>
+                  <a:effectLst/>
+                </a:rPr>
+                <a:t>уроци по уеб дизайн, HTML, CSS, JavaScript, Photoshop</a:t>
+              </a:r>
+              <a:endParaRPr lang="bg-BG" sz="200" noProof="1">
+                <a:ln w="0">
+                  <a:noFill/>
+                </a:ln>
+                <a:solidFill>
+                  <a:schemeClr val="bg1"/>
+                </a:solidFill>
+                <a:effectLst/>
+              </a:endParaRPr>
+            </a:p>
+          </p:txBody>
+        </p:sp>
+        <p:sp>
+          <p:nvSpPr>
+            <p:cNvPr id="56" name="TextBox 55">
+              <a:hlinkClick r:id="rId7" tooltip="Училищна софтуерна академия - безплатни уроци по програмиране и уеб дизайн"/>
+            </p:cNvPr>
+            <p:cNvSpPr txBox="1"/>
+            <p:nvPr userDrawn="1"/>
+          </p:nvSpPr>
+          <p:spPr>
+            <a:xfrm flipH="1">
+              <a:off x="1636239" y="1946534"/>
+              <a:ext cx="1747592" cy="1210412"/>
+            </a:xfrm>
+            <a:prstGeom prst="rect">
+              <a:avLst/>
+            </a:prstGeom>
+            <a:grpFill/>
+          </p:spPr>
+          <p:txBody>
+            <a:bodyPr wrap="none" rtlCol="0">
+              <a:spAutoFit/>
+            </a:bodyPr>
+            <a:lstStyle/>
+            <a:p>
+              <a:pPr algn="l"/>
+              <a:r>
+                <a:rPr lang="bg-BG" sz="200" kern="1200" noProof="1" smtClean="0">
+                  <a:ln w="0">
+                    <a:noFill/>
+                  </a:ln>
+                  <a:solidFill>
+                    <a:schemeClr val="bg1"/>
+                  </a:solidFill>
+                  <a:effectLst/>
+                  <a:latin typeface="Corbel" pitchFamily="34" charset="0"/>
+                  <a:ea typeface="+mn-ea"/>
+                  <a:cs typeface="+mn-cs"/>
+                </a:rPr>
+                <a:t>уроци по програмиране и уеб дизайн за ученици</a:t>
+              </a:r>
+              <a:endParaRPr lang="bg-BG" sz="200" kern="1200" noProof="1">
+                <a:ln w="0">
+                  <a:noFill/>
+                </a:ln>
+                <a:solidFill>
+                  <a:schemeClr val="bg1"/>
+                </a:solidFill>
+                <a:effectLst/>
+                <a:latin typeface="Corbel" pitchFamily="34" charset="0"/>
+                <a:ea typeface="+mn-ea"/>
+                <a:cs typeface="+mn-cs"/>
+              </a:endParaRPr>
+            </a:p>
+          </p:txBody>
+        </p:sp>
+        <p:sp>
+          <p:nvSpPr>
+            <p:cNvPr id="57" name="TextBox 56">
+              <a:hlinkClick r:id="rId8" tooltip="Безплатен курс &quot;Програмиране с ASP.NET MVC&quot; - уеб технологии, бази данни, C#, .NET, ASP.NET MVC"/>
+            </p:cNvPr>
+            <p:cNvSpPr txBox="1"/>
+            <p:nvPr userDrawn="1"/>
+          </p:nvSpPr>
+          <p:spPr>
+            <a:xfrm flipH="1">
+              <a:off x="3402824" y="2230065"/>
+              <a:ext cx="1939551" cy="1210412"/>
+            </a:xfrm>
+            <a:prstGeom prst="rect">
+              <a:avLst/>
+            </a:prstGeom>
+            <a:grpFill/>
+          </p:spPr>
+          <p:txBody>
+            <a:bodyPr wrap="none" rtlCol="0">
+              <a:spAutoFit/>
+            </a:bodyPr>
+            <a:lstStyle>
+              <a:defPPr>
+                <a:defRPr lang="en-US"/>
+              </a:defPPr>
+              <a:lvl1pPr lvl="0">
+                <a:defRPr sz="1200"/>
+              </a:lvl1pPr>
+            </a:lstStyle>
+            <a:p>
+              <a:pPr lvl="0"/>
+              <a:r>
+                <a:rPr lang="bg-BG" sz="200" noProof="1" smtClean="0">
+                  <a:ln w="0">
+                    <a:noFill/>
+                  </a:ln>
+                  <a:solidFill>
+                    <a:schemeClr val="bg1"/>
+                  </a:solidFill>
+                  <a:effectLst/>
+                </a:rPr>
+                <a:t>ASP.NET MVC курс – HTML, SQL, C#, .NET, ASP.NET MVC</a:t>
+              </a:r>
+              <a:endParaRPr lang="bg-BG" sz="200" noProof="1">
+                <a:ln w="0">
+                  <a:noFill/>
+                </a:ln>
+                <a:solidFill>
+                  <a:schemeClr val="bg1"/>
+                </a:solidFill>
+                <a:effectLst/>
+              </a:endParaRPr>
+            </a:p>
+          </p:txBody>
+        </p:sp>
+        <p:sp>
+          <p:nvSpPr>
+            <p:cNvPr id="58" name="TextBox 57">
+              <a:hlinkClick r:id="rId9" tooltip="Безплатен курс &quot;Разработка на софтуер в Cloud среда&quot; - AppEngine, AWS, Azure"/>
+            </p:cNvPr>
+            <p:cNvSpPr txBox="1"/>
+            <p:nvPr userDrawn="1"/>
+          </p:nvSpPr>
+          <p:spPr>
+            <a:xfrm flipH="1">
+              <a:off x="1440310" y="3574997"/>
+              <a:ext cx="1881966" cy="1210412"/>
+            </a:xfrm>
+            <a:prstGeom prst="rect">
+              <a:avLst/>
+            </a:prstGeom>
+            <a:grpFill/>
+          </p:spPr>
+          <p:txBody>
+            <a:bodyPr wrap="none" rtlCol="0">
+              <a:spAutoFit/>
+            </a:bodyPr>
+            <a:lstStyle/>
+            <a:p>
+              <a:r>
+                <a:rPr lang="bg-BG" sz="200" kern="1200" noProof="1" smtClean="0">
+                  <a:ln w="0">
+                    <a:noFill/>
+                  </a:ln>
+                  <a:solidFill>
+                    <a:schemeClr val="bg1"/>
+                  </a:solidFill>
+                  <a:effectLst/>
+                  <a:latin typeface="Corbel" pitchFamily="34" charset="0"/>
+                  <a:ea typeface="+mn-ea"/>
+                  <a:cs typeface="+mn-cs"/>
+                </a:rPr>
+                <a:t>безплатен курс "Разработка на софтуер в cloud среда"</a:t>
+              </a:r>
+              <a:endParaRPr lang="bg-BG" sz="200" kern="1200" noProof="1">
+                <a:ln w="0">
+                  <a:noFill/>
+                </a:ln>
+                <a:solidFill>
+                  <a:schemeClr val="bg1"/>
+                </a:solidFill>
+                <a:effectLst/>
+                <a:latin typeface="Corbel" pitchFamily="34" charset="0"/>
+                <a:ea typeface="+mn-ea"/>
+                <a:cs typeface="+mn-cs"/>
+              </a:endParaRPr>
+            </a:p>
+          </p:txBody>
+        </p:sp>
+        <p:sp>
+          <p:nvSpPr>
+            <p:cNvPr id="59" name="TextBox 58">
+              <a:hlinkClick r:id="rId10" tooltip="BG Coder - онлайн състезателна система - тренировки за състезания по програмиране - online judge"/>
+            </p:cNvPr>
+            <p:cNvSpPr txBox="1"/>
+            <p:nvPr userDrawn="1"/>
+          </p:nvSpPr>
+          <p:spPr>
+            <a:xfrm flipH="1">
+              <a:off x="3389110" y="1523999"/>
+              <a:ext cx="1874287" cy="1210412"/>
+            </a:xfrm>
+            <a:prstGeom prst="rect">
+              <a:avLst/>
+            </a:prstGeom>
+            <a:grpFill/>
+          </p:spPr>
+          <p:txBody>
+            <a:bodyPr wrap="none" rtlCol="0">
+              <a:spAutoFit/>
+            </a:bodyPr>
+            <a:lstStyle>
+              <a:defPPr>
+                <a:defRPr lang="en-US"/>
+              </a:defPPr>
+              <a:lvl1pPr lvl="0">
+                <a:defRPr sz="1200"/>
+              </a:lvl1pPr>
+            </a:lstStyle>
+            <a:p>
+              <a:pPr lvl="0"/>
+              <a:r>
+                <a:rPr lang="bg-BG" sz="200" noProof="1" smtClean="0">
+                  <a:ln w="0">
+                    <a:noFill/>
+                  </a:ln>
+                  <a:solidFill>
+                    <a:schemeClr val="bg1"/>
+                  </a:solidFill>
+                  <a:effectLst/>
+                </a:rPr>
+                <a:t>BG Coder - онлайн състезателна система - online judge</a:t>
+              </a:r>
+              <a:endParaRPr lang="bg-BG" sz="200" noProof="1">
+                <a:ln w="0">
+                  <a:noFill/>
+                </a:ln>
+                <a:solidFill>
+                  <a:schemeClr val="bg1"/>
+                </a:solidFill>
+                <a:effectLst/>
+              </a:endParaRPr>
+            </a:p>
+          </p:txBody>
+        </p:sp>
+        <p:sp>
+          <p:nvSpPr>
+            <p:cNvPr id="60" name="TextBox 59">
+              <a:hlinkClick r:id="rId11" tooltip="Светлин Наков - курсове и уроци по програмиране, уеб дизайн, книги, обучения - безплатно"/>
+            </p:cNvPr>
+            <p:cNvSpPr txBox="1"/>
+            <p:nvPr userDrawn="1"/>
+          </p:nvSpPr>
+          <p:spPr>
+            <a:xfrm flipH="1">
+              <a:off x="1236228" y="2649965"/>
+              <a:ext cx="2123831" cy="1210412"/>
+            </a:xfrm>
+            <a:prstGeom prst="rect">
+              <a:avLst/>
+            </a:prstGeom>
+            <a:grpFill/>
+          </p:spPr>
+          <p:txBody>
+            <a:bodyPr wrap="none" rtlCol="0">
+              <a:spAutoFit/>
+            </a:bodyPr>
+            <a:lstStyle>
+              <a:defPPr>
+                <a:defRPr lang="en-US"/>
+              </a:defPPr>
+              <a:lvl1pPr lvl="0">
+                <a:defRPr sz="1200"/>
+              </a:lvl1pPr>
+            </a:lstStyle>
+            <a:p>
+              <a:pPr lvl="0"/>
+              <a:r>
+                <a:rPr lang="bg-BG" sz="200" noProof="1" smtClean="0">
+                  <a:ln w="0">
+                    <a:noFill/>
+                  </a:ln>
+                  <a:solidFill>
+                    <a:schemeClr val="bg1"/>
+                  </a:solidFill>
+                  <a:effectLst/>
+                </a:rPr>
+                <a:t>курсове и уроци по програмиране, книги – безплатно от Наков</a:t>
+              </a:r>
+              <a:endParaRPr lang="bg-BG" sz="200" noProof="1">
+                <a:ln w="0">
+                  <a:noFill/>
+                </a:ln>
+                <a:solidFill>
+                  <a:schemeClr val="bg1"/>
+                </a:solidFill>
+                <a:effectLst/>
+              </a:endParaRPr>
+            </a:p>
+          </p:txBody>
+        </p:sp>
+        <p:sp>
+          <p:nvSpPr>
+            <p:cNvPr id="61" name="TextBox 60">
+              <a:hlinkClick r:id="rId12" tooltip="Безплатен курс &quot;Качествен програмен код&quot;"/>
+            </p:cNvPr>
+            <p:cNvSpPr txBox="1"/>
+            <p:nvPr userDrawn="1"/>
+          </p:nvSpPr>
+          <p:spPr>
+            <a:xfrm flipH="1">
+              <a:off x="1766855" y="3335748"/>
+              <a:ext cx="1594026" cy="1210412"/>
+            </a:xfrm>
+            <a:prstGeom prst="rect">
+              <a:avLst/>
+            </a:prstGeom>
+            <a:grpFill/>
+          </p:spPr>
+          <p:txBody>
+            <a:bodyPr wrap="none" rtlCol="0">
+              <a:spAutoFit/>
+            </a:bodyPr>
+            <a:lstStyle/>
+            <a:p>
+              <a:r>
+                <a:rPr lang="bg-BG" sz="200" kern="1200" noProof="1" smtClean="0">
+                  <a:ln w="0">
+                    <a:noFill/>
+                  </a:ln>
+                  <a:solidFill>
+                    <a:schemeClr val="bg1"/>
+                  </a:solidFill>
+                  <a:effectLst/>
+                  <a:latin typeface="Corbel" pitchFamily="34" charset="0"/>
+                  <a:ea typeface="+mn-ea"/>
+                  <a:cs typeface="+mn-cs"/>
+                </a:rPr>
+                <a:t>безплатен курс "Качествен програмен код"</a:t>
+              </a:r>
+              <a:endParaRPr lang="bg-BG" sz="200" kern="1200" noProof="1">
+                <a:ln w="0">
+                  <a:noFill/>
+                </a:ln>
+                <a:solidFill>
+                  <a:schemeClr val="bg1"/>
+                </a:solidFill>
+                <a:effectLst/>
+                <a:latin typeface="Corbel" pitchFamily="34" charset="0"/>
+                <a:ea typeface="+mn-ea"/>
+                <a:cs typeface="+mn-cs"/>
+              </a:endParaRPr>
+            </a:p>
+          </p:txBody>
+        </p:sp>
+        <p:sp>
+          <p:nvSpPr>
+            <p:cNvPr id="62" name="TextBox 61">
+              <a:hlinkClick r:id="rId13" tooltip="Алго академия - Академия по алгоритмично програмиране - безплатни уроци по алгоритми и структури от данни, състезателно програмиране и състезания"/>
+            </p:cNvPr>
+            <p:cNvSpPr txBox="1"/>
+            <p:nvPr userDrawn="1"/>
+          </p:nvSpPr>
+          <p:spPr>
+            <a:xfrm flipH="1">
+              <a:off x="3407676" y="2461282"/>
+              <a:ext cx="1977943" cy="1210412"/>
+            </a:xfrm>
+            <a:prstGeom prst="rect">
+              <a:avLst/>
+            </a:prstGeom>
+            <a:grpFill/>
+          </p:spPr>
+          <p:txBody>
+            <a:bodyPr wrap="none" rtlCol="0">
+              <a:spAutoFit/>
+            </a:bodyPr>
+            <a:lstStyle>
+              <a:defPPr>
+                <a:defRPr lang="en-US"/>
+              </a:defPPr>
+              <a:lvl1pPr lvl="0">
+                <a:defRPr sz="1200"/>
+              </a:lvl1pPr>
+            </a:lstStyle>
+            <a:p>
+              <a:pPr lvl="0"/>
+              <a:r>
+                <a:rPr lang="bg-BG" sz="200" noProof="1" smtClean="0">
+                  <a:ln w="0">
+                    <a:noFill/>
+                  </a:ln>
+                  <a:solidFill>
+                    <a:schemeClr val="bg1"/>
+                  </a:solidFill>
+                  <a:effectLst/>
+                </a:rPr>
+                <a:t>алго академия – състезателно програмиране, състезания</a:t>
+              </a:r>
+              <a:endParaRPr lang="bg-BG" sz="200" noProof="1">
+                <a:ln w="0">
+                  <a:noFill/>
+                </a:ln>
+                <a:solidFill>
+                  <a:schemeClr val="bg1"/>
+                </a:solidFill>
+                <a:effectLst/>
+              </a:endParaRPr>
+            </a:p>
+          </p:txBody>
+        </p:sp>
+        <p:sp>
+          <p:nvSpPr>
+            <p:cNvPr id="63" name="TextBox 62">
+              <a:hlinkClick r:id="rId14" tooltip="Безплатен ASP.NET курс - уеб програмиране, бази данни, C#, .NET, ASP.NET"/>
+            </p:cNvPr>
+            <p:cNvSpPr txBox="1"/>
+            <p:nvPr userDrawn="1"/>
+          </p:nvSpPr>
+          <p:spPr>
+            <a:xfrm flipH="1">
+              <a:off x="3406019" y="1985429"/>
+              <a:ext cx="2181421" cy="1210412"/>
+            </a:xfrm>
+            <a:prstGeom prst="rect">
+              <a:avLst/>
+            </a:prstGeom>
+            <a:grpFill/>
+          </p:spPr>
+          <p:txBody>
+            <a:bodyPr wrap="none" rtlCol="0">
+              <a:spAutoFit/>
+            </a:bodyPr>
+            <a:lstStyle>
+              <a:defPPr>
+                <a:defRPr lang="en-US"/>
+              </a:defPPr>
+              <a:lvl1pPr lvl="0">
+                <a:defRPr sz="1200"/>
+              </a:lvl1pPr>
+            </a:lstStyle>
+            <a:p>
+              <a:pPr lvl="0"/>
+              <a:r>
+                <a:rPr lang="bg-BG" sz="200" noProof="1" smtClean="0">
+                  <a:ln w="0">
+                    <a:noFill/>
+                  </a:ln>
+                  <a:solidFill>
+                    <a:schemeClr val="bg1"/>
+                  </a:solidFill>
+                  <a:effectLst/>
+                </a:rPr>
+                <a:t>ASP.NET курс - уеб програмиране, бази данни, C#, .NET, ASP.NET</a:t>
+              </a:r>
+              <a:endParaRPr lang="bg-BG" sz="200" noProof="1">
+                <a:ln w="0">
+                  <a:noFill/>
+                </a:ln>
+                <a:solidFill>
+                  <a:schemeClr val="bg1"/>
+                </a:solidFill>
+                <a:effectLst/>
+              </a:endParaRPr>
+            </a:p>
+          </p:txBody>
+        </p:sp>
+        <p:sp>
+          <p:nvSpPr>
+            <p:cNvPr id="64" name="TextBox 63">
+              <a:hlinkClick r:id="rId15" tooltip="Софтуерна академия на Телерик - безплатни курсове и уроци по програмиране"/>
+            </p:cNvPr>
+            <p:cNvSpPr txBox="1"/>
+            <p:nvPr userDrawn="1"/>
+          </p:nvSpPr>
+          <p:spPr>
+            <a:xfrm flipH="1">
+              <a:off x="1504800" y="1717933"/>
+              <a:ext cx="1901159" cy="1210412"/>
+            </a:xfrm>
+            <a:prstGeom prst="rect">
+              <a:avLst/>
+            </a:prstGeom>
+            <a:grpFill/>
+          </p:spPr>
+          <p:txBody>
+            <a:bodyPr wrap="none" rtlCol="0">
+              <a:spAutoFit/>
+            </a:bodyPr>
+            <a:lstStyle>
+              <a:defPPr>
+                <a:defRPr lang="en-US"/>
+              </a:defPPr>
+              <a:lvl1pPr>
+                <a:defRPr sz="1200"/>
+              </a:lvl1pPr>
+            </a:lstStyle>
+            <a:p>
+              <a:pPr lvl="0" algn="l"/>
+              <a:r>
+                <a:rPr lang="bg-BG" sz="200" noProof="1" smtClean="0">
+                  <a:ln w="0">
+                    <a:noFill/>
+                  </a:ln>
+                  <a:solidFill>
+                    <a:schemeClr val="bg1"/>
+                  </a:solidFill>
+                  <a:effectLst/>
+                </a:rPr>
+                <a:t>курсове и уроци по </a:t>
+              </a:r>
+              <a:r>
+                <a:rPr lang="bg-BG" sz="200" kern="1200" noProof="1" smtClean="0">
+                  <a:ln w="0">
+                    <a:noFill/>
+                  </a:ln>
+                  <a:solidFill>
+                    <a:schemeClr val="bg1"/>
+                  </a:solidFill>
+                  <a:effectLst/>
+                  <a:latin typeface="Corbel" pitchFamily="34" charset="0"/>
+                  <a:ea typeface="+mn-ea"/>
+                  <a:cs typeface="+mn-cs"/>
+                </a:rPr>
+                <a:t>програмиране – Телерик академия</a:t>
+              </a:r>
+              <a:endParaRPr lang="bg-BG" sz="200" kern="1200" noProof="1">
+                <a:ln w="0">
+                  <a:noFill/>
+                </a:ln>
+                <a:solidFill>
+                  <a:schemeClr val="bg1"/>
+                </a:solidFill>
+                <a:effectLst/>
+                <a:latin typeface="Corbel" pitchFamily="34" charset="0"/>
+                <a:ea typeface="+mn-ea"/>
+                <a:cs typeface="+mn-cs"/>
+              </a:endParaRPr>
+            </a:p>
+          </p:txBody>
+        </p:sp>
+        <p:sp>
+          <p:nvSpPr>
+            <p:cNvPr id="65" name="TextBox 64">
+              <a:hlinkClick r:id="rId16" tooltip="Безплатен курс &quot;Разработка на мобилни приложения&quot; - iPhone, Android, Windows Phone, PhoneGap, HTML5, jQuery, AJAX"/>
+            </p:cNvPr>
+            <p:cNvSpPr txBox="1"/>
+            <p:nvPr userDrawn="1"/>
+          </p:nvSpPr>
+          <p:spPr>
+            <a:xfrm flipH="1">
+              <a:off x="3404043" y="2718405"/>
+              <a:ext cx="2058568" cy="1210412"/>
+            </a:xfrm>
+            <a:prstGeom prst="rect">
+              <a:avLst/>
+            </a:prstGeom>
+            <a:grpFill/>
+          </p:spPr>
+          <p:txBody>
+            <a:bodyPr wrap="none" rtlCol="0">
+              <a:spAutoFit/>
+            </a:bodyPr>
+            <a:lstStyle>
+              <a:defPPr>
+                <a:defRPr lang="en-US"/>
+              </a:defPPr>
+              <a:lvl1pPr lvl="0">
+                <a:defRPr sz="1200"/>
+              </a:lvl1pPr>
+            </a:lstStyle>
+            <a:p>
+              <a:pPr lvl="0"/>
+              <a:r>
+                <a:rPr lang="bg-BG" sz="200" noProof="1" smtClean="0">
+                  <a:ln w="0">
+                    <a:noFill/>
+                  </a:ln>
+                  <a:solidFill>
+                    <a:schemeClr val="bg1"/>
+                  </a:solidFill>
+                  <a:effectLst/>
+                </a:rPr>
+                <a:t>курс мобилни приложения с iPhone, Android, WP7, PhoneGap</a:t>
+              </a:r>
+              <a:endParaRPr lang="bg-BG" sz="200" noProof="1">
+                <a:ln w="0">
+                  <a:noFill/>
+                </a:ln>
+                <a:solidFill>
+                  <a:schemeClr val="bg1"/>
+                </a:solidFill>
+                <a:effectLst/>
+              </a:endParaRPr>
+            </a:p>
+          </p:txBody>
+        </p:sp>
+        <p:sp>
+          <p:nvSpPr>
+            <p:cNvPr id="66" name="TextBox 65">
+              <a:hlinkClick r:id="rId17" tooltip="Free C# Programming Book by Svetlin Nakov - безплатна C# книга от Светлин Наков, книга C#, книга Java, безплатна книга"/>
+            </p:cNvPr>
+            <p:cNvSpPr txBox="1"/>
+            <p:nvPr userDrawn="1"/>
+          </p:nvSpPr>
+          <p:spPr>
+            <a:xfrm flipH="1">
+              <a:off x="1440317" y="3117785"/>
+              <a:ext cx="1901159" cy="1210412"/>
+            </a:xfrm>
+            <a:prstGeom prst="rect">
+              <a:avLst/>
+            </a:prstGeom>
+            <a:grpFill/>
+          </p:spPr>
+          <p:txBody>
+            <a:bodyPr wrap="none" rtlCol="0">
+              <a:spAutoFit/>
+            </a:bodyPr>
+            <a:lstStyle/>
+            <a:p>
+              <a:r>
+                <a:rPr lang="bg-BG" sz="200" kern="1200" noProof="1" smtClean="0">
+                  <a:ln w="0">
+                    <a:noFill/>
+                  </a:ln>
+                  <a:solidFill>
+                    <a:schemeClr val="bg1"/>
+                  </a:solidFill>
+                  <a:effectLst/>
+                  <a:latin typeface="Corbel" pitchFamily="34" charset="0"/>
+                  <a:ea typeface="+mn-ea"/>
+                  <a:cs typeface="+mn-cs"/>
+                </a:rPr>
+                <a:t>free C# book, безплатна книга C#, книга Java, книга C#</a:t>
+              </a:r>
+              <a:endParaRPr lang="bg-BG" sz="200" kern="1200" noProof="1">
+                <a:ln w="0">
+                  <a:noFill/>
+                </a:ln>
+                <a:solidFill>
+                  <a:schemeClr val="bg1"/>
+                </a:solidFill>
+                <a:effectLst/>
+                <a:latin typeface="Corbel" pitchFamily="34" charset="0"/>
+                <a:ea typeface="+mn-ea"/>
+                <a:cs typeface="+mn-cs"/>
+              </a:endParaRPr>
+            </a:p>
+          </p:txBody>
+        </p:sp>
+        <p:sp>
+          <p:nvSpPr>
+            <p:cNvPr id="67" name="TextBox 66">
+              <a:hlinkClick r:id="rId18" tooltip="Дончо Минков - сайт за програмиране"/>
+            </p:cNvPr>
+            <p:cNvSpPr txBox="1"/>
+            <p:nvPr userDrawn="1"/>
+          </p:nvSpPr>
+          <p:spPr>
+            <a:xfrm flipH="1">
+              <a:off x="3401370" y="2963513"/>
+              <a:ext cx="1475012" cy="1210412"/>
+            </a:xfrm>
+            <a:prstGeom prst="rect">
+              <a:avLst/>
+            </a:prstGeom>
+            <a:grpFill/>
+          </p:spPr>
+          <p:txBody>
+            <a:bodyPr wrap="none" rtlCol="0">
+              <a:spAutoFit/>
+            </a:bodyPr>
+            <a:lstStyle>
+              <a:defPPr>
+                <a:defRPr lang="en-US"/>
+              </a:defPPr>
+              <a:lvl1pPr>
+                <a:defRPr sz="1600">
+                  <a:ln w="0">
+                    <a:solidFill>
+                      <a:schemeClr val="tx1"/>
+                    </a:solidFill>
+                  </a:ln>
+                  <a:effectLst/>
+                </a:defRPr>
+              </a:lvl1pPr>
+            </a:lstStyle>
+            <a:p>
+              <a:pPr lvl="0"/>
+              <a:r>
+                <a:rPr lang="bg-BG" sz="200" noProof="1" smtClean="0">
+                  <a:ln w="0">
+                    <a:noFill/>
+                  </a:ln>
+                  <a:solidFill>
+                    <a:schemeClr val="bg1"/>
+                  </a:solidFill>
+                </a:rPr>
+                <a:t>Дончо Минков - сайт за програмиране</a:t>
+              </a:r>
+              <a:endParaRPr lang="bg-BG" sz="200" noProof="1">
+                <a:ln w="0">
+                  <a:noFill/>
+                </a:ln>
+                <a:solidFill>
+                  <a:schemeClr val="bg1"/>
+                </a:solidFill>
+              </a:endParaRPr>
+            </a:p>
+          </p:txBody>
+        </p:sp>
+        <p:sp>
+          <p:nvSpPr>
+            <p:cNvPr id="68" name="TextBox 67">
+              <a:hlinkClick r:id="rId19" tooltip="Николай Костов - блог за програмиране"/>
+            </p:cNvPr>
+            <p:cNvSpPr txBox="1"/>
+            <p:nvPr userDrawn="1"/>
+          </p:nvSpPr>
+          <p:spPr>
+            <a:xfrm flipH="1">
+              <a:off x="3401423" y="3217864"/>
+              <a:ext cx="1513403" cy="1210412"/>
+            </a:xfrm>
+            <a:prstGeom prst="rect">
+              <a:avLst/>
+            </a:prstGeom>
+            <a:grpFill/>
+          </p:spPr>
+          <p:txBody>
+            <a:bodyPr wrap="none" rtlCol="0">
+              <a:spAutoFit/>
+            </a:bodyPr>
+            <a:lstStyle/>
+            <a:p>
+              <a:pPr algn="l"/>
+              <a:r>
+                <a:rPr lang="bg-BG" sz="200" kern="1200" noProof="1" smtClean="0">
+                  <a:ln w="0">
+                    <a:noFill/>
+                  </a:ln>
+                  <a:solidFill>
+                    <a:schemeClr val="bg1"/>
+                  </a:solidFill>
+                  <a:effectLst/>
+                  <a:latin typeface="Corbel" pitchFamily="34" charset="0"/>
+                  <a:ea typeface="+mn-ea"/>
+                  <a:cs typeface="+mn-cs"/>
+                </a:rPr>
+                <a:t>Николай Костов - блог за програмиране</a:t>
+              </a:r>
+              <a:endParaRPr lang="bg-BG" sz="200" kern="1200" noProof="1">
+                <a:ln w="0">
+                  <a:noFill/>
+                </a:ln>
+                <a:solidFill>
+                  <a:schemeClr val="bg1"/>
+                </a:solidFill>
+                <a:effectLst/>
+                <a:latin typeface="Corbel" pitchFamily="34" charset="0"/>
+                <a:ea typeface="+mn-ea"/>
+                <a:cs typeface="+mn-cs"/>
+              </a:endParaRPr>
+            </a:p>
+          </p:txBody>
+        </p:sp>
+        <p:sp>
+          <p:nvSpPr>
+            <p:cNvPr id="69" name="TextBox 68">
+              <a:hlinkClick r:id="rId20" tooltip="безплатен C# курс в софтуерната академия на Наков"/>
+            </p:cNvPr>
+            <p:cNvSpPr txBox="1"/>
+            <p:nvPr userDrawn="1"/>
+          </p:nvSpPr>
+          <p:spPr>
+            <a:xfrm flipH="1">
+              <a:off x="3398079" y="3548402"/>
+              <a:ext cx="1359837" cy="1210412"/>
+            </a:xfrm>
+            <a:prstGeom prst="rect">
+              <a:avLst/>
+            </a:prstGeom>
+            <a:grpFill/>
+          </p:spPr>
+          <p:txBody>
+            <a:bodyPr wrap="none" rtlCol="0">
+              <a:spAutoFit/>
+            </a:bodyPr>
+            <a:lstStyle>
+              <a:defPPr>
+                <a:defRPr lang="en-US"/>
+              </a:defPPr>
+              <a:lvl1pPr>
+                <a:defRPr sz="1600">
+                  <a:ln w="0">
+                    <a:solidFill>
+                      <a:schemeClr val="tx1"/>
+                    </a:solidFill>
+                  </a:ln>
+                  <a:effectLst/>
+                </a:defRPr>
+              </a:lvl1pPr>
+            </a:lstStyle>
+            <a:p>
+              <a:pPr lvl="0"/>
+              <a:r>
+                <a:rPr lang="bg-BG" sz="200" noProof="1" smtClean="0">
+                  <a:ln w="0">
+                    <a:noFill/>
+                  </a:ln>
+                  <a:solidFill>
+                    <a:schemeClr val="bg1"/>
+                  </a:solidFill>
+                </a:rPr>
+                <a:t>C# курс, програмиране, безплатно</a:t>
+              </a:r>
+              <a:endParaRPr lang="bg-BG" sz="200" noProof="1">
+                <a:ln w="0">
+                  <a:noFill/>
+                </a:ln>
+                <a:solidFill>
+                  <a:schemeClr val="bg1"/>
+                </a:solidFill>
+              </a:endParaRPr>
+            </a:p>
+          </p:txBody>
+        </p:sp>
+      </p:grpSp>
+      <p:sp>
+        <p:nvSpPr>
+          <p:cNvPr id="70" name="TextBox 69">
+            <a:hlinkClick r:id="rId2" tooltip="Форум за програмиране и уеб дизайн - дискусии, съвети, въпроси и отговори @ Софтуерна академия на Телерик"/>
+          </p:cNvPr>
+          <p:cNvSpPr txBox="1"/>
+          <p:nvPr userDrawn="1"/>
+        </p:nvSpPr>
+        <p:spPr>
+          <a:xfrm rot="12041701" flipH="1">
+            <a:off x="7471619" y="3840481"/>
+            <a:ext cx="890352" cy="1569660"/>
+          </a:xfrm>
+          <a:prstGeom prst="rect">
+            <a:avLst/>
+          </a:prstGeom>
+          <a:noFill/>
+        </p:spPr>
+        <p:txBody>
+          <a:bodyPr wrap="square" rtlCol="0">
+            <a:spAutoFit/>
+            <a:scene3d>
+              <a:camera prst="orthographicFront"/>
+              <a:lightRig rig="threePt" dir="t"/>
+            </a:scene3d>
+            <a:sp3d extrusionH="57150">
+              <a:bevelT w="38100" h="38100"/>
+            </a:sp3d>
+          </a:bodyPr>
+          <a:lstStyle/>
+          <a:p>
+            <a:r>
+              <a:rPr lang="en-US" sz="9600" b="1" dirty="0" smtClean="0">
+                <a:solidFill>
+                  <a:schemeClr val="tx1">
+                    <a:lumMod val="75000"/>
+                  </a:schemeClr>
+                </a:solidFill>
+                <a:effectLst>
+                  <a:reflection blurRad="6350" stA="55000" endA="300" endPos="45500" dir="5400000" sy="-100000" algn="bl" rotWithShape="0"/>
+                </a:effectLst>
+              </a:rPr>
+              <a:t>?</a:t>
+            </a:r>
+            <a:endParaRPr lang="en-US" sz="9600" b="1" dirty="0">
+              <a:solidFill>
+                <a:schemeClr val="tx1">
+                  <a:lumMod val="75000"/>
+                </a:schemeClr>
+              </a:solidFill>
+              <a:effectLst>
+                <a:reflection blurRad="6350" stA="55000" endA="300" endPos="45500" dir="5400000" sy="-100000" algn="bl" rotWithShape="0"/>
+              </a:effectLst>
+            </a:endParaRPr>
+          </a:p>
+        </p:txBody>
+      </p:sp>
+      <p:sp>
+        <p:nvSpPr>
+          <p:cNvPr id="71" name="TextBox 70">
+            <a:hlinkClick r:id="rId4" tooltip="Програмиране за деца - безплатно в Телерик кидс академия"/>
+          </p:cNvPr>
+          <p:cNvSpPr txBox="1"/>
+          <p:nvPr userDrawn="1"/>
+        </p:nvSpPr>
+        <p:spPr>
+          <a:xfrm rot="9535351" flipH="1">
+            <a:off x="923386" y="1861198"/>
+            <a:ext cx="673363" cy="1446550"/>
+          </a:xfrm>
+          <a:prstGeom prst="rect">
+            <a:avLst/>
+          </a:prstGeom>
+          <a:noFill/>
+        </p:spPr>
+        <p:txBody>
+          <a:bodyPr wrap="square" rtlCol="0">
+            <a:spAutoFit/>
+            <a:scene3d>
+              <a:camera prst="isometricOffAxis1Right"/>
+              <a:lightRig rig="threePt" dir="t"/>
+            </a:scene3d>
+            <a:sp3d extrusionH="57150">
+              <a:bevelT w="38100" h="38100"/>
+            </a:sp3d>
+          </a:bodyPr>
+          <a:lstStyle/>
+          <a:p>
+            <a:r>
+              <a:rPr lang="en-US" sz="8800" dirty="0" smtClean="0">
+                <a:solidFill>
+                  <a:schemeClr val="accent5">
+                    <a:lumMod val="60000"/>
+                    <a:lumOff val="40000"/>
+                  </a:schemeClr>
+                </a:solidFill>
+                <a:effectLst>
+                  <a:reflection blurRad="6350" stA="55000" endA="300" endPos="45500" dir="5400000" sy="-100000" algn="bl" rotWithShape="0"/>
+                </a:effectLst>
+              </a:rPr>
+              <a:t>?</a:t>
+            </a:r>
+            <a:endParaRPr lang="en-US" sz="8800" dirty="0">
+              <a:solidFill>
+                <a:schemeClr val="accent5">
+                  <a:lumMod val="60000"/>
+                  <a:lumOff val="40000"/>
+                </a:schemeClr>
+              </a:solidFill>
+              <a:effectLst>
+                <a:reflection blurRad="6350" stA="55000" endA="300" endPos="45500" dir="5400000" sy="-100000" algn="bl" rotWithShape="0"/>
+              </a:effectLst>
+            </a:endParaRPr>
+          </a:p>
+        </p:txBody>
+      </p:sp>
+      <p:sp>
+        <p:nvSpPr>
+          <p:cNvPr id="72" name="TextBox 71">
+            <a:hlinkClick r:id="rId5" tooltip="Безплатен SEO курс - оптимизация за търсачки, уроци по SEO"/>
+          </p:cNvPr>
+          <p:cNvSpPr txBox="1"/>
+          <p:nvPr userDrawn="1"/>
+        </p:nvSpPr>
+        <p:spPr>
+          <a:xfrm rot="16938170" flipH="1">
+            <a:off x="4905823" y="966542"/>
+            <a:ext cx="859648" cy="1992899"/>
+          </a:xfrm>
+          <a:prstGeom prst="rect">
+            <a:avLst/>
+          </a:prstGeom>
+          <a:noFill/>
+        </p:spPr>
+        <p:txBody>
+          <a:bodyPr wrap="square" rtlCol="0">
+            <a:spAutoFit/>
+            <a:scene3d>
+              <a:camera prst="orthographicFront"/>
+              <a:lightRig rig="threePt" dir="t"/>
+            </a:scene3d>
+            <a:sp3d extrusionH="57150">
+              <a:bevelT w="38100" h="38100"/>
+            </a:sp3d>
+          </a:bodyPr>
+          <a:lstStyle/>
+          <a:p>
+            <a:r>
+              <a:rPr lang="en-US" sz="11500" b="1" dirty="0" smtClean="0">
+                <a:solidFill>
+                  <a:srgbClr val="FF831D"/>
+                </a:solidFill>
+                <a:effectLst>
+                  <a:reflection blurRad="6350" stA="55000" endA="300" endPos="45500" dir="5400000" sy="-100000" algn="bl" rotWithShape="0"/>
+                </a:effectLst>
+              </a:rPr>
+              <a:t>?</a:t>
+            </a:r>
+            <a:endParaRPr lang="en-US" sz="11500" b="1" dirty="0">
+              <a:solidFill>
+                <a:srgbClr val="FF831D"/>
+              </a:solidFill>
+              <a:effectLst>
+                <a:reflection blurRad="6350" stA="55000" endA="300" endPos="45500" dir="5400000" sy="-100000" algn="bl" rotWithShape="0"/>
+              </a:effectLst>
+            </a:endParaRPr>
+          </a:p>
+        </p:txBody>
+      </p:sp>
+      <p:sp>
+        <p:nvSpPr>
+          <p:cNvPr id="73" name="TextBox 72">
+            <a:hlinkClick r:id="rId6" tooltip="Безплатен курс &quot;Уеб дизайн с HTML, CSS и JavaScript&quot; - уроци по правене на уеб сайтове, HTML, CSS, Photoshop, JavaScript и CMS системи"/>
+          </p:cNvPr>
+          <p:cNvSpPr txBox="1"/>
+          <p:nvPr userDrawn="1"/>
+        </p:nvSpPr>
+        <p:spPr>
+          <a:xfrm rot="19836951" flipH="1">
+            <a:off x="7379010" y="1495154"/>
+            <a:ext cx="949687" cy="2062103"/>
+          </a:xfrm>
+          <a:prstGeom prst="rect">
+            <a:avLst/>
+          </a:prstGeom>
+          <a:noFill/>
+        </p:spPr>
+        <p:txBody>
+          <a:bodyPr wrap="square" rtlCol="0">
+            <a:spAutoFit/>
+            <a:scene3d>
+              <a:camera prst="orthographicFront"/>
+              <a:lightRig rig="glow" dir="tl">
+                <a:rot lat="0" lon="0" rev="5400000"/>
+              </a:lightRig>
+            </a:scene3d>
+            <a:sp3d contourW="12700">
+              <a:bevelT w="25400" h="25400"/>
+              <a:contourClr>
+                <a:schemeClr val="accent6">
+                  <a:shade val="73000"/>
+                </a:schemeClr>
+              </a:contourClr>
+            </a:sp3d>
+          </a:bodyPr>
+          <a:lstStyle/>
+          <a:p>
+            <a:r>
+              <a:rPr lang="en-US" sz="12800" b="1" dirty="0" smtClean="0">
+                <a:ln w="11430"/>
+                <a:gradFill>
+                  <a:gsLst>
+                    <a:gs pos="0">
+                      <a:schemeClr val="accent6">
+                        <a:tint val="90000"/>
+                        <a:satMod val="120000"/>
+                      </a:schemeClr>
+                    </a:gs>
+                    <a:gs pos="25000">
+                      <a:schemeClr val="accent6">
+                        <a:tint val="93000"/>
+                        <a:satMod val="120000"/>
+                      </a:schemeClr>
+                    </a:gs>
+                    <a:gs pos="50000">
+                      <a:schemeClr val="accent6">
+                        <a:shade val="89000"/>
+                        <a:satMod val="110000"/>
+                      </a:schemeClr>
+                    </a:gs>
+                    <a:gs pos="75000">
+                      <a:schemeClr val="accent6">
+                        <a:tint val="93000"/>
+                        <a:satMod val="120000"/>
+                      </a:schemeClr>
+                    </a:gs>
+                    <a:gs pos="100000">
+                      <a:schemeClr val="accent6">
+                        <a:tint val="90000"/>
+                        <a:satMod val="120000"/>
+                      </a:schemeClr>
+                    </a:gs>
+                  </a:gsLst>
+                  <a:lin ang="5400000"/>
+                </a:gradFill>
+                <a:effectLst>
+                  <a:innerShdw blurRad="63500" dist="50800" dir="8100000">
+                    <a:prstClr val="black">
+                      <a:alpha val="50000"/>
+                    </a:prstClr>
+                  </a:innerShdw>
+                  <a:reflection blurRad="6350" stA="55000" endA="300" endPos="45500" dir="5400000" sy="-100000" algn="bl" rotWithShape="0"/>
+                </a:effectLst>
+              </a:rPr>
+              <a:t>?</a:t>
+            </a:r>
+            <a:endParaRPr lang="en-US" sz="12800" b="1" dirty="0">
+              <a:ln w="11430"/>
+              <a:gradFill>
+                <a:gsLst>
+                  <a:gs pos="0">
+                    <a:schemeClr val="accent6">
+                      <a:tint val="90000"/>
+                      <a:satMod val="120000"/>
+                    </a:schemeClr>
+                  </a:gs>
+                  <a:gs pos="25000">
+                    <a:schemeClr val="accent6">
+                      <a:tint val="93000"/>
+                      <a:satMod val="120000"/>
+                    </a:schemeClr>
+                  </a:gs>
+                  <a:gs pos="50000">
+                    <a:schemeClr val="accent6">
+                      <a:shade val="89000"/>
+                      <a:satMod val="110000"/>
+                    </a:schemeClr>
+                  </a:gs>
+                  <a:gs pos="75000">
+                    <a:schemeClr val="accent6">
+                      <a:tint val="93000"/>
+                      <a:satMod val="120000"/>
+                    </a:schemeClr>
+                  </a:gs>
+                  <a:gs pos="100000">
+                    <a:schemeClr val="accent6">
+                      <a:tint val="90000"/>
+                      <a:satMod val="120000"/>
+                    </a:schemeClr>
+                  </a:gs>
+                </a:gsLst>
+                <a:lin ang="5400000"/>
+              </a:gradFill>
+              <a:effectLst>
+                <a:innerShdw blurRad="63500" dist="50800" dir="8100000">
+                  <a:prstClr val="black">
+                    <a:alpha val="50000"/>
+                  </a:prstClr>
+                </a:innerShdw>
+                <a:reflection blurRad="6350" stA="55000" endA="300" endPos="45500" dir="5400000" sy="-100000" algn="bl" rotWithShape="0"/>
+              </a:effectLst>
+            </a:endParaRPr>
+          </a:p>
+        </p:txBody>
+      </p:sp>
+      <p:sp>
+        <p:nvSpPr>
+          <p:cNvPr id="74" name="TextBox 73">
+            <a:hlinkClick r:id="rId7" tooltip="Училищна софтуерна академия - безплатни уроци по програмиране и уеб дизайн"/>
+          </p:cNvPr>
+          <p:cNvSpPr txBox="1"/>
+          <p:nvPr userDrawn="1"/>
+        </p:nvSpPr>
+        <p:spPr>
+          <a:xfrm rot="2233443" flipH="1">
+            <a:off x="2139218" y="940065"/>
+            <a:ext cx="445351" cy="954107"/>
+          </a:xfrm>
+          <a:prstGeom prst="rect">
+            <a:avLst/>
+          </a:prstGeom>
+          <a:noFill/>
+        </p:spPr>
+        <p:txBody>
+          <a:bodyPr wrap="square" rtlCol="0">
+            <a:spAutoFit/>
+            <a:scene3d>
+              <a:camera prst="perspectiveHeroicExtremeLeftFacing"/>
+              <a:lightRig rig="threePt" dir="t"/>
+            </a:scene3d>
+            <a:sp3d extrusionH="57150">
+              <a:bevelT w="38100" h="38100"/>
+            </a:sp3d>
+          </a:bodyPr>
+          <a:lstStyle/>
+          <a:p>
+            <a:r>
+              <a:rPr lang="en-US" sz="5600" dirty="0" smtClean="0">
+                <a:solidFill>
+                  <a:schemeClr val="tx2">
+                    <a:lumMod val="75000"/>
+                  </a:schemeClr>
+                </a:solidFill>
+                <a:effectLst>
+                  <a:reflection blurRad="6350" stA="55000" endA="300" endPos="45500" dir="5400000" sy="-100000" algn="bl" rotWithShape="0"/>
+                </a:effectLst>
+              </a:rPr>
+              <a:t>?</a:t>
+            </a:r>
+            <a:endParaRPr lang="en-US" sz="5600" dirty="0">
+              <a:solidFill>
+                <a:schemeClr val="tx2">
+                  <a:lumMod val="75000"/>
+                </a:schemeClr>
+              </a:solidFill>
+              <a:effectLst>
+                <a:reflection blurRad="6350" stA="55000" endA="300" endPos="45500" dir="5400000" sy="-100000" algn="bl" rotWithShape="0"/>
+              </a:effectLst>
+            </a:endParaRPr>
+          </a:p>
+        </p:txBody>
+      </p:sp>
+      <p:sp>
+        <p:nvSpPr>
+          <p:cNvPr id="75" name="TextBox 74">
+            <a:hlinkClick r:id="rId8" tooltip="Безплатен курс &quot;Програмиране с ASP.NET MVC&quot; - уеб технологии, бази данни, C#, .NET, ASP.NET MVC"/>
+          </p:cNvPr>
+          <p:cNvSpPr txBox="1"/>
+          <p:nvPr userDrawn="1"/>
+        </p:nvSpPr>
+        <p:spPr>
+          <a:xfrm rot="8530737" flipH="1">
+            <a:off x="4757100" y="4722613"/>
+            <a:ext cx="643173" cy="1569660"/>
+          </a:xfrm>
+          <a:prstGeom prst="rect">
+            <a:avLst/>
+          </a:prstGeom>
+          <a:noFill/>
+        </p:spPr>
+        <p:txBody>
+          <a:bodyPr wrap="square" rtlCol="0">
+            <a:spAutoFit/>
+            <a:scene3d>
+              <a:camera prst="orthographicFront"/>
+              <a:lightRig rig="threePt" dir="t"/>
+            </a:scene3d>
+            <a:sp3d extrusionH="57150">
+              <a:bevelT w="38100" h="38100"/>
+            </a:sp3d>
+          </a:bodyPr>
+          <a:lstStyle/>
+          <a:p>
+            <a:r>
+              <a:rPr lang="en-US" sz="9600" dirty="0" smtClean="0">
+                <a:solidFill>
+                  <a:srgbClr val="FF4A37"/>
+                </a:solidFill>
+                <a:effectLst>
+                  <a:reflection blurRad="6350" stA="60000" endA="900" endPos="60000" dist="29997" dir="5400000" sy="-100000" algn="bl" rotWithShape="0"/>
+                </a:effectLst>
+              </a:rPr>
+              <a:t>?</a:t>
+            </a:r>
+            <a:endParaRPr lang="en-US" sz="9600" dirty="0">
+              <a:solidFill>
+                <a:srgbClr val="FF4A37"/>
+              </a:solidFill>
+              <a:effectLst>
+                <a:reflection blurRad="6350" stA="60000" endA="900" endPos="60000" dist="29997" dir="5400000" sy="-100000" algn="bl" rotWithShape="0"/>
+              </a:effectLst>
+            </a:endParaRPr>
+          </a:p>
+        </p:txBody>
+      </p:sp>
+      <p:sp>
+        <p:nvSpPr>
+          <p:cNvPr id="76" name="TextBox 75">
+            <a:hlinkClick r:id="rId9" tooltip="Безплатен курс &quot;Разработка на софтуер в Cloud среда&quot; - AppEngine, AWS, Azure"/>
+          </p:cNvPr>
+          <p:cNvSpPr txBox="1"/>
+          <p:nvPr userDrawn="1"/>
+        </p:nvSpPr>
+        <p:spPr>
+          <a:xfrm rot="12627025" flipH="1">
+            <a:off x="2910497" y="4405707"/>
+            <a:ext cx="386488" cy="646331"/>
+          </a:xfrm>
+          <a:prstGeom prst="rect">
+            <a:avLst/>
+          </a:prstGeom>
+          <a:noFill/>
+        </p:spPr>
+        <p:txBody>
+          <a:bodyPr wrap="square" rtlCol="0">
+            <a:spAutoFit/>
+            <a:scene3d>
+              <a:camera prst="orthographicFront"/>
+              <a:lightRig rig="threePt" dir="t"/>
+            </a:scene3d>
+            <a:sp3d extrusionH="57150">
+              <a:bevelT w="38100" h="38100"/>
+            </a:sp3d>
+          </a:bodyPr>
+          <a:lstStyle/>
+          <a:p>
+            <a:r>
+              <a:rPr lang="en-US" sz="3600" dirty="0" smtClean="0">
+                <a:solidFill>
+                  <a:schemeClr val="tx2">
+                    <a:lumMod val="40000"/>
+                    <a:lumOff val="60000"/>
+                  </a:schemeClr>
+                </a:solidFill>
+                <a:effectLst>
+                  <a:reflection blurRad="6350" stA="55000" endA="300" endPos="45500" dir="5400000" sy="-100000" algn="bl" rotWithShape="0"/>
+                </a:effectLst>
+              </a:rPr>
+              <a:t>?</a:t>
+            </a:r>
+            <a:endParaRPr lang="en-US" sz="3600" dirty="0">
+              <a:solidFill>
+                <a:schemeClr val="tx2">
+                  <a:lumMod val="40000"/>
+                  <a:lumOff val="60000"/>
+                </a:schemeClr>
+              </a:solidFill>
+              <a:effectLst>
+                <a:reflection blurRad="6350" stA="55000" endA="300" endPos="45500" dir="5400000" sy="-100000" algn="bl" rotWithShape="0"/>
+              </a:effectLst>
+            </a:endParaRPr>
+          </a:p>
+        </p:txBody>
+      </p:sp>
+      <p:sp>
+        <p:nvSpPr>
+          <p:cNvPr id="77" name="TextBox 76">
+            <a:hlinkClick r:id="rId10" tooltip="BG Coder - онлайн състезателна система - тренировки за състезания по програмиране - online judge"/>
+          </p:cNvPr>
+          <p:cNvSpPr txBox="1"/>
+          <p:nvPr userDrawn="1"/>
+        </p:nvSpPr>
+        <p:spPr>
+          <a:xfrm rot="1186146" flipH="1">
+            <a:off x="6185957" y="4125718"/>
+            <a:ext cx="499379" cy="1107996"/>
+          </a:xfrm>
+          <a:prstGeom prst="rect">
+            <a:avLst/>
+          </a:prstGeom>
+          <a:noFill/>
+        </p:spPr>
+        <p:txBody>
+          <a:bodyPr wrap="square" rtlCol="0">
+            <a:spAutoFit/>
+            <a:scene3d>
+              <a:camera prst="orthographicFront"/>
+              <a:lightRig rig="threePt" dir="t"/>
+            </a:scene3d>
+            <a:sp3d extrusionH="57150">
+              <a:bevelT w="69850" h="69850" prst="divot"/>
+            </a:sp3d>
+          </a:bodyPr>
+          <a:lstStyle/>
+          <a:p>
+            <a:r>
+              <a:rPr lang="en-US" sz="6600" dirty="0" smtClean="0">
+                <a:solidFill>
+                  <a:srgbClr val="9966FF"/>
+                </a:solidFill>
+                <a:effectLst>
+                  <a:reflection blurRad="6350" stA="55000" endA="300" endPos="45500" dir="5400000" sy="-100000" algn="bl" rotWithShape="0"/>
+                </a:effectLst>
+              </a:rPr>
+              <a:t>?</a:t>
+            </a:r>
+            <a:endParaRPr lang="en-US" sz="6600" dirty="0">
+              <a:solidFill>
+                <a:srgbClr val="9966FF"/>
+              </a:solidFill>
+              <a:effectLst>
+                <a:reflection blurRad="6350" stA="55000" endA="300" endPos="45500" dir="5400000" sy="-100000" algn="bl" rotWithShape="0"/>
+              </a:effectLst>
+            </a:endParaRPr>
+          </a:p>
+        </p:txBody>
+      </p:sp>
+      <p:sp>
+        <p:nvSpPr>
+          <p:cNvPr id="78" name="TextBox 77">
+            <a:hlinkClick r:id="rId11" tooltip="Светлин Наков - курсове и уроци по програмиране, уеб дизайн, книги, обучения - безплатно"/>
+          </p:cNvPr>
+          <p:cNvSpPr txBox="1"/>
+          <p:nvPr userDrawn="1"/>
+        </p:nvSpPr>
+        <p:spPr>
+          <a:xfrm rot="19460650" flipH="1">
+            <a:off x="3150206" y="1979501"/>
+            <a:ext cx="489197" cy="769441"/>
+          </a:xfrm>
+          <a:prstGeom prst="rect">
+            <a:avLst/>
+          </a:prstGeom>
+          <a:noFill/>
+        </p:spPr>
+        <p:txBody>
+          <a:bodyPr wrap="square" rtlCol="0">
+            <a:prstTxWarp prst="textInflate">
+              <a:avLst/>
+            </a:prstTxWarp>
+            <a:spAutoFit/>
+            <a:scene3d>
+              <a:camera prst="perspectiveRelaxedModerately"/>
+              <a:lightRig rig="threePt" dir="t"/>
+            </a:scene3d>
+            <a:sp3d extrusionH="57150">
+              <a:bevelT w="38100" h="38100"/>
+            </a:sp3d>
+          </a:bodyPr>
+          <a:lstStyle/>
+          <a:p>
+            <a:r>
+              <a:rPr lang="en-US" sz="4400" dirty="0" smtClean="0">
+                <a:solidFill>
+                  <a:srgbClr val="FF6699"/>
+                </a:solidFill>
+                <a:effectLst>
+                  <a:reflection blurRad="6350" stA="55000" endA="300" endPos="45500" dir="5400000" sy="-100000" algn="bl" rotWithShape="0"/>
+                </a:effectLst>
+              </a:rPr>
+              <a:t>?</a:t>
+            </a:r>
+            <a:endParaRPr lang="en-US" sz="4400" dirty="0">
+              <a:solidFill>
+                <a:srgbClr val="FF6699"/>
+              </a:solidFill>
+              <a:effectLst>
+                <a:reflection blurRad="6350" stA="55000" endA="300" endPos="45500" dir="5400000" sy="-100000" algn="bl" rotWithShape="0"/>
+              </a:effectLst>
+            </a:endParaRPr>
+          </a:p>
+        </p:txBody>
+      </p:sp>
+      <p:sp>
+        <p:nvSpPr>
+          <p:cNvPr id="79" name="TextBox 78">
+            <a:hlinkClick r:id="rId12" tooltip="Безплатен курс &quot;Качествен програмен код&quot;"/>
+          </p:cNvPr>
+          <p:cNvSpPr txBox="1"/>
+          <p:nvPr userDrawn="1"/>
+        </p:nvSpPr>
+        <p:spPr>
+          <a:xfrm rot="18277140" flipH="1">
+            <a:off x="405234" y="3272336"/>
+            <a:ext cx="413607" cy="646331"/>
+          </a:xfrm>
+          <a:prstGeom prst="rect">
+            <a:avLst/>
+          </a:prstGeom>
+          <a:noFill/>
+        </p:spPr>
+        <p:txBody>
+          <a:bodyPr wrap="square" rtlCol="0">
+            <a:spAutoFit/>
+            <a:scene3d>
+              <a:camera prst="orthographicFront"/>
+              <a:lightRig rig="threePt" dir="t"/>
+            </a:scene3d>
+            <a:sp3d extrusionH="57150">
+              <a:bevelT w="38100" h="38100"/>
+            </a:sp3d>
+          </a:bodyPr>
+          <a:lstStyle/>
+          <a:p>
+            <a:r>
+              <a:rPr lang="en-US" sz="3600" dirty="0" smtClean="0">
+                <a:solidFill>
+                  <a:schemeClr val="tx2">
+                    <a:lumMod val="40000"/>
+                    <a:lumOff val="60000"/>
+                  </a:schemeClr>
+                </a:solidFill>
+                <a:effectLst>
+                  <a:reflection blurRad="6350" stA="55000" endA="300" endPos="45500" dir="5400000" sy="-100000" algn="bl" rotWithShape="0"/>
+                </a:effectLst>
+              </a:rPr>
+              <a:t>?</a:t>
+            </a:r>
+            <a:endParaRPr lang="en-US" sz="3600" dirty="0">
+              <a:solidFill>
+                <a:schemeClr val="tx2">
+                  <a:lumMod val="40000"/>
+                  <a:lumOff val="60000"/>
+                </a:schemeClr>
+              </a:solidFill>
+              <a:effectLst>
+                <a:reflection blurRad="6350" stA="55000" endA="300" endPos="45500" dir="5400000" sy="-100000" algn="bl" rotWithShape="0"/>
+              </a:effectLst>
+            </a:endParaRPr>
+          </a:p>
+        </p:txBody>
+      </p:sp>
+      <p:sp>
+        <p:nvSpPr>
+          <p:cNvPr id="80" name="TextBox 79">
+            <a:hlinkClick r:id="rId13" tooltip="Алго академия - Академия по алгоритмично програмиране - безплатни уроци по алгоритми и структури от данни, състезателно програмиране и състезания"/>
+          </p:cNvPr>
+          <p:cNvSpPr txBox="1"/>
+          <p:nvPr userDrawn="1"/>
+        </p:nvSpPr>
+        <p:spPr>
+          <a:xfrm rot="18695734" flipH="1">
+            <a:off x="3127407" y="5396299"/>
+            <a:ext cx="548101" cy="1015663"/>
+          </a:xfrm>
+          <a:prstGeom prst="rect">
+            <a:avLst/>
+          </a:prstGeom>
+          <a:noFill/>
+        </p:spPr>
+        <p:txBody>
+          <a:bodyPr wrap="square" rtlCol="0">
+            <a:spAutoFit/>
+          </a:bodyPr>
+          <a:lstStyle/>
+          <a:p>
+            <a:r>
+              <a:rPr lang="en-US" sz="6000" b="1" dirty="0" smtClean="0">
+                <a:ln w="1905"/>
+                <a:gradFill>
+                  <a:gsLst>
+                    <a:gs pos="0">
+                      <a:schemeClr val="accent6">
+                        <a:shade val="20000"/>
+                        <a:satMod val="200000"/>
+                      </a:schemeClr>
+                    </a:gs>
+                    <a:gs pos="78000">
+                      <a:schemeClr val="accent6">
+                        <a:tint val="90000"/>
+                        <a:shade val="89000"/>
+                        <a:satMod val="220000"/>
+                      </a:schemeClr>
+                    </a:gs>
+                    <a:gs pos="100000">
+                      <a:schemeClr val="accent6">
+                        <a:tint val="12000"/>
+                        <a:satMod val="255000"/>
+                      </a:schemeClr>
+                    </a:gs>
+                  </a:gsLst>
+                  <a:lin ang="5400000"/>
+                </a:gradFill>
+                <a:effectLst>
+                  <a:innerShdw blurRad="69850" dist="43180" dir="5400000">
+                    <a:srgbClr val="000000">
+                      <a:alpha val="65000"/>
+                    </a:srgbClr>
+                  </a:innerShdw>
+                </a:effectLst>
+              </a:rPr>
+              <a:t>?</a:t>
+            </a:r>
+            <a:endParaRPr lang="en-US" sz="6000" b="1" dirty="0">
+              <a:ln w="1905"/>
+              <a:gradFill>
+                <a:gsLst>
+                  <a:gs pos="0">
+                    <a:schemeClr val="accent6">
+                      <a:shade val="20000"/>
+                      <a:satMod val="200000"/>
+                    </a:schemeClr>
+                  </a:gs>
+                  <a:gs pos="78000">
+                    <a:schemeClr val="accent6">
+                      <a:tint val="90000"/>
+                      <a:shade val="89000"/>
+                      <a:satMod val="220000"/>
+                    </a:schemeClr>
+                  </a:gs>
+                  <a:gs pos="100000">
+                    <a:schemeClr val="accent6">
+                      <a:tint val="12000"/>
+                      <a:satMod val="255000"/>
+                    </a:schemeClr>
+                  </a:gs>
+                </a:gsLst>
+                <a:lin ang="5400000"/>
+              </a:gradFill>
+              <a:effectLst>
+                <a:innerShdw blurRad="69850" dist="43180" dir="5400000">
+                  <a:srgbClr val="000000">
+                    <a:alpha val="65000"/>
+                  </a:srgbClr>
+                </a:innerShdw>
+              </a:effectLst>
+            </a:endParaRPr>
+          </a:p>
+        </p:txBody>
+      </p:sp>
+      <p:sp>
+        <p:nvSpPr>
+          <p:cNvPr id="81" name="TextBox 80">
+            <a:hlinkClick r:id="rId14" tooltip="Безплатен ASP.NET курс - уеб програмиране, бази данни, C#, .NET, ASP.NET"/>
+          </p:cNvPr>
+          <p:cNvSpPr txBox="1"/>
+          <p:nvPr userDrawn="1"/>
+        </p:nvSpPr>
+        <p:spPr>
+          <a:xfrm rot="10134629" flipH="1">
+            <a:off x="6730680" y="5522529"/>
+            <a:ext cx="444390" cy="707886"/>
+          </a:xfrm>
+          <a:prstGeom prst="rect">
+            <a:avLst/>
+          </a:prstGeom>
+          <a:noFill/>
+        </p:spPr>
+        <p:txBody>
+          <a:bodyPr wrap="square" rtlCol="0">
+            <a:spAutoFit/>
+            <a:scene3d>
+              <a:camera prst="orthographicFront"/>
+              <a:lightRig rig="threePt" dir="t"/>
+            </a:scene3d>
+            <a:sp3d extrusionH="57150">
+              <a:bevelT w="38100" h="38100"/>
+            </a:sp3d>
+          </a:bodyPr>
+          <a:lstStyle/>
+          <a:p>
+            <a:r>
+              <a:rPr lang="en-US" sz="4000" dirty="0" smtClean="0">
+                <a:solidFill>
+                  <a:schemeClr val="accent4">
+                    <a:lumMod val="60000"/>
+                    <a:lumOff val="40000"/>
+                  </a:schemeClr>
+                </a:solidFill>
+                <a:effectLst>
+                  <a:reflection blurRad="6350" stA="55000" endA="300" endPos="45500" dir="5400000" sy="-100000" algn="bl" rotWithShape="0"/>
+                </a:effectLst>
+              </a:rPr>
+              <a:t>?</a:t>
+            </a:r>
+            <a:endParaRPr lang="en-US" sz="4000" dirty="0">
+              <a:solidFill>
+                <a:schemeClr val="accent4">
+                  <a:lumMod val="60000"/>
+                  <a:lumOff val="40000"/>
+                </a:schemeClr>
+              </a:solidFill>
+              <a:effectLst>
+                <a:reflection blurRad="6350" stA="55000" endA="300" endPos="45500" dir="5400000" sy="-100000" algn="bl" rotWithShape="0"/>
+              </a:effectLst>
+            </a:endParaRPr>
+          </a:p>
+        </p:txBody>
+      </p:sp>
+      <p:sp>
+        <p:nvSpPr>
+          <p:cNvPr id="82" name="TextBox 81">
+            <a:hlinkClick r:id="rId15" tooltip="Софтуерна академия на Телерик - безплатни курсове и уроци по програмиране"/>
+          </p:cNvPr>
+          <p:cNvSpPr txBox="1"/>
+          <p:nvPr userDrawn="1"/>
+        </p:nvSpPr>
+        <p:spPr>
+          <a:xfrm rot="12126217" flipH="1">
+            <a:off x="559977" y="930479"/>
+            <a:ext cx="387894" cy="707886"/>
+          </a:xfrm>
+          <a:prstGeom prst="rect">
+            <a:avLst/>
+          </a:prstGeom>
+          <a:noFill/>
+        </p:spPr>
+        <p:txBody>
+          <a:bodyPr wrap="square" rtlCol="0">
+            <a:spAutoFit/>
+            <a:scene3d>
+              <a:camera prst="orthographicFront"/>
+              <a:lightRig rig="soft" dir="t">
+                <a:rot lat="0" lon="0" rev="10800000"/>
+              </a:lightRig>
+            </a:scene3d>
+            <a:sp3d>
+              <a:bevelT w="27940" h="12700"/>
+              <a:contourClr>
+                <a:srgbClr val="DDDDDD"/>
+              </a:contourClr>
+            </a:sp3d>
+          </a:bodyPr>
+          <a:lstStyle/>
+          <a:p>
+            <a:r>
+              <a:rPr lang="en-US" sz="4000" b="1" spc="150" dirty="0" smtClean="0">
+                <a:ln w="11430"/>
+                <a:solidFill>
+                  <a:schemeClr val="accent4">
+                    <a:lumMod val="60000"/>
+                    <a:lumOff val="40000"/>
+                  </a:schemeClr>
+                </a:solidFill>
+                <a:effectLst>
+                  <a:outerShdw blurRad="25400" algn="tl" rotWithShape="0">
+                    <a:srgbClr val="000000">
+                      <a:alpha val="43000"/>
+                    </a:srgbClr>
+                  </a:outerShdw>
+                </a:effectLst>
+              </a:rPr>
+              <a:t>?</a:t>
+            </a:r>
+            <a:endParaRPr lang="en-US" sz="4000" b="1" spc="150" dirty="0">
+              <a:ln w="11430"/>
+              <a:solidFill>
+                <a:schemeClr val="accent4">
+                  <a:lumMod val="60000"/>
+                  <a:lumOff val="40000"/>
+                </a:schemeClr>
+              </a:solidFill>
+              <a:effectLst>
+                <a:outerShdw blurRad="25400" algn="tl" rotWithShape="0">
+                  <a:srgbClr val="000000">
+                    <a:alpha val="43000"/>
+                  </a:srgbClr>
+                </a:outerShdw>
+              </a:effectLst>
+            </a:endParaRPr>
+          </a:p>
+        </p:txBody>
+      </p:sp>
+      <p:sp>
+        <p:nvSpPr>
+          <p:cNvPr id="83" name="TextBox 82">
+            <a:hlinkClick r:id="rId16" tooltip="Безплатен курс &quot;Разработка на мобилни приложения&quot; - iPhone, Android, Windows Phone, PhoneGap, HTML5, jQuery, AJAX"/>
+          </p:cNvPr>
+          <p:cNvSpPr txBox="1"/>
+          <p:nvPr userDrawn="1"/>
+        </p:nvSpPr>
+        <p:spPr>
+          <a:xfrm rot="20840689" flipH="1">
+            <a:off x="8186733" y="5517701"/>
+            <a:ext cx="357408" cy="646331"/>
+          </a:xfrm>
+          <a:prstGeom prst="rect">
+            <a:avLst/>
+          </a:prstGeom>
+          <a:noFill/>
+        </p:spPr>
+        <p:txBody>
+          <a:bodyPr wrap="square" rtlCol="0">
+            <a:spAutoFit/>
+          </a:bodyPr>
+          <a:lstStyle/>
+          <a:p>
+            <a:r>
+              <a:rPr lang="en-US" sz="3600" b="1" dirty="0" smtClean="0">
+                <a:ln w="19050">
+                  <a:solidFill>
+                    <a:schemeClr val="accent4">
+                      <a:lumMod val="75000"/>
+                      <a:alpha val="50000"/>
+                    </a:schemeClr>
+                  </a:solidFill>
+                  <a:prstDash val="solid"/>
+                  <a:miter lim="800000"/>
+                </a:ln>
+                <a:solidFill>
+                  <a:schemeClr val="accent4">
+                    <a:lumMod val="20000"/>
+                    <a:lumOff val="80000"/>
+                    <a:alpha val="25000"/>
+                  </a:schemeClr>
+                </a:solidFill>
+                <a:effectLst>
+                  <a:outerShdw blurRad="25500" dist="23000" dir="7020000" algn="tl">
+                    <a:srgbClr val="000000">
+                      <a:alpha val="50000"/>
+                    </a:srgbClr>
+                  </a:outerShdw>
+                </a:effectLst>
+              </a:rPr>
+              <a:t>?</a:t>
+            </a:r>
+            <a:endParaRPr lang="en-US" sz="4000" b="1" dirty="0">
+              <a:ln w="19050">
+                <a:solidFill>
+                  <a:schemeClr val="accent4">
+                    <a:lumMod val="75000"/>
+                    <a:alpha val="50000"/>
+                  </a:schemeClr>
+                </a:solidFill>
+                <a:prstDash val="solid"/>
+                <a:miter lim="800000"/>
+              </a:ln>
+              <a:solidFill>
+                <a:schemeClr val="accent4">
+                  <a:lumMod val="20000"/>
+                  <a:lumOff val="80000"/>
+                  <a:alpha val="25000"/>
+                </a:schemeClr>
+              </a:solidFill>
+              <a:effectLst>
+                <a:outerShdw blurRad="25500" dist="23000" dir="7020000" algn="tl">
+                  <a:srgbClr val="000000">
+                    <a:alpha val="50000"/>
+                  </a:srgbClr>
+                </a:outerShdw>
+              </a:effectLst>
+            </a:endParaRPr>
+          </a:p>
+        </p:txBody>
+      </p:sp>
+      <p:sp>
+        <p:nvSpPr>
+          <p:cNvPr id="84" name="TextBox 83">
+            <a:hlinkClick r:id="rId17" tooltip="Free C# Programming Book by Svetlin Nakov - безплатна C# книга от Светлин Наков, книга C#, книга Java, безплатна книга"/>
+          </p:cNvPr>
+          <p:cNvSpPr txBox="1"/>
+          <p:nvPr userDrawn="1"/>
+        </p:nvSpPr>
+        <p:spPr>
+          <a:xfrm rot="15426793" flipH="1">
+            <a:off x="1145826" y="4072253"/>
+            <a:ext cx="369652" cy="769441"/>
+          </a:xfrm>
+          <a:prstGeom prst="rect">
+            <a:avLst/>
+          </a:prstGeom>
+          <a:noFill/>
+        </p:spPr>
+        <p:txBody>
+          <a:bodyPr wrap="square" rtlCol="0">
+            <a:spAutoFit/>
+            <a:scene3d>
+              <a:camera prst="orthographicFront"/>
+              <a:lightRig rig="threePt" dir="t"/>
+            </a:scene3d>
+            <a:sp3d extrusionH="57150">
+              <a:bevelT w="38100" h="38100"/>
+            </a:sp3d>
+          </a:bodyPr>
+          <a:lstStyle/>
+          <a:p>
+            <a:r>
+              <a:rPr lang="en-US" sz="4400" dirty="0" smtClean="0">
+                <a:ln>
+                  <a:solidFill>
+                    <a:schemeClr val="accent2">
+                      <a:lumMod val="40000"/>
+                      <a:lumOff val="60000"/>
+                    </a:schemeClr>
+                  </a:solidFill>
+                </a:ln>
+                <a:solidFill>
+                  <a:schemeClr val="accent6">
+                    <a:lumMod val="60000"/>
+                    <a:lumOff val="40000"/>
+                  </a:schemeClr>
+                </a:solidFill>
+                <a:effectLst>
+                  <a:reflection blurRad="6350" stA="55000" endA="300" endPos="45500" dir="5400000" sy="-100000" algn="bl" rotWithShape="0"/>
+                </a:effectLst>
+              </a:rPr>
+              <a:t>?</a:t>
+            </a:r>
+            <a:endParaRPr lang="en-US" sz="4400" dirty="0">
+              <a:ln>
+                <a:solidFill>
+                  <a:schemeClr val="accent2">
+                    <a:lumMod val="40000"/>
+                    <a:lumOff val="60000"/>
+                  </a:schemeClr>
+                </a:solidFill>
+              </a:ln>
+              <a:solidFill>
+                <a:schemeClr val="accent6">
+                  <a:lumMod val="60000"/>
+                  <a:lumOff val="40000"/>
+                </a:schemeClr>
+              </a:solidFill>
+              <a:effectLst>
+                <a:reflection blurRad="6350" stA="55000" endA="300" endPos="45500" dir="5400000" sy="-100000" algn="bl" rotWithShape="0"/>
+              </a:effectLst>
+            </a:endParaRPr>
+          </a:p>
+        </p:txBody>
+      </p:sp>
+      <p:sp>
+        <p:nvSpPr>
+          <p:cNvPr id="85" name="TextBox 84">
+            <a:hlinkClick r:id="rId18" tooltip="Дончо Минков - сайт за програмиране"/>
+          </p:cNvPr>
+          <p:cNvSpPr txBox="1"/>
+          <p:nvPr userDrawn="1"/>
+        </p:nvSpPr>
+        <p:spPr>
+          <a:xfrm rot="11071760" flipH="1">
+            <a:off x="6518175" y="1140358"/>
+            <a:ext cx="345408" cy="523220"/>
+          </a:xfrm>
+          <a:prstGeom prst="rect">
+            <a:avLst/>
+          </a:prstGeom>
+          <a:noFill/>
+        </p:spPr>
+        <p:txBody>
+          <a:bodyPr wrap="square" rtlCol="0">
+            <a:spAutoFit/>
+            <a:scene3d>
+              <a:camera prst="orthographicFront"/>
+              <a:lightRig rig="threePt" dir="t"/>
+            </a:scene3d>
+            <a:sp3d extrusionH="57150">
+              <a:bevelT w="38100" h="38100"/>
+            </a:sp3d>
+          </a:bodyPr>
+          <a:lstStyle/>
+          <a:p>
+            <a:r>
+              <a:rPr lang="en-US" sz="2800" dirty="0" smtClean="0">
+                <a:ln>
+                  <a:solidFill>
+                    <a:schemeClr val="tx1">
+                      <a:lumMod val="75000"/>
+                    </a:schemeClr>
+                  </a:solidFill>
+                </a:ln>
+                <a:solidFill>
+                  <a:schemeClr val="accent4">
+                    <a:lumMod val="60000"/>
+                    <a:lumOff val="40000"/>
+                  </a:schemeClr>
+                </a:solidFill>
+                <a:effectLst>
+                  <a:reflection blurRad="6350" stA="55000" endA="300" endPos="45500" dir="5400000" sy="-100000" algn="bl" rotWithShape="0"/>
+                </a:effectLst>
+              </a:rPr>
+              <a:t>?</a:t>
+            </a:r>
+            <a:endParaRPr lang="en-US" sz="2800" dirty="0">
+              <a:ln>
+                <a:solidFill>
+                  <a:schemeClr val="tx1">
+                    <a:lumMod val="75000"/>
+                  </a:schemeClr>
+                </a:solidFill>
+              </a:ln>
+              <a:solidFill>
+                <a:schemeClr val="accent4">
+                  <a:lumMod val="60000"/>
+                  <a:lumOff val="40000"/>
+                </a:schemeClr>
+              </a:solidFill>
+              <a:effectLst>
+                <a:reflection blurRad="6350" stA="55000" endA="300" endPos="45500" dir="5400000" sy="-100000" algn="bl" rotWithShape="0"/>
+              </a:effectLst>
+            </a:endParaRPr>
+          </a:p>
+        </p:txBody>
+      </p:sp>
+      <p:sp>
+        <p:nvSpPr>
+          <p:cNvPr id="86" name="TextBox 85">
+            <a:hlinkClick r:id="rId19" tooltip="Николай Костов - блог за програмиране"/>
+          </p:cNvPr>
+          <p:cNvSpPr txBox="1"/>
+          <p:nvPr userDrawn="1"/>
+        </p:nvSpPr>
+        <p:spPr>
+          <a:xfrm rot="300526" flipH="1">
+            <a:off x="3902297" y="1278821"/>
+            <a:ext cx="345408" cy="523220"/>
+          </a:xfrm>
+          <a:prstGeom prst="rect">
+            <a:avLst/>
+          </a:prstGeom>
+          <a:noFill/>
+        </p:spPr>
+        <p:txBody>
+          <a:bodyPr wrap="square" rtlCol="0">
+            <a:spAutoFit/>
+            <a:scene3d>
+              <a:camera prst="orthographicFront"/>
+              <a:lightRig rig="threePt" dir="t"/>
+            </a:scene3d>
+            <a:sp3d extrusionH="57150">
+              <a:bevelT w="38100" h="38100"/>
+            </a:sp3d>
+          </a:bodyPr>
+          <a:lstStyle/>
+          <a:p>
+            <a:r>
+              <a:rPr lang="en-US" sz="2800" b="1" dirty="0" smtClean="0">
+                <a:ln w="31550" cmpd="sng">
+                  <a:solidFill>
+                    <a:schemeClr val="tx2">
+                      <a:lumMod val="20000"/>
+                      <a:lumOff val="80000"/>
+                    </a:schemeClr>
+                  </a:solidFill>
+                  <a:prstDash val="solid"/>
+                </a:ln>
+                <a:solidFill>
+                  <a:schemeClr val="tx1">
+                    <a:lumMod val="20000"/>
+                    <a:lumOff val="80000"/>
+                  </a:schemeClr>
+                </a:solidFill>
+                <a:effectLst>
+                  <a:outerShdw blurRad="50800" dist="40000" dir="5400000" algn="tl" rotWithShape="0">
+                    <a:srgbClr val="000000">
+                      <a:shade val="5000"/>
+                      <a:satMod val="120000"/>
+                      <a:alpha val="33000"/>
+                    </a:srgbClr>
+                  </a:outerShdw>
+                </a:effectLst>
+              </a:rPr>
+              <a:t>?</a:t>
+            </a:r>
+            <a:endParaRPr lang="en-US" sz="2800" dirty="0">
+              <a:ln w="31550" cmpd="sng">
+                <a:solidFill>
+                  <a:schemeClr val="tx2">
+                    <a:lumMod val="20000"/>
+                    <a:lumOff val="80000"/>
+                  </a:schemeClr>
+                </a:solidFill>
+                <a:prstDash val="solid"/>
+              </a:ln>
+              <a:solidFill>
+                <a:schemeClr val="tx1">
+                  <a:lumMod val="20000"/>
+                  <a:lumOff val="80000"/>
+                </a:schemeClr>
+              </a:solidFill>
+              <a:effectLst>
+                <a:reflection blurRad="6350" stA="55000" endA="300" endPos="45500" dir="5400000" sy="-100000" algn="bl" rotWithShape="0"/>
+              </a:effectLst>
+            </a:endParaRPr>
+          </a:p>
+        </p:txBody>
+      </p:sp>
+      <p:sp>
+        <p:nvSpPr>
+          <p:cNvPr id="87" name="TextBox 86">
+            <a:hlinkClick r:id="rId20" tooltip="C# курс - програмиране, уроци, видео, лекции от Наков"/>
+          </p:cNvPr>
+          <p:cNvSpPr txBox="1"/>
+          <p:nvPr userDrawn="1"/>
+        </p:nvSpPr>
+        <p:spPr>
+          <a:xfrm rot="2086872" flipH="1">
+            <a:off x="8330354" y="1359227"/>
+            <a:ext cx="444390" cy="584775"/>
+          </a:xfrm>
+          <a:prstGeom prst="rect">
+            <a:avLst/>
+          </a:prstGeom>
+          <a:noFill/>
+        </p:spPr>
+        <p:txBody>
+          <a:bodyPr wrap="square" rtlCol="0">
+            <a:spAutoFit/>
+            <a:scene3d>
+              <a:camera prst="orthographicFront"/>
+              <a:lightRig rig="threePt" dir="t"/>
+            </a:scene3d>
+            <a:sp3d extrusionH="57150">
+              <a:bevelT w="38100" h="38100"/>
+            </a:sp3d>
+          </a:bodyPr>
+          <a:lstStyle/>
+          <a:p>
+            <a:r>
+              <a:rPr lang="en-US" sz="3200" dirty="0" smtClean="0">
+                <a:ln>
+                  <a:solidFill>
+                    <a:schemeClr val="accent1">
+                      <a:lumMod val="40000"/>
+                      <a:lumOff val="60000"/>
+                    </a:schemeClr>
+                  </a:solidFill>
+                </a:ln>
+                <a:solidFill>
+                  <a:schemeClr val="accent4">
+                    <a:lumMod val="60000"/>
+                    <a:lumOff val="40000"/>
+                  </a:schemeClr>
+                </a:solidFill>
+                <a:effectLst>
+                  <a:reflection blurRad="6350" stA="55000" endA="300" endPos="45500" dir="5400000" sy="-100000" algn="bl" rotWithShape="0"/>
+                </a:effectLst>
+              </a:rPr>
+              <a:t>?</a:t>
+            </a:r>
+            <a:endParaRPr lang="en-US" sz="3200" dirty="0">
+              <a:ln>
+                <a:solidFill>
+                  <a:schemeClr val="accent1">
+                    <a:lumMod val="40000"/>
+                    <a:lumOff val="60000"/>
+                  </a:schemeClr>
+                </a:solidFill>
+              </a:ln>
+              <a:solidFill>
+                <a:schemeClr val="accent4">
+                  <a:lumMod val="60000"/>
+                  <a:lumOff val="40000"/>
+                </a:schemeClr>
+              </a:solidFill>
+              <a:effectLst>
+                <a:reflection blurRad="6350" stA="55000" endA="300" endPos="45500" dir="5400000" sy="-100000" algn="bl" rotWithShape="0"/>
+              </a:effectLst>
+            </a:endParaRPr>
+          </a:p>
+        </p:txBody>
+      </p:sp>
+      <p:sp>
+        <p:nvSpPr>
+          <p:cNvPr id="88" name="Rectangle 87"/>
+          <p:cNvSpPr/>
+          <p:nvPr userDrawn="1"/>
+        </p:nvSpPr>
+        <p:spPr>
+          <a:xfrm>
+            <a:off x="1828800" y="2903716"/>
+            <a:ext cx="5486400" cy="1261884"/>
+          </a:xfrm>
+          <a:prstGeom prst="rect">
+            <a:avLst/>
+          </a:prstGeom>
+        </p:spPr>
+        <p:txBody>
+          <a:bodyPr wrap="none" lIns="0" tIns="0" rIns="0" bIns="0" anchor="ctr" anchorCtr="0">
+            <a:noAutofit/>
+            <a:scene3d>
+              <a:camera prst="orthographicFront"/>
+              <a:lightRig rig="soft" dir="t">
+                <a:rot lat="0" lon="0" rev="10800000"/>
+              </a:lightRig>
+            </a:scene3d>
+            <a:sp3d>
+              <a:bevelT w="27940" h="12700"/>
+              <a:contourClr>
+                <a:srgbClr val="DDDDDD"/>
+              </a:contourClr>
+            </a:sp3d>
+          </a:bodyPr>
+          <a:lstStyle/>
+          <a:p>
+            <a:pPr marL="0" lvl="0" indent="0" algn="ctr" eaLnBrk="0" hangingPunct="0">
+              <a:lnSpc>
+                <a:spcPct val="100000"/>
+              </a:lnSpc>
+              <a:spcBef>
+                <a:spcPts val="0"/>
+              </a:spcBef>
+              <a:spcAft>
+                <a:spcPts val="0"/>
+              </a:spcAft>
+              <a:buClr>
+                <a:schemeClr val="accent5">
+                  <a:lumMod val="40000"/>
+                  <a:lumOff val="60000"/>
+                </a:schemeClr>
+              </a:buClr>
+              <a:buSzPct val="70000"/>
+              <a:buFont typeface="Wingdings 2" pitchFamily="18" charset="2"/>
+              <a:buNone/>
+            </a:pPr>
+            <a:r>
+              <a:rPr lang="en-US" sz="7600" b="1" spc="150" noProof="0" dirty="0" smtClean="0">
+                <a:ln w="11430"/>
+                <a:solidFill>
+                  <a:schemeClr val="tx1">
+                    <a:lumMod val="40000"/>
+                    <a:lumOff val="60000"/>
+                  </a:schemeClr>
+                </a:solidFill>
+                <a:effectLst>
+                  <a:outerShdw blurRad="25400" algn="tl" rotWithShape="0">
+                    <a:srgbClr val="000000">
+                      <a:alpha val="43000"/>
+                    </a:srgbClr>
+                  </a:outerShdw>
+                </a:effectLst>
+                <a:latin typeface="+mn-lt"/>
+              </a:rPr>
+              <a:t>Questions?</a:t>
+            </a:r>
+            <a:endParaRPr lang="en-US" sz="7600" b="1" spc="150" dirty="0">
+              <a:ln w="11430"/>
+              <a:solidFill>
+                <a:schemeClr val="tx1">
+                  <a:lumMod val="40000"/>
+                  <a:lumOff val="60000"/>
+                </a:schemeClr>
+              </a:solidFill>
+              <a:effectLst>
+                <a:outerShdw blurRad="25400" algn="tl" rotWithShape="0">
+                  <a:srgbClr val="000000">
+                    <a:alpha val="43000"/>
+                  </a:srgbClr>
+                </a:outerShdw>
+              </a:effectLst>
+              <a:latin typeface="+mn-lt"/>
+            </a:endParaRPr>
+          </a:p>
+        </p:txBody>
+      </p:sp>
+      <p:sp>
+        <p:nvSpPr>
+          <p:cNvPr id="89" name="TextBox 88">
+            <a:hlinkClick r:id="rId3" tooltip="Курсове и уроци по програмиране, уеб дизайн, разработка на софтуер и информационни технологии - лекции, видео уроци, обучения - безплатно"/>
+          </p:cNvPr>
+          <p:cNvSpPr txBox="1"/>
+          <p:nvPr userDrawn="1"/>
+        </p:nvSpPr>
+        <p:spPr>
+          <a:xfrm rot="2456848" flipH="1">
+            <a:off x="968763" y="4970087"/>
+            <a:ext cx="859648" cy="1569660"/>
+          </a:xfrm>
+          <a:prstGeom prst="rect">
+            <a:avLst/>
+          </a:prstGeom>
+          <a:noFill/>
+        </p:spPr>
+        <p:txBody>
+          <a:bodyPr wrap="square" rtlCol="0">
+            <a:spAutoFit/>
+            <a:scene3d>
+              <a:camera prst="orthographicFront"/>
+              <a:lightRig rig="threePt" dir="t"/>
+            </a:scene3d>
+            <a:sp3d extrusionH="57150">
+              <a:bevelT w="38100" h="38100"/>
+            </a:sp3d>
+          </a:bodyPr>
+          <a:lstStyle/>
+          <a:p>
+            <a:pPr>
+              <a:lnSpc>
+                <a:spcPct val="80000"/>
+              </a:lnSpc>
+            </a:pPr>
+            <a:r>
+              <a:rPr lang="en-US" sz="12000" b="1" dirty="0" smtClean="0">
+                <a:solidFill>
+                  <a:srgbClr val="FFBF8B"/>
+                </a:solidFill>
+                <a:effectLst>
+                  <a:reflection blurRad="6350" stA="55000" endA="300" endPos="45500" dir="5400000" sy="-100000" algn="bl" rotWithShape="0"/>
+                </a:effectLst>
+                <a:latin typeface="Cambria" pitchFamily="18" charset="0"/>
+              </a:rPr>
+              <a:t>?</a:t>
+            </a:r>
+            <a:endParaRPr lang="en-US" sz="12000" b="1" dirty="0">
+              <a:solidFill>
+                <a:srgbClr val="FFBF8B"/>
+              </a:solidFill>
+              <a:effectLst>
+                <a:reflection blurRad="6350" stA="55000" endA="300" endPos="45500" dir="5400000" sy="-100000" algn="bl" rotWithShape="0"/>
+              </a:effectLst>
+              <a:latin typeface="Cambria" pitchFamily="18" charset="0"/>
+            </a:endParaRPr>
+          </a:p>
+        </p:txBody>
+      </p:sp>
+    </p:spTree>
+    <p:extLst>
+      <p:ext uri="{BB962C8B-B14F-4D97-AF65-F5344CB8AC3E}">
+        <p14:creationId xmlns:p14="http://schemas.microsoft.com/office/powerpoint/2010/main" val="1225432299"/>
+      </p:ext>
+    </p:extLst>
+  </p:cSld>
+  <p:clrMapOvr>
+    <a:masterClrMapping/>
+  </p:clrMapOvr>
+  <p:timing>
+    <p:tnLst>
+      <p:par>
+        <p:cTn id="1" dur="indefinite" restart="never" nodeType="tmRoot"/>
+      </p:par>
+    </p:tnLst>
+  </p:timing>
+</p:sldLayout>
+</file>
+
+<file path=ppt/slideLayouts/slideLayout6.xml><?xml version="1.0" encoding="utf-8"?>
+<p:sldLayout xmlns:a="http://schemas.openxmlformats.org/drawingml/2006/main" xmlns:r="http://schemas.openxmlformats.org/officeDocument/2006/relationships" xmlns:p="http://schemas.openxmlformats.org/presentationml/2006/main" userDrawn="1">
+  <p:cSld name="1_Presentation Title Slide">
     <p:spTree>
       <p:nvGrpSpPr>
         <p:cNvPr id="1" name=""/>
@@ -1550,6 +8052,11 @@
         </p:txBody>
       </p:sp>
     </p:spTree>
+    <p:extLst>
+      <p:ext uri="{BB962C8B-B14F-4D97-AF65-F5344CB8AC3E}">
+        <p14:creationId xmlns:p14="http://schemas.microsoft.com/office/powerpoint/2010/main" val="766587913"/>
+      </p:ext>
+    </p:extLst>
   </p:cSld>
   <p:clrMapOvr>
     <a:masterClrMapping/>
@@ -1564,314 +8071,9 @@
 </p:sldLayout>
 </file>
 
-<file path=ppt/slideLayouts/slideLayout2.xml><?xml version="1.0" encoding="utf-8"?>
-<p:sldLayout xmlns:a="http://schemas.openxmlformats.org/drawingml/2006/main" xmlns:r="http://schemas.openxmlformats.org/officeDocument/2006/relationships" xmlns:p="http://schemas.openxmlformats.org/presentationml/2006/main" type="obj" preserve="1">
-  <p:cSld name="Title and Content">
-    <p:spTree>
-      <p:nvGrpSpPr>
-        <p:cNvPr id="1" name=""/>
-        <p:cNvGrpSpPr/>
-        <p:nvPr/>
-      </p:nvGrpSpPr>
-      <p:grpSpPr>
-        <a:xfrm>
-          <a:off x="0" y="0"/>
-          <a:ext cx="0" cy="0"/>
-          <a:chOff x="0" y="0"/>
-          <a:chExt cx="0" cy="0"/>
-        </a:xfrm>
-      </p:grpSpPr>
-      <p:sp>
-        <p:nvSpPr>
-          <p:cNvPr id="2" name="Title 1"/>
-          <p:cNvSpPr>
-            <a:spLocks noGrp="1"/>
-          </p:cNvSpPr>
-          <p:nvPr>
-            <p:ph type="title" hasCustomPrompt="1"/>
-          </p:nvPr>
-        </p:nvSpPr>
-        <p:spPr>
-          <a:xfrm>
-            <a:off x="1828800" y="76200"/>
-            <a:ext cx="7086600" cy="838200"/>
-          </a:xfrm>
-          <a:prstGeom prst="rect">
-            <a:avLst/>
-          </a:prstGeom>
-        </p:spPr>
-        <p:txBody>
-          <a:bodyPr anchor="ctr" anchorCtr="0">
-            <a:noAutofit/>
-          </a:bodyPr>
-          <a:lstStyle>
-            <a:lvl1pPr algn="r" rtl="0" eaLnBrk="0" fontAlgn="base" hangingPunct="0">
-              <a:lnSpc>
-                <a:spcPts val="4000"/>
-              </a:lnSpc>
-              <a:spcBef>
-                <a:spcPct val="0"/>
-              </a:spcBef>
-              <a:spcAft>
-                <a:spcPct val="0"/>
-              </a:spcAft>
-              <a:defRPr lang="en-US" sz="4000" b="1" kern="1200" baseline="0" dirty="0">
-                <a:ln w="500">
-                  <a:noFill/>
-                </a:ln>
-                <a:solidFill>
-                  <a:schemeClr val="tx2"/>
-                </a:solidFill>
-                <a:effectLst>
-                  <a:outerShdw blurRad="38100" dist="38100" dir="2700000" algn="tl">
-                    <a:srgbClr val="000000">
-                      <a:alpha val="43137"/>
-                    </a:srgbClr>
-                  </a:outerShdw>
-                  <a:reflection blurRad="12700" stA="20000" endPos="50000" dist="12700" dir="5400000" sy="-100000" algn="bl" rotWithShape="0"/>
-                </a:effectLst>
-                <a:latin typeface="+mj-lt"/>
-                <a:ea typeface="+mj-ea"/>
-                <a:cs typeface="+mj-cs"/>
-              </a:defRPr>
-            </a:lvl1pPr>
-          </a:lstStyle>
-          <a:p>
-            <a:r>
-              <a:rPr lang="en-US" dirty="0" smtClean="0"/>
-              <a:t>Slide Title</a:t>
-            </a:r>
-            <a:endParaRPr lang="en-US" dirty="0"/>
-          </a:p>
-        </p:txBody>
-      </p:sp>
-      <p:sp>
-        <p:nvSpPr>
-          <p:cNvPr id="3" name="Content Placeholder 2"/>
-          <p:cNvSpPr>
-            <a:spLocks noGrp="1"/>
-          </p:cNvSpPr>
-          <p:nvPr>
-            <p:ph idx="1" hasCustomPrompt="1"/>
-          </p:nvPr>
-        </p:nvSpPr>
-        <p:spPr>
-          <a:xfrm>
-            <a:off x="228600" y="914400"/>
-            <a:ext cx="8686800" cy="5791200"/>
-          </a:xfrm>
-          <a:prstGeom prst="rect">
-            <a:avLst/>
-          </a:prstGeom>
-        </p:spPr>
-        <p:txBody>
-          <a:bodyPr/>
-          <a:lstStyle>
-            <a:lvl1pPr marL="282575" indent="-282575">
-              <a:lnSpc>
-                <a:spcPct val="105000"/>
-              </a:lnSpc>
-              <a:spcBef>
-                <a:spcPts val="600"/>
-              </a:spcBef>
-              <a:spcAft>
-                <a:spcPts val="600"/>
-              </a:spcAft>
-              <a:buClr>
-                <a:schemeClr val="accent5">
-                  <a:lumMod val="40000"/>
-                  <a:lumOff val="60000"/>
-                </a:schemeClr>
-              </a:buClr>
-              <a:tabLst>
-                <a:tab pos="282575" algn="l"/>
-              </a:tabLst>
-              <a:defRPr sz="3200">
-                <a:solidFill>
-                  <a:srgbClr val="EBFFD2"/>
-                </a:solidFill>
-              </a:defRPr>
-            </a:lvl1pPr>
-            <a:lvl2pPr>
-              <a:lnSpc>
-                <a:spcPct val="105000"/>
-              </a:lnSpc>
-              <a:spcBef>
-                <a:spcPts val="600"/>
-              </a:spcBef>
-              <a:spcAft>
-                <a:spcPts val="600"/>
-              </a:spcAft>
-              <a:buClr>
-                <a:srgbClr val="8FD600"/>
-              </a:buClr>
-              <a:defRPr sz="3000">
-                <a:solidFill>
-                  <a:schemeClr val="tx1">
-                    <a:lumMod val="40000"/>
-                    <a:lumOff val="60000"/>
-                  </a:schemeClr>
-                </a:solidFill>
-              </a:defRPr>
-            </a:lvl2pPr>
-            <a:lvl3pPr>
-              <a:lnSpc>
-                <a:spcPct val="105000"/>
-              </a:lnSpc>
-              <a:spcBef>
-                <a:spcPts val="600"/>
-              </a:spcBef>
-              <a:spcAft>
-                <a:spcPts val="600"/>
-              </a:spcAft>
-              <a:buClr>
-                <a:srgbClr val="FFAD9F"/>
-              </a:buClr>
-              <a:defRPr sz="2800">
-                <a:solidFill>
-                  <a:srgbClr val="F5FFC2"/>
-                </a:solidFill>
-              </a:defRPr>
-            </a:lvl3pPr>
-            <a:lvl4pPr>
-              <a:lnSpc>
-                <a:spcPct val="105000"/>
-              </a:lnSpc>
-              <a:spcBef>
-                <a:spcPts val="600"/>
-              </a:spcBef>
-              <a:spcAft>
-                <a:spcPts val="600"/>
-              </a:spcAft>
-              <a:buClr>
-                <a:srgbClr val="FACF82"/>
-              </a:buClr>
-              <a:defRPr sz="2600">
-                <a:solidFill>
-                  <a:schemeClr val="tx1">
-                    <a:lumMod val="40000"/>
-                    <a:lumOff val="60000"/>
-                  </a:schemeClr>
-                </a:solidFill>
-              </a:defRPr>
-            </a:lvl4pPr>
-            <a:lvl5pPr>
-              <a:lnSpc>
-                <a:spcPct val="105000"/>
-              </a:lnSpc>
-              <a:spcBef>
-                <a:spcPts val="600"/>
-              </a:spcBef>
-              <a:spcAft>
-                <a:spcPts val="600"/>
-              </a:spcAft>
-              <a:defRPr sz="2400">
-                <a:solidFill>
-                  <a:schemeClr val="tx1">
-                    <a:lumMod val="40000"/>
-                    <a:lumOff val="60000"/>
-                  </a:schemeClr>
-                </a:solidFill>
-              </a:defRPr>
-            </a:lvl5pPr>
-          </a:lstStyle>
-          <a:p>
-            <a:pPr lvl="0"/>
-            <a:r>
-              <a:rPr lang="en-US" dirty="0" smtClean="0"/>
-              <a:t>First Level</a:t>
-            </a:r>
-          </a:p>
-          <a:p>
-            <a:pPr lvl="1"/>
-            <a:r>
-              <a:rPr lang="en-US" dirty="0" smtClean="0"/>
-              <a:t>Second level</a:t>
-            </a:r>
-          </a:p>
-          <a:p>
-            <a:pPr lvl="2"/>
-            <a:r>
-              <a:rPr lang="en-US" dirty="0" smtClean="0"/>
-              <a:t>Third level</a:t>
-            </a:r>
-          </a:p>
-          <a:p>
-            <a:pPr lvl="3"/>
-            <a:r>
-              <a:rPr lang="en-US" dirty="0" smtClean="0"/>
-              <a:t>Fourth level</a:t>
-            </a:r>
-          </a:p>
-          <a:p>
-            <a:pPr lvl="4"/>
-            <a:r>
-              <a:rPr lang="en-US" dirty="0" smtClean="0"/>
-              <a:t>Fifth level</a:t>
-            </a:r>
-            <a:endParaRPr lang="en-US" dirty="0"/>
-          </a:p>
-        </p:txBody>
-      </p:sp>
-      <p:sp>
-        <p:nvSpPr>
-          <p:cNvPr id="4" name="Slide Number Placeholder 5"/>
-          <p:cNvSpPr>
-            <a:spLocks noGrp="1"/>
-          </p:cNvSpPr>
-          <p:nvPr>
-            <p:ph type="sldNum" sz="quarter" idx="10"/>
-          </p:nvPr>
-        </p:nvSpPr>
-        <p:spPr>
-          <a:xfrm>
-            <a:off x="8610600" y="6553200"/>
-            <a:ext cx="457200" cy="228600"/>
-          </a:xfrm>
-          <a:prstGeom prst="rect">
-            <a:avLst/>
-          </a:prstGeom>
-        </p:spPr>
-        <p:txBody>
-          <a:bodyPr anchor="ctr" anchorCtr="0"/>
-          <a:lstStyle>
-            <a:lvl1pPr algn="r">
-              <a:defRPr sz="1100"/>
-            </a:lvl1pPr>
-          </a:lstStyle>
-          <a:p>
-            <a:pPr>
-              <a:defRPr/>
-            </a:pPr>
-            <a:fld id="{58452FF4-89E3-4D1B-9927-2DBDC00E58D7}" type="slidenum">
-              <a:rPr lang="en-US" smtClean="0"/>
-              <a:pPr>
-                <a:defRPr/>
-              </a:pPr>
-              <a:t>‹#›</a:t>
-            </a:fld>
-            <a:endParaRPr lang="en-US" dirty="0"/>
-          </a:p>
-        </p:txBody>
-      </p:sp>
-    </p:spTree>
-  </p:cSld>
-  <p:clrMapOvr>
-    <a:masterClrMapping/>
-  </p:clrMapOvr>
-  <p:timing>
-    <p:tnLst>
-      <p:par>
-        <p:cTn id="1" dur="indefinite" restart="never" nodeType="tmRoot"/>
-      </p:par>
-    </p:tnLst>
-  </p:timing>
-</p:sldLayout>
-</file>
-
-<file path=ppt/slideLayouts/slideLayout3.xml><?xml version="1.0" encoding="utf-8"?>
+<file path=ppt/slideLayouts/slideLayout7.xml><?xml version="1.0" encoding="utf-8"?>
 <p:sldLayout xmlns:a="http://schemas.openxmlformats.org/drawingml/2006/main" xmlns:r="http://schemas.openxmlformats.org/officeDocument/2006/relationships" xmlns:p="http://schemas.openxmlformats.org/presentationml/2006/main" preserve="1" userDrawn="1">
-  <p:cSld name="Custom Layout">
+  <p:cSld name="1_Custom Layout">
     <p:spTree>
       <p:nvGrpSpPr>
         <p:cNvPr id="1" name=""/>
@@ -2298,178 +8500,9 @@
 </p:sldLayout>
 </file>
 
-<file path=ppt/slideLayouts/slideLayout4.xml><?xml version="1.0" encoding="utf-8"?>
-<p:sldLayout xmlns:a="http://schemas.openxmlformats.org/drawingml/2006/main" xmlns:r="http://schemas.openxmlformats.org/officeDocument/2006/relationships" xmlns:p="http://schemas.openxmlformats.org/presentationml/2006/main" type="title" preserve="1">
-  <p:cSld name="Title Slide">
-    <p:spTree>
-      <p:nvGrpSpPr>
-        <p:cNvPr id="1" name=""/>
-        <p:cNvGrpSpPr/>
-        <p:nvPr/>
-      </p:nvGrpSpPr>
-      <p:grpSpPr>
-        <a:xfrm>
-          <a:off x="0" y="0"/>
-          <a:ext cx="0" cy="0"/>
-          <a:chOff x="0" y="0"/>
-          <a:chExt cx="0" cy="0"/>
-        </a:xfrm>
-      </p:grpSpPr>
-      <p:sp>
-        <p:nvSpPr>
-          <p:cNvPr id="9" name="Title 8"/>
-          <p:cNvSpPr>
-            <a:spLocks noGrp="1"/>
-          </p:cNvSpPr>
-          <p:nvPr>
-            <p:ph type="ctrTitle" hasCustomPrompt="1"/>
-          </p:nvPr>
-        </p:nvSpPr>
-        <p:spPr>
-          <a:xfrm>
-            <a:off x="609600" y="2743201"/>
-            <a:ext cx="7924800" cy="685800"/>
-          </a:xfrm>
-          <a:prstGeom prst="rect">
-            <a:avLst/>
-          </a:prstGeom>
-        </p:spPr>
-        <p:txBody>
-          <a:bodyPr tIns="0" bIns="0" anchor="ctr" anchorCtr="0"/>
-          <a:lstStyle>
-            <a:lvl1pPr algn="ctr">
-              <a:lnSpc>
-                <a:spcPts val="5600"/>
-              </a:lnSpc>
-              <a:defRPr sz="5000" cap="none" baseline="0">
-                <a:effectLst>
-                  <a:outerShdw blurRad="30000" dist="30000" dir="2700000" algn="tl" rotWithShape="0">
-                    <a:schemeClr val="bg2">
-                      <a:shade val="45000"/>
-                      <a:satMod val="150000"/>
-                      <a:alpha val="90000"/>
-                    </a:schemeClr>
-                  </a:outerShdw>
-                  <a:reflection blurRad="12000" stA="20000" endPos="50000" dist="12700" dir="5400000" sy="-100000" algn="bl" rotWithShape="0"/>
-                </a:effectLst>
-              </a:defRPr>
-            </a:lvl1pPr>
-          </a:lstStyle>
-          <a:p>
-            <a:r>
-              <a:rPr lang="en-US" dirty="0" smtClean="0"/>
-              <a:t>Section Title</a:t>
-            </a:r>
-            <a:endParaRPr lang="en-US" dirty="0"/>
-          </a:p>
-        </p:txBody>
-      </p:sp>
-      <p:sp>
-        <p:nvSpPr>
-          <p:cNvPr id="17" name="Subtitle 16"/>
-          <p:cNvSpPr>
-            <a:spLocks noGrp="1"/>
-          </p:cNvSpPr>
-          <p:nvPr>
-            <p:ph type="subTitle" idx="1" hasCustomPrompt="1"/>
-          </p:nvPr>
-        </p:nvSpPr>
-        <p:spPr>
-          <a:xfrm>
-            <a:off x="609600" y="3469480"/>
-            <a:ext cx="7924800" cy="569120"/>
-          </a:xfrm>
-          <a:prstGeom prst="rect">
-            <a:avLst/>
-          </a:prstGeom>
-        </p:spPr>
-        <p:txBody>
-          <a:bodyPr lIns="0" tIns="0" rIns="0" bIns="0" anchor="ctr" anchorCtr="0"/>
-          <a:lstStyle>
-            <a:lvl1pPr marL="0" indent="0" algn="ctr" rtl="0" eaLnBrk="0" fontAlgn="base" hangingPunct="0">
-              <a:spcBef>
-                <a:spcPct val="20000"/>
-              </a:spcBef>
-              <a:spcAft>
-                <a:spcPct val="0"/>
-              </a:spcAft>
-              <a:buClr>
-                <a:schemeClr val="accent5">
-                  <a:lumMod val="40000"/>
-                  <a:lumOff val="60000"/>
-                </a:schemeClr>
-              </a:buClr>
-              <a:buSzPct val="70000"/>
-              <a:buFont typeface="Wingdings 2" pitchFamily="18" charset="2"/>
-              <a:buNone/>
-              <a:defRPr lang="en-US" sz="2800" b="1" kern="1200" baseline="0" dirty="0">
-                <a:solidFill>
-                  <a:srgbClr val="FAF7C8"/>
-                </a:solidFill>
-                <a:effectLst>
-                  <a:outerShdw blurRad="38100" dist="38100" dir="2700000" algn="tl">
-                    <a:srgbClr val="000000">
-                      <a:alpha val="43137"/>
-                    </a:srgbClr>
-                  </a:outerShdw>
-                </a:effectLst>
-                <a:latin typeface="+mn-lt"/>
-                <a:ea typeface="+mn-ea"/>
-                <a:cs typeface="+mn-cs"/>
-              </a:defRPr>
-            </a:lvl1pPr>
-            <a:lvl2pPr marL="457200" indent="0" algn="ctr">
-              <a:buNone/>
-            </a:lvl2pPr>
-            <a:lvl3pPr marL="914400" indent="0" algn="ctr">
-              <a:buNone/>
-            </a:lvl3pPr>
-            <a:lvl4pPr marL="1371600" indent="0" algn="ctr">
-              <a:buNone/>
-            </a:lvl4pPr>
-            <a:lvl5pPr marL="1828800" indent="0" algn="ctr">
-              <a:buNone/>
-            </a:lvl5pPr>
-            <a:lvl6pPr marL="2286000" indent="0" algn="ctr">
-              <a:buNone/>
-            </a:lvl6pPr>
-            <a:lvl7pPr marL="2743200" indent="0" algn="ctr">
-              <a:buNone/>
-            </a:lvl7pPr>
-            <a:lvl8pPr marL="3200400" indent="0" algn="ctr">
-              <a:buNone/>
-            </a:lvl8pPr>
-            <a:lvl9pPr marL="3657600" indent="0" algn="ctr">
-              <a:buNone/>
-            </a:lvl9pPr>
-          </a:lstStyle>
-          <a:p>
-            <a:r>
-              <a:rPr lang="en-US" dirty="0" smtClean="0"/>
-              <a:t>Section Subtitle</a:t>
-            </a:r>
-            <a:endParaRPr lang="en-US" dirty="0"/>
-          </a:p>
-        </p:txBody>
-      </p:sp>
-    </p:spTree>
-  </p:cSld>
-  <p:clrMapOvr>
-    <a:masterClrMapping/>
-  </p:clrMapOvr>
-  <p:timing>
-    <p:tnLst>
-      <p:par>
-        <p:cTn id="1" dur="indefinite" restart="never" nodeType="tmRoot"/>
-      </p:par>
-    </p:tnLst>
-  </p:timing>
-</p:sldLayout>
-</file>
-
-<file path=ppt/slideLayouts/slideLayout5.xml><?xml version="1.0" encoding="utf-8"?>
+<file path=ppt/slideLayouts/slideLayout8.xml><?xml version="1.0" encoding="utf-8"?>
 <p:sldLayout xmlns:a="http://schemas.openxmlformats.org/drawingml/2006/main" xmlns:r="http://schemas.openxmlformats.org/officeDocument/2006/relationships" xmlns:p="http://schemas.openxmlformats.org/presentationml/2006/main" preserve="1" userDrawn="1">
-  <p:cSld name="Questions Slide">
+  <p:cSld name="1_Questions Slide">
     <p:spTree>
       <p:nvGrpSpPr>
         <p:cNvPr id="1" name=""/>
@@ -5117,480 +11150,6 @@
 </p:sldLayout>
 </file>
 
-<file path=ppt/slideLayouts/slideLayout6.xml><?xml version="1.0" encoding="utf-8"?>
-<p:sldLayout xmlns:a="http://schemas.openxmlformats.org/drawingml/2006/main" xmlns:r="http://schemas.openxmlformats.org/officeDocument/2006/relationships" xmlns:p="http://schemas.openxmlformats.org/presentationml/2006/main">
-  <p:cSld name="2_Presentation Title Slide">
-    <p:spTree>
-      <p:nvGrpSpPr>
-        <p:cNvPr id="1" name=""/>
-        <p:cNvGrpSpPr/>
-        <p:nvPr/>
-      </p:nvGrpSpPr>
-      <p:grpSpPr>
-        <a:xfrm>
-          <a:off x="0" y="0"/>
-          <a:ext cx="0" cy="0"/>
-          <a:chOff x="0" y="0"/>
-          <a:chExt cx="0" cy="0"/>
-        </a:xfrm>
-      </p:grpSpPr>
-      <p:sp>
-        <p:nvSpPr>
-          <p:cNvPr id="6" name="Title 8"/>
-          <p:cNvSpPr>
-            <a:spLocks noGrp="1"/>
-          </p:cNvSpPr>
-          <p:nvPr>
-            <p:ph type="ctrTitle" hasCustomPrompt="1"/>
-          </p:nvPr>
-        </p:nvSpPr>
-        <p:spPr>
-          <a:xfrm>
-            <a:off x="457200" y="1524000"/>
-            <a:ext cx="8229600" cy="1524000"/>
-          </a:xfrm>
-          <a:prstGeom prst="rect">
-            <a:avLst/>
-          </a:prstGeom>
-        </p:spPr>
-        <p:txBody>
-          <a:bodyPr tIns="0" bIns="0" anchor="b" anchorCtr="0"/>
-          <a:lstStyle>
-            <a:lvl1pPr algn="r">
-              <a:lnSpc>
-                <a:spcPts val="5400"/>
-              </a:lnSpc>
-              <a:defRPr sz="5400" cap="none" baseline="0">
-                <a:solidFill>
-                  <a:srgbClr val="D4FF5B"/>
-                </a:solidFill>
-                <a:effectLst>
-                  <a:outerShdw blurRad="30000" dist="30000" dir="2700000" algn="tl" rotWithShape="0">
-                    <a:schemeClr val="bg2">
-                      <a:shade val="45000"/>
-                      <a:satMod val="150000"/>
-                      <a:alpha val="90000"/>
-                    </a:schemeClr>
-                  </a:outerShdw>
-                  <a:reflection blurRad="12000" stA="20000" endPos="50000" dist="12700" dir="5400000" sy="-100000" algn="bl" rotWithShape="0"/>
-                </a:effectLst>
-              </a:defRPr>
-            </a:lvl1pPr>
-          </a:lstStyle>
-          <a:p>
-            <a:r>
-              <a:rPr lang="en-US" dirty="0" smtClean="0"/>
-              <a:t>Presentation Title</a:t>
-            </a:r>
-            <a:endParaRPr lang="en-US" dirty="0"/>
-          </a:p>
-        </p:txBody>
-      </p:sp>
-      <p:sp>
-        <p:nvSpPr>
-          <p:cNvPr id="7" name="Subtitle 16"/>
-          <p:cNvSpPr>
-            <a:spLocks noGrp="1"/>
-          </p:cNvSpPr>
-          <p:nvPr>
-            <p:ph type="subTitle" idx="1" hasCustomPrompt="1"/>
-          </p:nvPr>
-        </p:nvSpPr>
-        <p:spPr>
-          <a:xfrm>
-            <a:off x="457200" y="3240880"/>
-            <a:ext cx="8229600" cy="569120"/>
-          </a:xfrm>
-          <a:prstGeom prst="rect">
-            <a:avLst/>
-          </a:prstGeom>
-        </p:spPr>
-        <p:txBody>
-          <a:bodyPr lIns="90000" tIns="0" rIns="90000" bIns="0" anchor="ctr" anchorCtr="0"/>
-          <a:lstStyle>
-            <a:lvl1pPr marL="0" indent="0" algn="r">
-              <a:buNone/>
-              <a:defRPr sz="2800">
-                <a:solidFill>
-                  <a:srgbClr val="FAF8C8"/>
-                </a:solidFill>
-              </a:defRPr>
-            </a:lvl1pPr>
-            <a:lvl2pPr marL="457200" indent="0" algn="ctr">
-              <a:buNone/>
-            </a:lvl2pPr>
-            <a:lvl3pPr marL="914400" indent="0" algn="ctr">
-              <a:buNone/>
-            </a:lvl3pPr>
-            <a:lvl4pPr marL="1371600" indent="0" algn="ctr">
-              <a:buNone/>
-            </a:lvl4pPr>
-            <a:lvl5pPr marL="1828800" indent="0" algn="ctr">
-              <a:buNone/>
-            </a:lvl5pPr>
-            <a:lvl6pPr marL="2286000" indent="0" algn="ctr">
-              <a:buNone/>
-            </a:lvl6pPr>
-            <a:lvl7pPr marL="2743200" indent="0" algn="ctr">
-              <a:buNone/>
-            </a:lvl7pPr>
-            <a:lvl8pPr marL="3200400" indent="0" algn="ctr">
-              <a:buNone/>
-            </a:lvl8pPr>
-            <a:lvl9pPr marL="3657600" indent="0" algn="ctr">
-              <a:buNone/>
-            </a:lvl9pPr>
-          </a:lstStyle>
-          <a:p>
-            <a:r>
-              <a:rPr lang="en-US" dirty="0" smtClean="0"/>
-              <a:t>Presentation Subtitle</a:t>
-            </a:r>
-            <a:endParaRPr lang="en-US" dirty="0"/>
-          </a:p>
-        </p:txBody>
-      </p:sp>
-      <p:cxnSp>
-        <p:nvCxnSpPr>
-          <p:cNvPr id="11" name="Straight Connector 10"/>
-          <p:cNvCxnSpPr/>
-          <p:nvPr/>
-        </p:nvCxnSpPr>
-        <p:spPr>
-          <a:xfrm>
-            <a:off x="2667000" y="4114800"/>
-            <a:ext cx="6248400" cy="0"/>
-          </a:xfrm>
-          <a:prstGeom prst="line">
-            <a:avLst/>
-          </a:prstGeom>
-          <a:ln w="38100" cap="rnd">
-            <a:solidFill>
-              <a:schemeClr val="accent5">
-                <a:lumMod val="20000"/>
-                <a:lumOff val="80000"/>
-                <a:alpha val="50000"/>
-              </a:schemeClr>
-            </a:solidFill>
-          </a:ln>
-          <a:effectLst>
-            <a:outerShdw blurRad="50800" dist="38100" dir="2700000" algn="tl" rotWithShape="0">
-              <a:prstClr val="black">
-                <a:alpha val="40000"/>
-              </a:prstClr>
-            </a:outerShdw>
-          </a:effectLst>
-        </p:spPr>
-        <p:style>
-          <a:lnRef idx="1">
-            <a:schemeClr val="accent1"/>
-          </a:lnRef>
-          <a:fillRef idx="0">
-            <a:schemeClr val="accent1"/>
-          </a:fillRef>
-          <a:effectRef idx="0">
-            <a:schemeClr val="accent1"/>
-          </a:effectRef>
-          <a:fontRef idx="minor">
-            <a:schemeClr val="tx1"/>
-          </a:fontRef>
-        </p:style>
-      </p:cxnSp>
-      <p:sp>
-        <p:nvSpPr>
-          <p:cNvPr id="14" name="Text Placeholder 13"/>
-          <p:cNvSpPr>
-            <a:spLocks noGrp="1"/>
-          </p:cNvSpPr>
-          <p:nvPr>
-            <p:ph type="body" sz="quarter" idx="10" hasCustomPrompt="1"/>
-          </p:nvPr>
-        </p:nvSpPr>
-        <p:spPr>
-          <a:xfrm>
-            <a:off x="457200" y="5224046"/>
-            <a:ext cx="3352800" cy="533400"/>
-          </a:xfrm>
-          <a:prstGeom prst="rect">
-            <a:avLst/>
-          </a:prstGeom>
-          <a:noFill/>
-        </p:spPr>
-        <p:txBody>
-          <a:bodyPr wrap="square" rtlCol="0">
-            <a:spAutoFit/>
-          </a:bodyPr>
-          <a:lstStyle>
-            <a:lvl1pPr algn="l" rtl="0" fontAlgn="base">
-              <a:spcBef>
-                <a:spcPct val="0"/>
-              </a:spcBef>
-              <a:spcAft>
-                <a:spcPct val="0"/>
-              </a:spcAft>
-              <a:buNone/>
-              <a:defRPr lang="en-US" sz="2800" b="1" kern="1200" dirty="0" smtClean="0">
-                <a:solidFill>
-                  <a:srgbClr val="DEFF9B"/>
-                </a:solidFill>
-                <a:effectLst>
-                  <a:outerShdw blurRad="38100" dist="38100" dir="2700000" algn="tl">
-                    <a:srgbClr val="000000">
-                      <a:alpha val="43137"/>
-                    </a:srgbClr>
-                  </a:outerShdw>
-                </a:effectLst>
-                <a:latin typeface="Corbel" pitchFamily="34" charset="0"/>
-                <a:ea typeface="+mn-ea"/>
-                <a:cs typeface="+mn-cs"/>
-              </a:defRPr>
-            </a:lvl1pPr>
-          </a:lstStyle>
-          <a:p>
-            <a:pPr lvl="0"/>
-            <a:r>
-              <a:rPr lang="en-US" dirty="0" smtClean="0"/>
-              <a:t>Author Name</a:t>
-            </a:r>
-            <a:endParaRPr lang="en-US" dirty="0"/>
-          </a:p>
-        </p:txBody>
-      </p:sp>
-      <p:sp>
-        <p:nvSpPr>
-          <p:cNvPr id="15" name="Text Placeholder 13"/>
-          <p:cNvSpPr>
-            <a:spLocks noGrp="1"/>
-          </p:cNvSpPr>
-          <p:nvPr>
-            <p:ph type="body" sz="quarter" idx="11" hasCustomPrompt="1"/>
-          </p:nvPr>
-        </p:nvSpPr>
-        <p:spPr>
-          <a:xfrm>
-            <a:off x="457200" y="5757446"/>
-            <a:ext cx="2090957" cy="369332"/>
-          </a:xfrm>
-          <a:prstGeom prst="rect">
-            <a:avLst/>
-          </a:prstGeom>
-          <a:noFill/>
-        </p:spPr>
-        <p:txBody>
-          <a:bodyPr wrap="none" rtlCol="0">
-            <a:spAutoFit/>
-          </a:bodyPr>
-          <a:lstStyle>
-            <a:lvl1pPr algn="l" rtl="0" fontAlgn="base">
-              <a:spcBef>
-                <a:spcPct val="0"/>
-              </a:spcBef>
-              <a:spcAft>
-                <a:spcPct val="0"/>
-              </a:spcAft>
-              <a:buNone/>
-              <a:defRPr lang="en-US" sz="1800" b="1" kern="1200" dirty="0" smtClean="0">
-                <a:solidFill>
-                  <a:srgbClr val="0EFE58"/>
-                </a:solidFill>
-                <a:effectLst>
-                  <a:outerShdw blurRad="38100" dist="38100" dir="2700000" algn="tl">
-                    <a:srgbClr val="000000">
-                      <a:alpha val="43137"/>
-                    </a:srgbClr>
-                  </a:outerShdw>
-                </a:effectLst>
-                <a:latin typeface="Corbel" pitchFamily="34" charset="0"/>
-                <a:ea typeface="+mn-ea"/>
-                <a:cs typeface="+mn-cs"/>
-              </a:defRPr>
-            </a:lvl1pPr>
-          </a:lstStyle>
-          <a:p>
-            <a:pPr algn="l"/>
-            <a:r>
-              <a:rPr lang="en-US" sz="1800" b="1" dirty="0" smtClean="0">
-                <a:solidFill>
-                  <a:srgbClr val="0EFE58"/>
-                </a:solidFill>
-                <a:effectLst>
-                  <a:outerShdw blurRad="38100" dist="38100" dir="2700000" algn="tl">
-                    <a:srgbClr val="000000">
-                      <a:alpha val="43137"/>
-                    </a:srgbClr>
-                  </a:outerShdw>
-                </a:effectLst>
-              </a:rPr>
-              <a:t>Telerik Corporation</a:t>
-            </a:r>
-            <a:endParaRPr lang="en-US" sz="1800" b="1" dirty="0">
-              <a:solidFill>
-                <a:srgbClr val="0EFE58"/>
-              </a:solidFill>
-              <a:effectLst>
-                <a:outerShdw blurRad="38100" dist="38100" dir="2700000" algn="tl">
-                  <a:srgbClr val="000000">
-                    <a:alpha val="43137"/>
-                  </a:srgbClr>
-                </a:outerShdw>
-              </a:effectLst>
-            </a:endParaRPr>
-          </a:p>
-        </p:txBody>
-      </p:sp>
-      <p:sp>
-        <p:nvSpPr>
-          <p:cNvPr id="16" name="Text Placeholder 13"/>
-          <p:cNvSpPr>
-            <a:spLocks noGrp="1"/>
-          </p:cNvSpPr>
-          <p:nvPr>
-            <p:ph type="body" sz="quarter" idx="12" hasCustomPrompt="1"/>
-          </p:nvPr>
-        </p:nvSpPr>
-        <p:spPr>
-          <a:xfrm>
-            <a:off x="457200" y="6062246"/>
-            <a:ext cx="1707903" cy="338554"/>
-          </a:xfrm>
-          <a:prstGeom prst="rect">
-            <a:avLst/>
-          </a:prstGeom>
-          <a:noFill/>
-        </p:spPr>
-        <p:txBody>
-          <a:bodyPr wrap="square" rtlCol="0">
-            <a:spAutoFit/>
-          </a:bodyPr>
-          <a:lstStyle>
-            <a:lvl1pPr algn="l" rtl="0" fontAlgn="base">
-              <a:spcBef>
-                <a:spcPct val="0"/>
-              </a:spcBef>
-              <a:spcAft>
-                <a:spcPct val="0"/>
-              </a:spcAft>
-              <a:buNone/>
-              <a:defRPr lang="en-US" sz="1600" b="1" kern="1200" dirty="0" smtClean="0">
-                <a:solidFill>
-                  <a:srgbClr val="0EFE58"/>
-                </a:solidFill>
-                <a:effectLst>
-                  <a:outerShdw blurRad="38100" dist="38100" dir="2700000" algn="tl">
-                    <a:srgbClr val="000000">
-                      <a:alpha val="43137"/>
-                    </a:srgbClr>
-                  </a:outerShdw>
-                </a:effectLst>
-                <a:latin typeface="Corbel" pitchFamily="34" charset="0"/>
-                <a:ea typeface="+mn-ea"/>
-                <a:cs typeface="+mn-cs"/>
-              </a:defRPr>
-            </a:lvl1pPr>
-          </a:lstStyle>
-          <a:p>
-            <a:pPr algn="l"/>
-            <a:r>
-              <a:rPr lang="en-US" sz="1600" b="1" dirty="0" smtClean="0">
-                <a:solidFill>
-                  <a:schemeClr val="tx1">
-                    <a:lumMod val="50000"/>
-                  </a:schemeClr>
-                </a:solidFill>
-                <a:effectLst>
-                  <a:outerShdw blurRad="38100" dist="38100" dir="2700000" algn="tl">
-                    <a:srgbClr val="000000">
-                      <a:alpha val="43137"/>
-                    </a:srgbClr>
-                  </a:outerShdw>
-                </a:effectLst>
-                <a:hlinkClick r:id="rId2"/>
-              </a:rPr>
-              <a:t>www.telerik.com</a:t>
-            </a:r>
-            <a:endParaRPr lang="en-US" sz="1600" b="1" dirty="0">
-              <a:solidFill>
-                <a:schemeClr val="tx1">
-                  <a:lumMod val="50000"/>
-                </a:schemeClr>
-              </a:solidFill>
-              <a:effectLst>
-                <a:outerShdw blurRad="38100" dist="38100" dir="2700000" algn="tl">
-                  <a:srgbClr val="000000">
-                    <a:alpha val="43137"/>
-                  </a:srgbClr>
-                </a:outerShdw>
-              </a:effectLst>
-            </a:endParaRPr>
-          </a:p>
-        </p:txBody>
-      </p:sp>
-      <p:cxnSp>
-        <p:nvCxnSpPr>
-          <p:cNvPr id="8" name="Straight Connector 7"/>
-          <p:cNvCxnSpPr/>
-          <p:nvPr userDrawn="1"/>
-        </p:nvCxnSpPr>
-        <p:spPr>
-          <a:xfrm>
-            <a:off x="2667000" y="4114800"/>
-            <a:ext cx="6248400" cy="0"/>
-          </a:xfrm>
-          <a:prstGeom prst="line">
-            <a:avLst/>
-          </a:prstGeom>
-          <a:ln w="38100" cap="rnd">
-            <a:solidFill>
-              <a:schemeClr val="accent5">
-                <a:lumMod val="20000"/>
-                <a:lumOff val="80000"/>
-                <a:alpha val="50000"/>
-              </a:schemeClr>
-            </a:solidFill>
-          </a:ln>
-          <a:effectLst>
-            <a:outerShdw blurRad="50800" dist="38100" dir="2700000" algn="tl" rotWithShape="0">
-              <a:prstClr val="black">
-                <a:alpha val="40000"/>
-              </a:prstClr>
-            </a:outerShdw>
-          </a:effectLst>
-        </p:spPr>
-        <p:style>
-          <a:lnRef idx="1">
-            <a:schemeClr val="accent1"/>
-          </a:lnRef>
-          <a:fillRef idx="0">
-            <a:schemeClr val="accent1"/>
-          </a:fillRef>
-          <a:effectRef idx="0">
-            <a:schemeClr val="accent1"/>
-          </a:effectRef>
-          <a:fontRef idx="minor">
-            <a:schemeClr val="tx1"/>
-          </a:fontRef>
-        </p:style>
-      </p:cxnSp>
-    </p:spTree>
-    <p:extLst>
-      <p:ext uri="{BB962C8B-B14F-4D97-AF65-F5344CB8AC3E}">
-        <p14:creationId xmlns:p14="http://schemas.microsoft.com/office/powerpoint/2010/main" val="4245806685"/>
-      </p:ext>
-    </p:extLst>
-  </p:cSld>
-  <p:clrMapOvr>
-    <a:masterClrMapping/>
-  </p:clrMapOvr>
-  <p:timing>
-    <p:tnLst>
-      <p:par>
-        <p:cTn id="1" dur="indefinite" restart="never" nodeType="tmRoot"/>
-      </p:par>
-    </p:tnLst>
-  </p:timing>
-</p:sldLayout>
-</file>
-
 <file path=ppt/slideMasters/slideMaster1.xml><?xml version="1.0" encoding="utf-8"?>
 <p:sldMaster xmlns:a="http://schemas.openxmlformats.org/drawingml/2006/main" xmlns:r="http://schemas.openxmlformats.org/officeDocument/2006/relationships" xmlns:p="http://schemas.openxmlformats.org/presentationml/2006/main">
   <p:cSld>
@@ -5622,10 +11181,237 @@
           <p:cNvPicPr>
             <a:picLocks noChangeAspect="1" noChangeArrowheads="1"/>
           </p:cNvPicPr>
+          <p:nvPr/>
+        </p:nvPicPr>
+        <p:blipFill>
+          <a:blip r:embed="rId10">
+            <a:extLst>
+              <a:ext uri="{28A0092B-C50C-407E-A947-70E740481C1C}">
+                <a14:useLocalDpi xmlns:a14="http://schemas.microsoft.com/office/drawing/2010/main" val="0"/>
+              </a:ext>
+            </a:extLst>
+          </a:blip>
+          <a:srcRect/>
+          <a:stretch>
+            <a:fillRect/>
+          </a:stretch>
+        </p:blipFill>
+        <p:spPr bwMode="auto">
+          <a:xfrm>
+            <a:off x="0" y="0"/>
+            <a:ext cx="9143999" cy="6858000"/>
+          </a:xfrm>
+          <a:prstGeom prst="rect">
+            <a:avLst/>
+          </a:prstGeom>
+          <a:noFill/>
+          <a:extLst>
+            <a:ext uri="{909E8E84-426E-40DD-AFC4-6F175D3DCCD1}">
+              <a14:hiddenFill xmlns:a14="http://schemas.microsoft.com/office/drawing/2010/main">
+                <a:solidFill>
+                  <a:srgbClr val="FFFFFF"/>
+                </a:solidFill>
+              </a14:hiddenFill>
+            </a:ext>
+          </a:extLst>
+        </p:spPr>
+      </p:pic>
+      <p:pic>
+        <p:nvPicPr>
+          <p:cNvPr id="32" name="Picture 3"/>
+          <p:cNvPicPr>
+            <a:picLocks noChangeAspect="1" noChangeArrowheads="1"/>
+          </p:cNvPicPr>
+          <p:nvPr/>
+        </p:nvPicPr>
+        <p:blipFill>
+          <a:blip r:embed="rId11" cstate="email">
+            <a:extLst>
+              <a:ext uri="{28A0092B-C50C-407E-A947-70E740481C1C}">
+                <a14:useLocalDpi xmlns:a14="http://schemas.microsoft.com/office/drawing/2010/main" val="0"/>
+              </a:ext>
+            </a:extLst>
+          </a:blip>
+          <a:srcRect/>
+          <a:stretch>
+            <a:fillRect/>
+          </a:stretch>
+        </p:blipFill>
+        <p:spPr bwMode="auto">
+          <a:xfrm>
+            <a:off x="0" y="63500"/>
+            <a:ext cx="9144000" cy="5907087"/>
+          </a:xfrm>
+          <a:prstGeom prst="rect">
+            <a:avLst/>
+          </a:prstGeom>
+          <a:noFill/>
+          <a:ln>
+            <a:noFill/>
+          </a:ln>
+          <a:effectLst/>
+          <a:extLst>
+            <a:ext uri="{909E8E84-426E-40DD-AFC4-6F175D3DCCD1}">
+              <a14:hiddenFill xmlns:a14="http://schemas.microsoft.com/office/drawing/2010/main">
+                <a:solidFill>
+                  <a:schemeClr val="accent1"/>
+                </a:solidFill>
+              </a14:hiddenFill>
+            </a:ext>
+            <a:ext uri="{91240B29-F687-4F45-9708-019B960494DF}">
+              <a14:hiddenLine xmlns:a14="http://schemas.microsoft.com/office/drawing/2010/main" w="9525">
+                <a:solidFill>
+                  <a:schemeClr val="tx1"/>
+                </a:solidFill>
+                <a:miter lim="800000"/>
+                <a:headEnd/>
+                <a:tailEnd/>
+              </a14:hiddenLine>
+            </a:ext>
+            <a:ext uri="{AF507438-7753-43E0-B8FC-AC1667EBCBE1}">
+              <a14:hiddenEffects xmlns:a14="http://schemas.microsoft.com/office/drawing/2010/main">
+                <a:effectLst>
+                  <a:outerShdw dist="35921" dir="2700000" algn="ctr" rotWithShape="0">
+                    <a:schemeClr val="bg2"/>
+                  </a:outerShdw>
+                </a:effectLst>
+              </a14:hiddenEffects>
+            </a:ext>
+          </a:extLst>
+        </p:spPr>
+      </p:pic>
+      <p:pic>
+        <p:nvPicPr>
+          <p:cNvPr id="29" name="Picture 2"/>
+          <p:cNvPicPr>
+            <a:picLocks noChangeAspect="1" noChangeArrowheads="1"/>
+          </p:cNvPicPr>
+          <p:nvPr/>
+        </p:nvPicPr>
+        <p:blipFill>
+          <a:blip r:embed="rId12" cstate="email">
+            <a:extLst>
+              <a:ext uri="{28A0092B-C50C-407E-A947-70E740481C1C}">
+                <a14:useLocalDpi xmlns:a14="http://schemas.microsoft.com/office/drawing/2010/main" val="0"/>
+              </a:ext>
+            </a:extLst>
+          </a:blip>
+          <a:srcRect/>
+          <a:stretch>
+            <a:fillRect/>
+          </a:stretch>
+        </p:blipFill>
+        <p:spPr bwMode="auto">
+          <a:xfrm>
+            <a:off x="0" y="247650"/>
+            <a:ext cx="9144000" cy="4833937"/>
+          </a:xfrm>
+          <a:prstGeom prst="rect">
+            <a:avLst/>
+          </a:prstGeom>
+          <a:noFill/>
+          <a:ln>
+            <a:noFill/>
+          </a:ln>
+          <a:effectLst/>
+          <a:extLst>
+            <a:ext uri="{909E8E84-426E-40DD-AFC4-6F175D3DCCD1}">
+              <a14:hiddenFill xmlns:a14="http://schemas.microsoft.com/office/drawing/2010/main">
+                <a:solidFill>
+                  <a:schemeClr val="accent1"/>
+                </a:solidFill>
+              </a14:hiddenFill>
+            </a:ext>
+            <a:ext uri="{91240B29-F687-4F45-9708-019B960494DF}">
+              <a14:hiddenLine xmlns:a14="http://schemas.microsoft.com/office/drawing/2010/main" w="9525">
+                <a:solidFill>
+                  <a:schemeClr val="tx1"/>
+                </a:solidFill>
+                <a:miter lim="800000"/>
+                <a:headEnd/>
+                <a:tailEnd/>
+              </a14:hiddenLine>
+            </a:ext>
+            <a:ext uri="{AF507438-7753-43E0-B8FC-AC1667EBCBE1}">
+              <a14:hiddenEffects xmlns:a14="http://schemas.microsoft.com/office/drawing/2010/main">
+                <a:effectLst>
+                  <a:outerShdw dist="35921" dir="2700000" algn="ctr" rotWithShape="0">
+                    <a:schemeClr val="bg2"/>
+                  </a:outerShdw>
+                </a:effectLst>
+              </a14:hiddenEffects>
+            </a:ext>
+          </a:extLst>
+        </p:spPr>
+      </p:pic>
+      <p:pic>
+        <p:nvPicPr>
+          <p:cNvPr id="6146" name="Picture 2"/>
+          <p:cNvPicPr>
+            <a:picLocks noChangeAspect="1" noChangeArrowheads="1"/>
+          </p:cNvPicPr>
+          <p:nvPr/>
+        </p:nvPicPr>
+        <p:blipFill>
+          <a:blip r:embed="rId13">
+            <a:extLst>
+              <a:ext uri="{BEBA8EAE-BF5A-486C-A8C5-ECC9F3942E4B}">
+                <a14:imgProps xmlns:a14="http://schemas.microsoft.com/office/drawing/2010/main">
+                  <a14:imgLayer r:embed="rId14">
+                    <a14:imgEffect>
+                      <a14:brightnessContrast bright="20000"/>
+                    </a14:imgEffect>
+                  </a14:imgLayer>
+                </a14:imgProps>
+              </a:ext>
+              <a:ext uri="{28A0092B-C50C-407E-A947-70E740481C1C}">
+                <a14:useLocalDpi xmlns:a14="http://schemas.microsoft.com/office/drawing/2010/main" val="0"/>
+              </a:ext>
+            </a:extLst>
+          </a:blip>
+          <a:stretch>
+            <a:fillRect/>
+          </a:stretch>
+        </p:blipFill>
+        <p:spPr bwMode="auto">
+          <a:xfrm>
+            <a:off x="152400" y="228600"/>
+            <a:ext cx="1714500" cy="428625"/>
+          </a:xfrm>
+          <a:prstGeom prst="rect">
+            <a:avLst/>
+          </a:prstGeom>
+          <a:noFill/>
+          <a:effectLst>
+            <a:outerShdw blurRad="127000" sx="101000" sy="101000" algn="ctr" rotWithShape="0">
+              <a:schemeClr val="tx1">
+                <a:lumMod val="20000"/>
+                <a:lumOff val="80000"/>
+                <a:alpha val="75000"/>
+              </a:schemeClr>
+            </a:outerShdw>
+          </a:effectLst>
+          <a:extLst>
+            <a:ext uri="{909E8E84-426E-40DD-AFC4-6F175D3DCCD1}">
+              <a14:hiddenFill xmlns:a14="http://schemas.microsoft.com/office/drawing/2010/main">
+                <a:solidFill>
+                  <a:srgbClr val="FFFFFF"/>
+                </a:solidFill>
+              </a14:hiddenFill>
+            </a:ext>
+          </a:extLst>
+        </p:spPr>
+      </p:pic>
+      <p:pic>
+        <p:nvPicPr>
+          <p:cNvPr id="6" name="Picture 2"/>
+          <p:cNvPicPr>
+            <a:picLocks noChangeAspect="1" noChangeArrowheads="1"/>
+          </p:cNvPicPr>
           <p:nvPr userDrawn="1"/>
         </p:nvPicPr>
         <p:blipFill>
-          <a:blip r:embed="rId8">
+          <a:blip r:embed="rId10">
             <a:extLst>
               <a:ext uri="{28A0092B-C50C-407E-A947-70E740481C1C}">
                 <a14:useLocalDpi xmlns:a14="http://schemas.microsoft.com/office/drawing/2010/main"/>
@@ -5659,14 +11445,14 @@
       </p:pic>
       <p:pic>
         <p:nvPicPr>
-          <p:cNvPr id="32" name="Picture 3"/>
+          <p:cNvPr id="7" name="Picture 3"/>
           <p:cNvPicPr>
             <a:picLocks noChangeAspect="1" noChangeArrowheads="1"/>
           </p:cNvPicPr>
           <p:nvPr userDrawn="1"/>
         </p:nvPicPr>
         <p:blipFill>
-          <a:blip r:embed="rId9" cstate="email">
+          <a:blip r:embed="rId11" cstate="email">
             <a:extLst>
               <a:ext uri="{28A0092B-C50C-407E-A947-70E740481C1C}">
                 <a14:useLocalDpi xmlns:a14="http://schemas.microsoft.com/office/drawing/2010/main"/>
@@ -5723,14 +11509,14 @@
       </p:pic>
       <p:pic>
         <p:nvPicPr>
-          <p:cNvPr id="29" name="Picture 2"/>
+          <p:cNvPr id="8" name="Picture 2"/>
           <p:cNvPicPr>
             <a:picLocks noChangeAspect="1" noChangeArrowheads="1"/>
           </p:cNvPicPr>
           <p:nvPr userDrawn="1"/>
         </p:nvPicPr>
         <p:blipFill>
-          <a:blip r:embed="rId10" cstate="email">
+          <a:blip r:embed="rId12" cstate="email">
             <a:extLst>
               <a:ext uri="{28A0092B-C50C-407E-A947-70E740481C1C}">
                 <a14:useLocalDpi xmlns:a14="http://schemas.microsoft.com/office/drawing/2010/main"/>
@@ -5787,18 +11573,18 @@
       </p:pic>
       <p:pic>
         <p:nvPicPr>
-          <p:cNvPr id="6146" name="Picture 2"/>
+          <p:cNvPr id="9" name="Picture 2"/>
           <p:cNvPicPr>
             <a:picLocks noChangeAspect="1" noChangeArrowheads="1"/>
           </p:cNvPicPr>
           <p:nvPr userDrawn="1"/>
         </p:nvPicPr>
         <p:blipFill>
-          <a:blip r:embed="rId11">
+          <a:blip r:embed="rId13">
             <a:extLst>
               <a:ext uri="{BEBA8EAE-BF5A-486C-A8C5-ECC9F3942E4B}">
                 <a14:imgProps xmlns:a14="http://schemas.microsoft.com/office/drawing/2010/main">
-                  <a14:imgLayer r:embed="rId12">
+                  <a14:imgLayer r:embed="rId15">
                     <a14:imgEffect>
                       <a14:brightnessContrast bright="20000"/>
                     </a14:imgEffect>
@@ -5844,15 +11630,22 @@
         </p:spPr>
       </p:pic>
     </p:spTree>
+    <p:extLst>
+      <p:ext uri="{BB962C8B-B14F-4D97-AF65-F5344CB8AC3E}">
+        <p14:creationId xmlns:p14="http://schemas.microsoft.com/office/powerpoint/2010/main" val="2382049891"/>
+      </p:ext>
+    </p:extLst>
   </p:cSld>
   <p:clrMap bg1="dk1" tx1="lt1" bg2="dk2" tx2="lt2" accent1="accent1" accent2="accent2" accent3="accent3" accent4="accent4" accent5="accent5" accent6="accent6" hlink="hlink" folHlink="folHlink"/>
   <p:sldLayoutIdLst>
-    <p:sldLayoutId id="2147483701" r:id="rId1"/>
-    <p:sldLayoutId id="2147483688" r:id="rId2"/>
-    <p:sldLayoutId id="2147483704" r:id="rId3"/>
-    <p:sldLayoutId id="2147483689" r:id="rId4"/>
-    <p:sldLayoutId id="2147483703" r:id="rId5"/>
-    <p:sldLayoutId id="2147483706" r:id="rId6"/>
+    <p:sldLayoutId id="2147483708" r:id="rId1"/>
+    <p:sldLayoutId id="2147483709" r:id="rId2"/>
+    <p:sldLayoutId id="2147483710" r:id="rId3"/>
+    <p:sldLayoutId id="2147483711" r:id="rId4"/>
+    <p:sldLayoutId id="2147483712" r:id="rId5"/>
+    <p:sldLayoutId id="2147483713" r:id="rId6"/>
+    <p:sldLayoutId id="2147483704" r:id="rId7"/>
+    <p:sldLayoutId id="2147483703" r:id="rId8"/>
   </p:sldLayoutIdLst>
   <p:timing>
     <p:tnLst>
@@ -5864,7 +11657,7 @@
   <p:hf hdr="0" ftr="0" dt="0"/>
   <p:txStyles>
     <p:titleStyle>
-      <a:lvl1pPr algn="r" rtl="0" eaLnBrk="0" fontAlgn="base" hangingPunct="0">
+      <a:lvl1pPr algn="r" rtl="0" eaLnBrk="1" fontAlgn="base" hangingPunct="1">
         <a:lnSpc>
           <a:spcPts val="4400"/>
         </a:lnSpc>
@@ -5894,7 +11687,7 @@
           <a:cs typeface="+mj-cs"/>
         </a:defRPr>
       </a:lvl1pPr>
-      <a:lvl2pPr algn="r" rtl="0" eaLnBrk="0" fontAlgn="base" hangingPunct="0">
+      <a:lvl2pPr algn="r" rtl="0" eaLnBrk="1" fontAlgn="base" hangingPunct="1">
         <a:spcBef>
           <a:spcPct val="0"/>
         </a:spcBef>
@@ -5908,7 +11701,7 @@
           <a:latin typeface="Corbel" pitchFamily="34" charset="0"/>
         </a:defRPr>
       </a:lvl2pPr>
-      <a:lvl3pPr algn="r" rtl="0" eaLnBrk="0" fontAlgn="base" hangingPunct="0">
+      <a:lvl3pPr algn="r" rtl="0" eaLnBrk="1" fontAlgn="base" hangingPunct="1">
         <a:spcBef>
           <a:spcPct val="0"/>
         </a:spcBef>
@@ -5922,7 +11715,7 @@
           <a:latin typeface="Corbel" pitchFamily="34" charset="0"/>
         </a:defRPr>
       </a:lvl3pPr>
-      <a:lvl4pPr algn="r" rtl="0" eaLnBrk="0" fontAlgn="base" hangingPunct="0">
+      <a:lvl4pPr algn="r" rtl="0" eaLnBrk="1" fontAlgn="base" hangingPunct="1">
         <a:spcBef>
           <a:spcPct val="0"/>
         </a:spcBef>
@@ -5936,7 +11729,7 @@
           <a:latin typeface="Corbel" pitchFamily="34" charset="0"/>
         </a:defRPr>
       </a:lvl4pPr>
-      <a:lvl5pPr algn="r" rtl="0" eaLnBrk="0" fontAlgn="base" hangingPunct="0">
+      <a:lvl5pPr algn="r" rtl="0" eaLnBrk="1" fontAlgn="base" hangingPunct="1">
         <a:spcBef>
           <a:spcPct val="0"/>
         </a:spcBef>
@@ -5950,7 +11743,7 @@
           <a:latin typeface="Corbel" pitchFamily="34" charset="0"/>
         </a:defRPr>
       </a:lvl5pPr>
-      <a:lvl6pPr marL="457200" algn="r" rtl="0" fontAlgn="base">
+      <a:lvl6pPr marL="457200" algn="r" rtl="0" eaLnBrk="1" fontAlgn="base" hangingPunct="1">
         <a:spcBef>
           <a:spcPct val="0"/>
         </a:spcBef>
@@ -5964,7 +11757,7 @@
           <a:latin typeface="Corbel" pitchFamily="34" charset="0"/>
         </a:defRPr>
       </a:lvl6pPr>
-      <a:lvl7pPr marL="914400" algn="r" rtl="0" fontAlgn="base">
+      <a:lvl7pPr marL="914400" algn="r" rtl="0" eaLnBrk="1" fontAlgn="base" hangingPunct="1">
         <a:spcBef>
           <a:spcPct val="0"/>
         </a:spcBef>
@@ -5978,7 +11771,7 @@
           <a:latin typeface="Corbel" pitchFamily="34" charset="0"/>
         </a:defRPr>
       </a:lvl7pPr>
-      <a:lvl8pPr marL="1371600" algn="r" rtl="0" fontAlgn="base">
+      <a:lvl8pPr marL="1371600" algn="r" rtl="0" eaLnBrk="1" fontAlgn="base" hangingPunct="1">
         <a:spcBef>
           <a:spcPct val="0"/>
         </a:spcBef>
@@ -5992,7 +11785,7 @@
           <a:latin typeface="Corbel" pitchFamily="34" charset="0"/>
         </a:defRPr>
       </a:lvl8pPr>
-      <a:lvl9pPr marL="1828800" algn="r" rtl="0" fontAlgn="base">
+      <a:lvl9pPr marL="1828800" algn="r" rtl="0" eaLnBrk="1" fontAlgn="base" hangingPunct="1">
         <a:spcBef>
           <a:spcPct val="0"/>
         </a:spcBef>
@@ -6008,7 +11801,7 @@
       </a:lvl9pPr>
     </p:titleStyle>
     <p:bodyStyle>
-      <a:lvl1pPr marL="319088" indent="-319088" algn="l" rtl="0" eaLnBrk="0" fontAlgn="base" hangingPunct="0">
+      <a:lvl1pPr marL="319088" indent="-319088" algn="l" rtl="0" eaLnBrk="1" fontAlgn="base" hangingPunct="1">
         <a:spcBef>
           <a:spcPct val="20000"/>
         </a:spcBef>
@@ -6043,7 +11836,7 @@
           <a:cs typeface="+mn-cs"/>
         </a:defRPr>
       </a:lvl1pPr>
-      <a:lvl2pPr marL="630238" indent="-273050" algn="l" rtl="0" eaLnBrk="0" fontAlgn="base" hangingPunct="0">
+      <a:lvl2pPr marL="630238" indent="-273050" algn="l" rtl="0" eaLnBrk="1" fontAlgn="base" hangingPunct="1">
         <a:spcBef>
           <a:spcPct val="20000"/>
         </a:spcBef>
@@ -6077,7 +11870,7 @@
           <a:cs typeface="+mn-cs"/>
         </a:defRPr>
       </a:lvl2pPr>
-      <a:lvl3pPr marL="922338" indent="-273050" algn="l" rtl="0" eaLnBrk="0" fontAlgn="base" hangingPunct="0">
+      <a:lvl3pPr marL="922338" indent="-273050" algn="l" rtl="0" eaLnBrk="1" fontAlgn="base" hangingPunct="1">
         <a:spcBef>
           <a:spcPct val="20000"/>
         </a:spcBef>
@@ -6110,7 +11903,7 @@
           <a:cs typeface="+mn-cs"/>
         </a:defRPr>
       </a:lvl3pPr>
-      <a:lvl4pPr marL="1187450" indent="-228600" algn="l" rtl="0" eaLnBrk="0" fontAlgn="base" hangingPunct="0">
+      <a:lvl4pPr marL="1187450" indent="-228600" algn="l" rtl="0" eaLnBrk="1" fontAlgn="base" hangingPunct="1">
         <a:spcBef>
           <a:spcPct val="20000"/>
         </a:spcBef>
@@ -6141,7 +11934,7 @@
           <a:cs typeface="+mn-cs"/>
         </a:defRPr>
       </a:lvl4pPr>
-      <a:lvl5pPr marL="1425575" indent="-228600" algn="l" rtl="0" eaLnBrk="0" fontAlgn="base" hangingPunct="0">
+      <a:lvl5pPr marL="1425575" indent="-228600" algn="l" rtl="0" eaLnBrk="1" fontAlgn="base" hangingPunct="1">
         <a:spcBef>
           <a:spcPct val="20000"/>
         </a:spcBef>
@@ -6368,12 +12161,7 @@
             <p:ph type="ctrTitle"/>
           </p:nvPr>
         </p:nvSpPr>
-        <p:spPr>
-          <a:xfrm>
-            <a:off x="381000" y="2413510"/>
-            <a:ext cx="8305800" cy="786890"/>
-          </a:xfrm>
-        </p:spPr>
+        <p:spPr/>
         <p:txBody>
           <a:bodyPr/>
           <a:lstStyle/>
@@ -6396,12 +12184,7 @@
             <p:ph type="subTitle" idx="1"/>
           </p:nvPr>
         </p:nvSpPr>
-        <p:spPr>
-          <a:xfrm>
-            <a:off x="990600" y="3317080"/>
-            <a:ext cx="7696200" cy="569120"/>
-          </a:xfrm>
-        </p:spPr>
+        <p:spPr/>
         <p:txBody>
           <a:bodyPr/>
           <a:lstStyle/>
@@ -6446,1415 +12229,6 @@
           </a:prstGeom>
         </p:spPr>
       </p:pic>
-      <p:sp>
-        <p:nvSpPr>
-          <p:cNvPr id="39" name="Text Placeholder 4"/>
-          <p:cNvSpPr>
-            <a:spLocks noGrp="1"/>
-          </p:cNvSpPr>
-          <p:nvPr/>
-        </p:nvSpPr>
-        <p:spPr>
-          <a:xfrm>
-            <a:off x="413905" y="4572000"/>
-            <a:ext cx="3853295" cy="533400"/>
-          </a:xfrm>
-          <a:prstGeom prst="rect">
-            <a:avLst/>
-          </a:prstGeom>
-          <a:noFill/>
-        </p:spPr>
-        <p:txBody>
-          <a:bodyPr wrap="square" rtlCol="0">
-            <a:spAutoFit/>
-          </a:bodyPr>
-          <a:lstStyle>
-            <a:lvl1pPr marL="319088" indent="-319088" algn="l" rtl="0" eaLnBrk="0" fontAlgn="base" hangingPunct="0">
-              <a:spcBef>
-                <a:spcPct val="0"/>
-              </a:spcBef>
-              <a:spcAft>
-                <a:spcPct val="0"/>
-              </a:spcAft>
-              <a:buClr>
-                <a:schemeClr val="accent5">
-                  <a:lumMod val="40000"/>
-                  <a:lumOff val="60000"/>
-                </a:schemeClr>
-              </a:buClr>
-              <a:buSzPct val="70000"/>
-              <a:buFont typeface="Wingdings 2" pitchFamily="18" charset="2"/>
-              <a:buNone/>
-              <a:defRPr lang="en-US" sz="2800" b="1" kern="1200" dirty="0" smtClean="0">
-                <a:solidFill>
-                  <a:srgbClr val="DEFF9B"/>
-                </a:solidFill>
-                <a:effectLst>
-                  <a:outerShdw blurRad="38100" dist="38100" dir="2700000" algn="tl">
-                    <a:srgbClr val="000000">
-                      <a:alpha val="43137"/>
-                    </a:srgbClr>
-                  </a:outerShdw>
-                </a:effectLst>
-                <a:latin typeface="Corbel" pitchFamily="34" charset="0"/>
-                <a:ea typeface="+mn-ea"/>
-                <a:cs typeface="+mn-cs"/>
-              </a:defRPr>
-            </a:lvl1pPr>
-            <a:lvl2pPr marL="630238" indent="-273050" algn="l" rtl="0" eaLnBrk="0" fontAlgn="base" hangingPunct="0">
-              <a:spcBef>
-                <a:spcPct val="20000"/>
-              </a:spcBef>
-              <a:spcAft>
-                <a:spcPct val="0"/>
-              </a:spcAft>
-              <a:buClr>
-                <a:schemeClr val="accent2">
-                  <a:lumMod val="60000"/>
-                  <a:lumOff val="40000"/>
-                </a:schemeClr>
-              </a:buClr>
-              <a:buFont typeface="Wingdings 2" pitchFamily="18" charset="2"/>
-              <a:buChar char=""/>
-              <a:defRPr sz="3000" b="1" kern="1200">
-                <a:solidFill>
-                  <a:schemeClr val="tx1">
-                    <a:lumMod val="20000"/>
-                    <a:lumOff val="80000"/>
-                  </a:schemeClr>
-                </a:solidFill>
-                <a:effectLst>
-                  <a:outerShdw blurRad="38100" dist="38100" dir="2700000" algn="tl">
-                    <a:srgbClr val="000000">
-                      <a:alpha val="43137"/>
-                    </a:srgbClr>
-                  </a:outerShdw>
-                </a:effectLst>
-                <a:latin typeface="+mn-lt"/>
-                <a:ea typeface="+mn-ea"/>
-                <a:cs typeface="+mn-cs"/>
-              </a:defRPr>
-            </a:lvl2pPr>
-            <a:lvl3pPr marL="922338" indent="-273050" algn="l" rtl="0" eaLnBrk="0" fontAlgn="base" hangingPunct="0">
-              <a:spcBef>
-                <a:spcPct val="20000"/>
-              </a:spcBef>
-              <a:spcAft>
-                <a:spcPct val="0"/>
-              </a:spcAft>
-              <a:buClr>
-                <a:schemeClr val="tx1">
-                  <a:lumMod val="50000"/>
-                </a:schemeClr>
-              </a:buClr>
-              <a:buFont typeface="Wingdings 2" pitchFamily="18" charset="2"/>
-              <a:buChar char=""/>
-              <a:defRPr sz="2800" b="1" kern="1200">
-                <a:solidFill>
-                  <a:schemeClr val="tx1">
-                    <a:lumMod val="20000"/>
-                    <a:lumOff val="80000"/>
-                  </a:schemeClr>
-                </a:solidFill>
-                <a:effectLst>
-                  <a:outerShdw blurRad="38100" dist="38100" dir="2700000" algn="tl">
-                    <a:srgbClr val="000000">
-                      <a:alpha val="43137"/>
-                    </a:srgbClr>
-                  </a:outerShdw>
-                </a:effectLst>
-                <a:latin typeface="+mn-lt"/>
-                <a:ea typeface="+mn-ea"/>
-                <a:cs typeface="+mn-cs"/>
-              </a:defRPr>
-            </a:lvl3pPr>
-            <a:lvl4pPr marL="1187450" indent="-228600" algn="l" rtl="0" eaLnBrk="0" fontAlgn="base" hangingPunct="0">
-              <a:spcBef>
-                <a:spcPct val="20000"/>
-              </a:spcBef>
-              <a:spcAft>
-                <a:spcPct val="0"/>
-              </a:spcAft>
-              <a:buClr>
-                <a:srgbClr val="F8BD52"/>
-              </a:buClr>
-              <a:buFont typeface="Wingdings 2" pitchFamily="18" charset="2"/>
-              <a:buChar char=""/>
-              <a:defRPr sz="2600" b="1" kern="1200">
-                <a:solidFill>
-                  <a:schemeClr val="tx1">
-                    <a:lumMod val="20000"/>
-                    <a:lumOff val="80000"/>
-                  </a:schemeClr>
-                </a:solidFill>
-                <a:effectLst>
-                  <a:outerShdw blurRad="38100" dist="38100" dir="2700000" algn="tl">
-                    <a:srgbClr val="000000">
-                      <a:alpha val="43137"/>
-                    </a:srgbClr>
-                  </a:outerShdw>
-                </a:effectLst>
-                <a:latin typeface="+mn-lt"/>
-                <a:ea typeface="+mn-ea"/>
-                <a:cs typeface="+mn-cs"/>
-              </a:defRPr>
-            </a:lvl4pPr>
-            <a:lvl5pPr marL="1425575" indent="-228600" algn="l" rtl="0" eaLnBrk="0" fontAlgn="base" hangingPunct="0">
-              <a:spcBef>
-                <a:spcPct val="20000"/>
-              </a:spcBef>
-              <a:spcAft>
-                <a:spcPct val="0"/>
-              </a:spcAft>
-              <a:buClr>
-                <a:srgbClr val="46A6BD"/>
-              </a:buClr>
-              <a:buFont typeface="Wingdings 2" pitchFamily="18" charset="2"/>
-              <a:buChar char=""/>
-              <a:defRPr sz="2400" b="1" kern="1200">
-                <a:solidFill>
-                  <a:schemeClr val="tx1">
-                    <a:lumMod val="20000"/>
-                    <a:lumOff val="80000"/>
-                  </a:schemeClr>
-                </a:solidFill>
-                <a:effectLst>
-                  <a:outerShdw blurRad="38100" dist="38100" dir="2700000" algn="tl">
-                    <a:srgbClr val="000000">
-                      <a:alpha val="43137"/>
-                    </a:srgbClr>
-                  </a:outerShdw>
-                </a:effectLst>
-                <a:latin typeface="+mn-lt"/>
-                <a:ea typeface="+mn-ea"/>
-                <a:cs typeface="+mn-cs"/>
-              </a:defRPr>
-            </a:lvl5pPr>
-            <a:lvl6pPr marL="1673352" indent="-228600" algn="l" rtl="0" eaLnBrk="1" latinLnBrk="0" hangingPunct="1">
-              <a:spcBef>
-                <a:spcPct val="20000"/>
-              </a:spcBef>
-              <a:buClr>
-                <a:schemeClr val="accent6"/>
-              </a:buClr>
-              <a:buFont typeface="Wingdings 2"/>
-              <a:buChar char=""/>
-              <a:defRPr sz="1800" kern="1200">
-                <a:solidFill>
-                  <a:schemeClr val="tx1"/>
-                </a:solidFill>
-                <a:latin typeface="+mn-lt"/>
-                <a:ea typeface="+mn-ea"/>
-                <a:cs typeface="+mn-cs"/>
-              </a:defRPr>
-            </a:lvl6pPr>
-            <a:lvl7pPr marL="1911096" indent="-228600" algn="l" rtl="0" eaLnBrk="1" latinLnBrk="0" hangingPunct="1">
-              <a:spcBef>
-                <a:spcPct val="20000"/>
-              </a:spcBef>
-              <a:buClr>
-                <a:schemeClr val="tx2"/>
-              </a:buClr>
-              <a:buFont typeface="Wingdings 2"/>
-              <a:buChar char=""/>
-              <a:defRPr sz="1600" kern="1200">
-                <a:solidFill>
-                  <a:schemeClr val="tx1"/>
-                </a:solidFill>
-                <a:latin typeface="+mn-lt"/>
-                <a:ea typeface="+mn-ea"/>
-                <a:cs typeface="+mn-cs"/>
-              </a:defRPr>
-            </a:lvl7pPr>
-            <a:lvl8pPr marL="2121408" indent="-182880" algn="l" rtl="0" eaLnBrk="1" latinLnBrk="0" hangingPunct="1">
-              <a:spcBef>
-                <a:spcPct val="20000"/>
-              </a:spcBef>
-              <a:buClr>
-                <a:schemeClr val="tx2"/>
-              </a:buClr>
-              <a:buFont typeface="Wingdings 2"/>
-              <a:buChar char=""/>
-              <a:defRPr sz="1400" kern="1200">
-                <a:solidFill>
-                  <a:schemeClr val="tx1"/>
-                </a:solidFill>
-                <a:latin typeface="+mn-lt"/>
-                <a:ea typeface="+mn-ea"/>
-                <a:cs typeface="+mn-cs"/>
-              </a:defRPr>
-            </a:lvl8pPr>
-            <a:lvl9pPr marL="2322576" indent="-182880" algn="l" rtl="0" eaLnBrk="1" latinLnBrk="0" hangingPunct="1">
-              <a:spcBef>
-                <a:spcPct val="20000"/>
-              </a:spcBef>
-              <a:buClr>
-                <a:schemeClr val="tx2"/>
-              </a:buClr>
-              <a:buFont typeface="Wingdings 2"/>
-              <a:buChar char=""/>
-              <a:defRPr sz="1400" kern="1200">
-                <a:solidFill>
-                  <a:schemeClr val="tx1"/>
-                </a:solidFill>
-                <a:latin typeface="+mn-lt"/>
-                <a:ea typeface="+mn-ea"/>
-                <a:cs typeface="+mn-cs"/>
-              </a:defRPr>
-            </a:lvl9pPr>
-          </a:lstStyle>
-          <a:p>
-            <a:r>
-              <a:rPr lang="en-US" dirty="0" smtClean="0"/>
-              <a:t>Svetlin Nakov</a:t>
-            </a:r>
-            <a:endParaRPr lang="en-US" dirty="0"/>
-          </a:p>
-        </p:txBody>
-      </p:sp>
-      <p:sp>
-        <p:nvSpPr>
-          <p:cNvPr id="40" name="Text Placeholder 5"/>
-          <p:cNvSpPr>
-            <a:spLocks noGrp="1"/>
-          </p:cNvSpPr>
-          <p:nvPr/>
-        </p:nvSpPr>
-        <p:spPr>
-          <a:xfrm>
-            <a:off x="452006" y="5833646"/>
-            <a:ext cx="3810000" cy="369332"/>
-          </a:xfrm>
-          <a:prstGeom prst="rect">
-            <a:avLst/>
-          </a:prstGeom>
-          <a:noFill/>
-        </p:spPr>
-        <p:txBody>
-          <a:bodyPr wrap="square" rtlCol="0">
-            <a:spAutoFit/>
-          </a:bodyPr>
-          <a:lstStyle>
-            <a:lvl1pPr marL="0" indent="0" algn="l" rtl="0" eaLnBrk="0" fontAlgn="base" hangingPunct="0">
-              <a:spcBef>
-                <a:spcPct val="0"/>
-              </a:spcBef>
-              <a:spcAft>
-                <a:spcPct val="0"/>
-              </a:spcAft>
-              <a:buClr>
-                <a:schemeClr val="accent5">
-                  <a:lumMod val="40000"/>
-                  <a:lumOff val="60000"/>
-                </a:schemeClr>
-              </a:buClr>
-              <a:buSzPct val="70000"/>
-              <a:buFont typeface="Wingdings 2" pitchFamily="18" charset="2"/>
-              <a:buNone/>
-              <a:defRPr lang="en-US" sz="1800" b="1" kern="1200" dirty="0">
-                <a:solidFill>
-                  <a:schemeClr val="tx2">
-                    <a:lumMod val="20000"/>
-                    <a:lumOff val="80000"/>
-                  </a:schemeClr>
-                </a:solidFill>
-                <a:effectLst>
-                  <a:outerShdw blurRad="38100" dist="38100" dir="2700000" algn="tl">
-                    <a:srgbClr val="000000">
-                      <a:alpha val="43137"/>
-                    </a:srgbClr>
-                  </a:outerShdw>
-                </a:effectLst>
-                <a:latin typeface="Corbel" pitchFamily="34" charset="0"/>
-                <a:ea typeface="+mn-ea"/>
-                <a:cs typeface="+mn-cs"/>
-              </a:defRPr>
-            </a:lvl1pPr>
-            <a:lvl2pPr marL="630238" indent="-273050" algn="l" rtl="0" eaLnBrk="0" fontAlgn="base" hangingPunct="0">
-              <a:spcBef>
-                <a:spcPct val="20000"/>
-              </a:spcBef>
-              <a:spcAft>
-                <a:spcPct val="0"/>
-              </a:spcAft>
-              <a:buClr>
-                <a:schemeClr val="accent2">
-                  <a:lumMod val="60000"/>
-                  <a:lumOff val="40000"/>
-                </a:schemeClr>
-              </a:buClr>
-              <a:buFont typeface="Wingdings 2" pitchFamily="18" charset="2"/>
-              <a:buChar char=""/>
-              <a:defRPr sz="3000" b="1" kern="1200">
-                <a:solidFill>
-                  <a:schemeClr val="tx1">
-                    <a:lumMod val="20000"/>
-                    <a:lumOff val="80000"/>
-                  </a:schemeClr>
-                </a:solidFill>
-                <a:effectLst>
-                  <a:outerShdw blurRad="38100" dist="38100" dir="2700000" algn="tl">
-                    <a:srgbClr val="000000">
-                      <a:alpha val="43137"/>
-                    </a:srgbClr>
-                  </a:outerShdw>
-                </a:effectLst>
-                <a:latin typeface="+mn-lt"/>
-                <a:ea typeface="+mn-ea"/>
-                <a:cs typeface="+mn-cs"/>
-              </a:defRPr>
-            </a:lvl2pPr>
-            <a:lvl3pPr marL="922338" indent="-273050" algn="l" rtl="0" eaLnBrk="0" fontAlgn="base" hangingPunct="0">
-              <a:spcBef>
-                <a:spcPct val="20000"/>
-              </a:spcBef>
-              <a:spcAft>
-                <a:spcPct val="0"/>
-              </a:spcAft>
-              <a:buClr>
-                <a:schemeClr val="tx1">
-                  <a:lumMod val="50000"/>
-                </a:schemeClr>
-              </a:buClr>
-              <a:buFont typeface="Wingdings 2" pitchFamily="18" charset="2"/>
-              <a:buChar char=""/>
-              <a:defRPr sz="2800" b="1" kern="1200">
-                <a:solidFill>
-                  <a:schemeClr val="tx1">
-                    <a:lumMod val="20000"/>
-                    <a:lumOff val="80000"/>
-                  </a:schemeClr>
-                </a:solidFill>
-                <a:effectLst>
-                  <a:outerShdw blurRad="38100" dist="38100" dir="2700000" algn="tl">
-                    <a:srgbClr val="000000">
-                      <a:alpha val="43137"/>
-                    </a:srgbClr>
-                  </a:outerShdw>
-                </a:effectLst>
-                <a:latin typeface="+mn-lt"/>
-                <a:ea typeface="+mn-ea"/>
-                <a:cs typeface="+mn-cs"/>
-              </a:defRPr>
-            </a:lvl3pPr>
-            <a:lvl4pPr marL="1187450" indent="-228600" algn="l" rtl="0" eaLnBrk="0" fontAlgn="base" hangingPunct="0">
-              <a:spcBef>
-                <a:spcPct val="20000"/>
-              </a:spcBef>
-              <a:spcAft>
-                <a:spcPct val="0"/>
-              </a:spcAft>
-              <a:buClr>
-                <a:srgbClr val="F8BD52"/>
-              </a:buClr>
-              <a:buFont typeface="Wingdings 2" pitchFamily="18" charset="2"/>
-              <a:buChar char=""/>
-              <a:defRPr sz="2600" b="1" kern="1200">
-                <a:solidFill>
-                  <a:schemeClr val="tx1">
-                    <a:lumMod val="20000"/>
-                    <a:lumOff val="80000"/>
-                  </a:schemeClr>
-                </a:solidFill>
-                <a:effectLst>
-                  <a:outerShdw blurRad="38100" dist="38100" dir="2700000" algn="tl">
-                    <a:srgbClr val="000000">
-                      <a:alpha val="43137"/>
-                    </a:srgbClr>
-                  </a:outerShdw>
-                </a:effectLst>
-                <a:latin typeface="+mn-lt"/>
-                <a:ea typeface="+mn-ea"/>
-                <a:cs typeface="+mn-cs"/>
-              </a:defRPr>
-            </a:lvl4pPr>
-            <a:lvl5pPr marL="1425575" indent="-228600" algn="l" rtl="0" eaLnBrk="0" fontAlgn="base" hangingPunct="0">
-              <a:spcBef>
-                <a:spcPct val="20000"/>
-              </a:spcBef>
-              <a:spcAft>
-                <a:spcPct val="0"/>
-              </a:spcAft>
-              <a:buClr>
-                <a:srgbClr val="46A6BD"/>
-              </a:buClr>
-              <a:buFont typeface="Wingdings 2" pitchFamily="18" charset="2"/>
-              <a:buChar char=""/>
-              <a:defRPr sz="2400" b="1" kern="1200">
-                <a:solidFill>
-                  <a:schemeClr val="tx1">
-                    <a:lumMod val="20000"/>
-                    <a:lumOff val="80000"/>
-                  </a:schemeClr>
-                </a:solidFill>
-                <a:effectLst>
-                  <a:outerShdw blurRad="38100" dist="38100" dir="2700000" algn="tl">
-                    <a:srgbClr val="000000">
-                      <a:alpha val="43137"/>
-                    </a:srgbClr>
-                  </a:outerShdw>
-                </a:effectLst>
-                <a:latin typeface="+mn-lt"/>
-                <a:ea typeface="+mn-ea"/>
-                <a:cs typeface="+mn-cs"/>
-              </a:defRPr>
-            </a:lvl5pPr>
-            <a:lvl6pPr marL="1673352" indent="-228600" algn="l" rtl="0" eaLnBrk="1" latinLnBrk="0" hangingPunct="1">
-              <a:spcBef>
-                <a:spcPct val="20000"/>
-              </a:spcBef>
-              <a:buClr>
-                <a:schemeClr val="accent6"/>
-              </a:buClr>
-              <a:buFont typeface="Wingdings 2"/>
-              <a:buChar char=""/>
-              <a:defRPr sz="1800" kern="1200">
-                <a:solidFill>
-                  <a:schemeClr val="tx1"/>
-                </a:solidFill>
-                <a:latin typeface="+mn-lt"/>
-                <a:ea typeface="+mn-ea"/>
-                <a:cs typeface="+mn-cs"/>
-              </a:defRPr>
-            </a:lvl6pPr>
-            <a:lvl7pPr marL="1911096" indent="-228600" algn="l" rtl="0" eaLnBrk="1" latinLnBrk="0" hangingPunct="1">
-              <a:spcBef>
-                <a:spcPct val="20000"/>
-              </a:spcBef>
-              <a:buClr>
-                <a:schemeClr val="tx2"/>
-              </a:buClr>
-              <a:buFont typeface="Wingdings 2"/>
-              <a:buChar char=""/>
-              <a:defRPr sz="1600" kern="1200">
-                <a:solidFill>
-                  <a:schemeClr val="tx1"/>
-                </a:solidFill>
-                <a:latin typeface="+mn-lt"/>
-                <a:ea typeface="+mn-ea"/>
-                <a:cs typeface="+mn-cs"/>
-              </a:defRPr>
-            </a:lvl7pPr>
-            <a:lvl8pPr marL="2121408" indent="-182880" algn="l" rtl="0" eaLnBrk="1" latinLnBrk="0" hangingPunct="1">
-              <a:spcBef>
-                <a:spcPct val="20000"/>
-              </a:spcBef>
-              <a:buClr>
-                <a:schemeClr val="tx2"/>
-              </a:buClr>
-              <a:buFont typeface="Wingdings 2"/>
-              <a:buChar char=""/>
-              <a:defRPr sz="1400" kern="1200">
-                <a:solidFill>
-                  <a:schemeClr val="tx1"/>
-                </a:solidFill>
-                <a:latin typeface="+mn-lt"/>
-                <a:ea typeface="+mn-ea"/>
-                <a:cs typeface="+mn-cs"/>
-              </a:defRPr>
-            </a:lvl8pPr>
-            <a:lvl9pPr marL="2322576" indent="-182880" algn="l" rtl="0" eaLnBrk="1" latinLnBrk="0" hangingPunct="1">
-              <a:spcBef>
-                <a:spcPct val="20000"/>
-              </a:spcBef>
-              <a:buClr>
-                <a:schemeClr val="tx2"/>
-              </a:buClr>
-              <a:buFont typeface="Wingdings 2"/>
-              <a:buChar char=""/>
-              <a:defRPr sz="1400" kern="1200">
-                <a:solidFill>
-                  <a:schemeClr val="tx1"/>
-                </a:solidFill>
-                <a:latin typeface="+mn-lt"/>
-                <a:ea typeface="+mn-ea"/>
-                <a:cs typeface="+mn-cs"/>
-              </a:defRPr>
-            </a:lvl9pPr>
-          </a:lstStyle>
-          <a:p>
-            <a:r>
-              <a:rPr lang="en-US" dirty="0" smtClean="0"/>
-              <a:t>Telerik Software Academy</a:t>
-            </a:r>
-            <a:endParaRPr lang="en-US" dirty="0"/>
-          </a:p>
-        </p:txBody>
-      </p:sp>
-      <p:sp>
-        <p:nvSpPr>
-          <p:cNvPr id="41" name="Text Placeholder 6"/>
-          <p:cNvSpPr>
-            <a:spLocks noGrp="1"/>
-          </p:cNvSpPr>
-          <p:nvPr/>
-        </p:nvSpPr>
-        <p:spPr>
-          <a:xfrm>
-            <a:off x="452006" y="6138446"/>
-            <a:ext cx="3810000" cy="338554"/>
-          </a:xfrm>
-          <a:prstGeom prst="rect">
-            <a:avLst/>
-          </a:prstGeom>
-          <a:noFill/>
-        </p:spPr>
-        <p:txBody>
-          <a:bodyPr wrap="square" rtlCol="0">
-            <a:spAutoFit/>
-          </a:bodyPr>
-          <a:lstStyle>
-            <a:lvl1pPr marL="319088" indent="-319088" algn="l" rtl="0" eaLnBrk="0" fontAlgn="base" hangingPunct="0">
-              <a:spcBef>
-                <a:spcPct val="0"/>
-              </a:spcBef>
-              <a:spcAft>
-                <a:spcPct val="0"/>
-              </a:spcAft>
-              <a:buClr>
-                <a:schemeClr val="accent5">
-                  <a:lumMod val="40000"/>
-                  <a:lumOff val="60000"/>
-                </a:schemeClr>
-              </a:buClr>
-              <a:buSzPct val="70000"/>
-              <a:buFont typeface="Wingdings 2" pitchFamily="18" charset="2"/>
-              <a:buNone/>
-              <a:defRPr lang="en-US" sz="1600" b="1" kern="1200" dirty="0" smtClean="0">
-                <a:solidFill>
-                  <a:srgbClr val="0EFE58"/>
-                </a:solidFill>
-                <a:effectLst>
-                  <a:outerShdw blurRad="38100" dist="38100" dir="2700000" algn="tl">
-                    <a:srgbClr val="000000">
-                      <a:alpha val="43137"/>
-                    </a:srgbClr>
-                  </a:outerShdw>
-                </a:effectLst>
-                <a:latin typeface="Corbel" pitchFamily="34" charset="0"/>
-                <a:ea typeface="+mn-ea"/>
-                <a:cs typeface="+mn-cs"/>
-              </a:defRPr>
-            </a:lvl1pPr>
-            <a:lvl2pPr marL="630238" indent="-273050" algn="l" rtl="0" eaLnBrk="0" fontAlgn="base" hangingPunct="0">
-              <a:spcBef>
-                <a:spcPct val="20000"/>
-              </a:spcBef>
-              <a:spcAft>
-                <a:spcPct val="0"/>
-              </a:spcAft>
-              <a:buClr>
-                <a:schemeClr val="accent2">
-                  <a:lumMod val="60000"/>
-                  <a:lumOff val="40000"/>
-                </a:schemeClr>
-              </a:buClr>
-              <a:buFont typeface="Wingdings 2" pitchFamily="18" charset="2"/>
-              <a:buChar char=""/>
-              <a:defRPr sz="3000" b="1" kern="1200">
-                <a:solidFill>
-                  <a:schemeClr val="tx1">
-                    <a:lumMod val="20000"/>
-                    <a:lumOff val="80000"/>
-                  </a:schemeClr>
-                </a:solidFill>
-                <a:effectLst>
-                  <a:outerShdw blurRad="38100" dist="38100" dir="2700000" algn="tl">
-                    <a:srgbClr val="000000">
-                      <a:alpha val="43137"/>
-                    </a:srgbClr>
-                  </a:outerShdw>
-                </a:effectLst>
-                <a:latin typeface="+mn-lt"/>
-                <a:ea typeface="+mn-ea"/>
-                <a:cs typeface="+mn-cs"/>
-              </a:defRPr>
-            </a:lvl2pPr>
-            <a:lvl3pPr marL="922338" indent="-273050" algn="l" rtl="0" eaLnBrk="0" fontAlgn="base" hangingPunct="0">
-              <a:spcBef>
-                <a:spcPct val="20000"/>
-              </a:spcBef>
-              <a:spcAft>
-                <a:spcPct val="0"/>
-              </a:spcAft>
-              <a:buClr>
-                <a:schemeClr val="tx1">
-                  <a:lumMod val="50000"/>
-                </a:schemeClr>
-              </a:buClr>
-              <a:buFont typeface="Wingdings 2" pitchFamily="18" charset="2"/>
-              <a:buChar char=""/>
-              <a:defRPr sz="2800" b="1" kern="1200">
-                <a:solidFill>
-                  <a:schemeClr val="tx1">
-                    <a:lumMod val="20000"/>
-                    <a:lumOff val="80000"/>
-                  </a:schemeClr>
-                </a:solidFill>
-                <a:effectLst>
-                  <a:outerShdw blurRad="38100" dist="38100" dir="2700000" algn="tl">
-                    <a:srgbClr val="000000">
-                      <a:alpha val="43137"/>
-                    </a:srgbClr>
-                  </a:outerShdw>
-                </a:effectLst>
-                <a:latin typeface="+mn-lt"/>
-                <a:ea typeface="+mn-ea"/>
-                <a:cs typeface="+mn-cs"/>
-              </a:defRPr>
-            </a:lvl3pPr>
-            <a:lvl4pPr marL="1187450" indent="-228600" algn="l" rtl="0" eaLnBrk="0" fontAlgn="base" hangingPunct="0">
-              <a:spcBef>
-                <a:spcPct val="20000"/>
-              </a:spcBef>
-              <a:spcAft>
-                <a:spcPct val="0"/>
-              </a:spcAft>
-              <a:buClr>
-                <a:srgbClr val="F8BD52"/>
-              </a:buClr>
-              <a:buFont typeface="Wingdings 2" pitchFamily="18" charset="2"/>
-              <a:buChar char=""/>
-              <a:defRPr sz="2600" b="1" kern="1200">
-                <a:solidFill>
-                  <a:schemeClr val="tx1">
-                    <a:lumMod val="20000"/>
-                    <a:lumOff val="80000"/>
-                  </a:schemeClr>
-                </a:solidFill>
-                <a:effectLst>
-                  <a:outerShdw blurRad="38100" dist="38100" dir="2700000" algn="tl">
-                    <a:srgbClr val="000000">
-                      <a:alpha val="43137"/>
-                    </a:srgbClr>
-                  </a:outerShdw>
-                </a:effectLst>
-                <a:latin typeface="+mn-lt"/>
-                <a:ea typeface="+mn-ea"/>
-                <a:cs typeface="+mn-cs"/>
-              </a:defRPr>
-            </a:lvl4pPr>
-            <a:lvl5pPr marL="1425575" indent="-228600" algn="l" rtl="0" eaLnBrk="0" fontAlgn="base" hangingPunct="0">
-              <a:spcBef>
-                <a:spcPct val="20000"/>
-              </a:spcBef>
-              <a:spcAft>
-                <a:spcPct val="0"/>
-              </a:spcAft>
-              <a:buClr>
-                <a:srgbClr val="46A6BD"/>
-              </a:buClr>
-              <a:buFont typeface="Wingdings 2" pitchFamily="18" charset="2"/>
-              <a:buChar char=""/>
-              <a:defRPr sz="2400" b="1" kern="1200">
-                <a:solidFill>
-                  <a:schemeClr val="tx1">
-                    <a:lumMod val="20000"/>
-                    <a:lumOff val="80000"/>
-                  </a:schemeClr>
-                </a:solidFill>
-                <a:effectLst>
-                  <a:outerShdw blurRad="38100" dist="38100" dir="2700000" algn="tl">
-                    <a:srgbClr val="000000">
-                      <a:alpha val="43137"/>
-                    </a:srgbClr>
-                  </a:outerShdw>
-                </a:effectLst>
-                <a:latin typeface="+mn-lt"/>
-                <a:ea typeface="+mn-ea"/>
-                <a:cs typeface="+mn-cs"/>
-              </a:defRPr>
-            </a:lvl5pPr>
-            <a:lvl6pPr marL="1673352" indent="-228600" algn="l" rtl="0" eaLnBrk="1" latinLnBrk="0" hangingPunct="1">
-              <a:spcBef>
-                <a:spcPct val="20000"/>
-              </a:spcBef>
-              <a:buClr>
-                <a:schemeClr val="accent6"/>
-              </a:buClr>
-              <a:buFont typeface="Wingdings 2"/>
-              <a:buChar char=""/>
-              <a:defRPr sz="1800" kern="1200">
-                <a:solidFill>
-                  <a:schemeClr val="tx1"/>
-                </a:solidFill>
-                <a:latin typeface="+mn-lt"/>
-                <a:ea typeface="+mn-ea"/>
-                <a:cs typeface="+mn-cs"/>
-              </a:defRPr>
-            </a:lvl6pPr>
-            <a:lvl7pPr marL="1911096" indent="-228600" algn="l" rtl="0" eaLnBrk="1" latinLnBrk="0" hangingPunct="1">
-              <a:spcBef>
-                <a:spcPct val="20000"/>
-              </a:spcBef>
-              <a:buClr>
-                <a:schemeClr val="tx2"/>
-              </a:buClr>
-              <a:buFont typeface="Wingdings 2"/>
-              <a:buChar char=""/>
-              <a:defRPr sz="1600" kern="1200">
-                <a:solidFill>
-                  <a:schemeClr val="tx1"/>
-                </a:solidFill>
-                <a:latin typeface="+mn-lt"/>
-                <a:ea typeface="+mn-ea"/>
-                <a:cs typeface="+mn-cs"/>
-              </a:defRPr>
-            </a:lvl7pPr>
-            <a:lvl8pPr marL="2121408" indent="-182880" algn="l" rtl="0" eaLnBrk="1" latinLnBrk="0" hangingPunct="1">
-              <a:spcBef>
-                <a:spcPct val="20000"/>
-              </a:spcBef>
-              <a:buClr>
-                <a:schemeClr val="tx2"/>
-              </a:buClr>
-              <a:buFont typeface="Wingdings 2"/>
-              <a:buChar char=""/>
-              <a:defRPr sz="1400" kern="1200">
-                <a:solidFill>
-                  <a:schemeClr val="tx1"/>
-                </a:solidFill>
-                <a:latin typeface="+mn-lt"/>
-                <a:ea typeface="+mn-ea"/>
-                <a:cs typeface="+mn-cs"/>
-              </a:defRPr>
-            </a:lvl8pPr>
-            <a:lvl9pPr marL="2322576" indent="-182880" algn="l" rtl="0" eaLnBrk="1" latinLnBrk="0" hangingPunct="1">
-              <a:spcBef>
-                <a:spcPct val="20000"/>
-              </a:spcBef>
-              <a:buClr>
-                <a:schemeClr val="tx2"/>
-              </a:buClr>
-              <a:buFont typeface="Wingdings 2"/>
-              <a:buChar char=""/>
-              <a:defRPr sz="1400" kern="1200">
-                <a:solidFill>
-                  <a:schemeClr val="tx1"/>
-                </a:solidFill>
-                <a:latin typeface="+mn-lt"/>
-                <a:ea typeface="+mn-ea"/>
-                <a:cs typeface="+mn-cs"/>
-              </a:defRPr>
-            </a:lvl9pPr>
-          </a:lstStyle>
-          <a:p>
-            <a:r>
-              <a:rPr lang="en-US" dirty="0" smtClean="0">
-                <a:hlinkClick r:id="rId4"/>
-              </a:rPr>
-              <a:t>academy.telerik.com</a:t>
-            </a:r>
-            <a:r>
-              <a:rPr lang="en-US" dirty="0" smtClean="0"/>
-              <a:t>   </a:t>
-            </a:r>
-            <a:endParaRPr lang="en-US" dirty="0"/>
-          </a:p>
-        </p:txBody>
-      </p:sp>
-      <p:sp>
-        <p:nvSpPr>
-          <p:cNvPr id="42" name="Text Placeholder 3"/>
-          <p:cNvSpPr>
-            <a:spLocks noGrp="1"/>
-          </p:cNvSpPr>
-          <p:nvPr/>
-        </p:nvSpPr>
-        <p:spPr>
-          <a:xfrm>
-            <a:off x="426606" y="5029200"/>
-            <a:ext cx="3838864" cy="461665"/>
-          </a:xfrm>
-          <a:prstGeom prst="rect">
-            <a:avLst/>
-          </a:prstGeom>
-          <a:noFill/>
-        </p:spPr>
-        <p:txBody>
-          <a:bodyPr wrap="square" rtlCol="0">
-            <a:spAutoFit/>
-          </a:bodyPr>
-          <a:lstStyle>
-            <a:lvl1pPr marL="319088" indent="-319088" algn="l" rtl="0" eaLnBrk="0" fontAlgn="base" hangingPunct="0">
-              <a:spcBef>
-                <a:spcPct val="0"/>
-              </a:spcBef>
-              <a:spcAft>
-                <a:spcPct val="0"/>
-              </a:spcAft>
-              <a:buClr>
-                <a:schemeClr val="accent5">
-                  <a:lumMod val="40000"/>
-                  <a:lumOff val="60000"/>
-                </a:schemeClr>
-              </a:buClr>
-              <a:buSzPct val="70000"/>
-              <a:buFont typeface="Wingdings 2" pitchFamily="18" charset="2"/>
-              <a:buNone/>
-              <a:defRPr lang="en-US" sz="2300" b="1" kern="1200" dirty="0" smtClean="0">
-                <a:solidFill>
-                  <a:schemeClr val="tx2">
-                    <a:lumMod val="50000"/>
-                  </a:schemeClr>
-                </a:solidFill>
-                <a:effectLst>
-                  <a:outerShdw blurRad="38100" dist="38100" dir="2700000" algn="tl">
-                    <a:srgbClr val="000000">
-                      <a:alpha val="43137"/>
-                    </a:srgbClr>
-                  </a:outerShdw>
-                </a:effectLst>
-                <a:latin typeface="Corbel" pitchFamily="34" charset="0"/>
-                <a:ea typeface="+mn-ea"/>
-                <a:cs typeface="+mn-cs"/>
-              </a:defRPr>
-            </a:lvl1pPr>
-            <a:lvl2pPr marL="630238" indent="-273050" algn="l" rtl="0" eaLnBrk="0" fontAlgn="base" hangingPunct="0">
-              <a:spcBef>
-                <a:spcPct val="20000"/>
-              </a:spcBef>
-              <a:spcAft>
-                <a:spcPct val="0"/>
-              </a:spcAft>
-              <a:buClr>
-                <a:schemeClr val="accent2">
-                  <a:lumMod val="60000"/>
-                  <a:lumOff val="40000"/>
-                </a:schemeClr>
-              </a:buClr>
-              <a:buFont typeface="Wingdings 2" pitchFamily="18" charset="2"/>
-              <a:buChar char=""/>
-              <a:defRPr sz="3000" b="1" kern="1200">
-                <a:solidFill>
-                  <a:schemeClr val="tx1">
-                    <a:lumMod val="20000"/>
-                    <a:lumOff val="80000"/>
-                  </a:schemeClr>
-                </a:solidFill>
-                <a:effectLst>
-                  <a:outerShdw blurRad="38100" dist="38100" dir="2700000" algn="tl">
-                    <a:srgbClr val="000000">
-                      <a:alpha val="43137"/>
-                    </a:srgbClr>
-                  </a:outerShdw>
-                </a:effectLst>
-                <a:latin typeface="+mn-lt"/>
-                <a:ea typeface="+mn-ea"/>
-                <a:cs typeface="+mn-cs"/>
-              </a:defRPr>
-            </a:lvl2pPr>
-            <a:lvl3pPr marL="922338" indent="-273050" algn="l" rtl="0" eaLnBrk="0" fontAlgn="base" hangingPunct="0">
-              <a:spcBef>
-                <a:spcPct val="20000"/>
-              </a:spcBef>
-              <a:spcAft>
-                <a:spcPct val="0"/>
-              </a:spcAft>
-              <a:buClr>
-                <a:schemeClr val="tx1">
-                  <a:lumMod val="50000"/>
-                </a:schemeClr>
-              </a:buClr>
-              <a:buFont typeface="Wingdings 2" pitchFamily="18" charset="2"/>
-              <a:buChar char=""/>
-              <a:defRPr sz="2800" b="1" kern="1200">
-                <a:solidFill>
-                  <a:schemeClr val="tx1">
-                    <a:lumMod val="20000"/>
-                    <a:lumOff val="80000"/>
-                  </a:schemeClr>
-                </a:solidFill>
-                <a:effectLst>
-                  <a:outerShdw blurRad="38100" dist="38100" dir="2700000" algn="tl">
-                    <a:srgbClr val="000000">
-                      <a:alpha val="43137"/>
-                    </a:srgbClr>
-                  </a:outerShdw>
-                </a:effectLst>
-                <a:latin typeface="+mn-lt"/>
-                <a:ea typeface="+mn-ea"/>
-                <a:cs typeface="+mn-cs"/>
-              </a:defRPr>
-            </a:lvl3pPr>
-            <a:lvl4pPr marL="1187450" indent="-228600" algn="l" rtl="0" eaLnBrk="0" fontAlgn="base" hangingPunct="0">
-              <a:spcBef>
-                <a:spcPct val="20000"/>
-              </a:spcBef>
-              <a:spcAft>
-                <a:spcPct val="0"/>
-              </a:spcAft>
-              <a:buClr>
-                <a:srgbClr val="F8BD52"/>
-              </a:buClr>
-              <a:buFont typeface="Wingdings 2" pitchFamily="18" charset="2"/>
-              <a:buChar char=""/>
-              <a:defRPr sz="2600" b="1" kern="1200">
-                <a:solidFill>
-                  <a:schemeClr val="tx1">
-                    <a:lumMod val="20000"/>
-                    <a:lumOff val="80000"/>
-                  </a:schemeClr>
-                </a:solidFill>
-                <a:effectLst>
-                  <a:outerShdw blurRad="38100" dist="38100" dir="2700000" algn="tl">
-                    <a:srgbClr val="000000">
-                      <a:alpha val="43137"/>
-                    </a:srgbClr>
-                  </a:outerShdw>
-                </a:effectLst>
-                <a:latin typeface="+mn-lt"/>
-                <a:ea typeface="+mn-ea"/>
-                <a:cs typeface="+mn-cs"/>
-              </a:defRPr>
-            </a:lvl4pPr>
-            <a:lvl5pPr marL="1425575" indent="-228600" algn="l" rtl="0" eaLnBrk="0" fontAlgn="base" hangingPunct="0">
-              <a:spcBef>
-                <a:spcPct val="20000"/>
-              </a:spcBef>
-              <a:spcAft>
-                <a:spcPct val="0"/>
-              </a:spcAft>
-              <a:buClr>
-                <a:srgbClr val="46A6BD"/>
-              </a:buClr>
-              <a:buFont typeface="Wingdings 2" pitchFamily="18" charset="2"/>
-              <a:buChar char=""/>
-              <a:defRPr sz="2400" b="1" kern="1200">
-                <a:solidFill>
-                  <a:schemeClr val="tx1">
-                    <a:lumMod val="20000"/>
-                    <a:lumOff val="80000"/>
-                  </a:schemeClr>
-                </a:solidFill>
-                <a:effectLst>
-                  <a:outerShdw blurRad="38100" dist="38100" dir="2700000" algn="tl">
-                    <a:srgbClr val="000000">
-                      <a:alpha val="43137"/>
-                    </a:srgbClr>
-                  </a:outerShdw>
-                </a:effectLst>
-                <a:latin typeface="+mn-lt"/>
-                <a:ea typeface="+mn-ea"/>
-                <a:cs typeface="+mn-cs"/>
-              </a:defRPr>
-            </a:lvl5pPr>
-            <a:lvl6pPr marL="1673352" indent="-228600" algn="l" rtl="0" eaLnBrk="1" latinLnBrk="0" hangingPunct="1">
-              <a:spcBef>
-                <a:spcPct val="20000"/>
-              </a:spcBef>
-              <a:buClr>
-                <a:schemeClr val="accent6"/>
-              </a:buClr>
-              <a:buFont typeface="Wingdings 2"/>
-              <a:buChar char=""/>
-              <a:defRPr sz="1800" kern="1200">
-                <a:solidFill>
-                  <a:schemeClr val="tx1"/>
-                </a:solidFill>
-                <a:latin typeface="+mn-lt"/>
-                <a:ea typeface="+mn-ea"/>
-                <a:cs typeface="+mn-cs"/>
-              </a:defRPr>
-            </a:lvl6pPr>
-            <a:lvl7pPr marL="1911096" indent="-228600" algn="l" rtl="0" eaLnBrk="1" latinLnBrk="0" hangingPunct="1">
-              <a:spcBef>
-                <a:spcPct val="20000"/>
-              </a:spcBef>
-              <a:buClr>
-                <a:schemeClr val="tx2"/>
-              </a:buClr>
-              <a:buFont typeface="Wingdings 2"/>
-              <a:buChar char=""/>
-              <a:defRPr sz="1600" kern="1200">
-                <a:solidFill>
-                  <a:schemeClr val="tx1"/>
-                </a:solidFill>
-                <a:latin typeface="+mn-lt"/>
-                <a:ea typeface="+mn-ea"/>
-                <a:cs typeface="+mn-cs"/>
-              </a:defRPr>
-            </a:lvl7pPr>
-            <a:lvl8pPr marL="2121408" indent="-182880" algn="l" rtl="0" eaLnBrk="1" latinLnBrk="0" hangingPunct="1">
-              <a:spcBef>
-                <a:spcPct val="20000"/>
-              </a:spcBef>
-              <a:buClr>
-                <a:schemeClr val="tx2"/>
-              </a:buClr>
-              <a:buFont typeface="Wingdings 2"/>
-              <a:buChar char=""/>
-              <a:defRPr sz="1400" kern="1200">
-                <a:solidFill>
-                  <a:schemeClr val="tx1"/>
-                </a:solidFill>
-                <a:latin typeface="+mn-lt"/>
-                <a:ea typeface="+mn-ea"/>
-                <a:cs typeface="+mn-cs"/>
-              </a:defRPr>
-            </a:lvl8pPr>
-            <a:lvl9pPr marL="2322576" indent="-182880" algn="l" rtl="0" eaLnBrk="1" latinLnBrk="0" hangingPunct="1">
-              <a:spcBef>
-                <a:spcPct val="20000"/>
-              </a:spcBef>
-              <a:buClr>
-                <a:schemeClr val="tx2"/>
-              </a:buClr>
-              <a:buFont typeface="Wingdings 2"/>
-              <a:buChar char=""/>
-              <a:defRPr sz="1400" kern="1200">
-                <a:solidFill>
-                  <a:schemeClr val="tx1"/>
-                </a:solidFill>
-                <a:latin typeface="+mn-lt"/>
-                <a:ea typeface="+mn-ea"/>
-                <a:cs typeface="+mn-cs"/>
-              </a:defRPr>
-            </a:lvl9pPr>
-          </a:lstStyle>
-          <a:p>
-            <a:r>
-              <a:rPr lang="en-US" dirty="0" smtClean="0"/>
-              <a:t>Technical Trainer</a:t>
-            </a:r>
-            <a:endParaRPr lang="en-US" dirty="0"/>
-          </a:p>
-        </p:txBody>
-      </p:sp>
-      <p:sp>
-        <p:nvSpPr>
-          <p:cNvPr id="43" name="Text Placeholder 5"/>
-          <p:cNvSpPr>
-            <a:spLocks noGrp="1"/>
-          </p:cNvSpPr>
-          <p:nvPr/>
-        </p:nvSpPr>
-        <p:spPr>
-          <a:xfrm>
-            <a:off x="452006" y="5405735"/>
-            <a:ext cx="3810000" cy="369332"/>
-          </a:xfrm>
-          <a:prstGeom prst="rect">
-            <a:avLst/>
-          </a:prstGeom>
-          <a:noFill/>
-        </p:spPr>
-        <p:txBody>
-          <a:bodyPr wrap="square" rtlCol="0">
-            <a:spAutoFit/>
-          </a:bodyPr>
-          <a:lstStyle>
-            <a:lvl1pPr marL="319088" indent="-319088" algn="l" rtl="0" eaLnBrk="0" fontAlgn="base" hangingPunct="0">
-              <a:spcBef>
-                <a:spcPct val="0"/>
-              </a:spcBef>
-              <a:spcAft>
-                <a:spcPct val="0"/>
-              </a:spcAft>
-              <a:buClr>
-                <a:schemeClr val="accent5">
-                  <a:lumMod val="40000"/>
-                  <a:lumOff val="60000"/>
-                </a:schemeClr>
-              </a:buClr>
-              <a:buSzPct val="70000"/>
-              <a:buFont typeface="Wingdings 2" pitchFamily="18" charset="2"/>
-              <a:buNone/>
-              <a:defRPr lang="en-US" sz="2000" b="1" kern="1200" dirty="0" smtClean="0">
-                <a:solidFill>
-                  <a:schemeClr val="tx2">
-                    <a:lumMod val="50000"/>
-                  </a:schemeClr>
-                </a:solidFill>
-                <a:effectLst>
-                  <a:outerShdw blurRad="38100" dist="38100" dir="2700000" algn="tl">
-                    <a:srgbClr val="000000">
-                      <a:alpha val="43137"/>
-                    </a:srgbClr>
-                  </a:outerShdw>
-                </a:effectLst>
-                <a:latin typeface="Corbel" pitchFamily="34" charset="0"/>
-                <a:ea typeface="+mn-ea"/>
-                <a:cs typeface="+mn-cs"/>
-              </a:defRPr>
-            </a:lvl1pPr>
-            <a:lvl2pPr marL="630238" indent="-273050" algn="l" rtl="0" eaLnBrk="0" fontAlgn="base" hangingPunct="0">
-              <a:spcBef>
-                <a:spcPct val="20000"/>
-              </a:spcBef>
-              <a:spcAft>
-                <a:spcPct val="0"/>
-              </a:spcAft>
-              <a:buClr>
-                <a:schemeClr val="accent2">
-                  <a:lumMod val="60000"/>
-                  <a:lumOff val="40000"/>
-                </a:schemeClr>
-              </a:buClr>
-              <a:buFont typeface="Wingdings 2" pitchFamily="18" charset="2"/>
-              <a:buChar char=""/>
-              <a:defRPr sz="3000" b="1" kern="1200">
-                <a:solidFill>
-                  <a:schemeClr val="tx1">
-                    <a:lumMod val="20000"/>
-                    <a:lumOff val="80000"/>
-                  </a:schemeClr>
-                </a:solidFill>
-                <a:effectLst>
-                  <a:outerShdw blurRad="38100" dist="38100" dir="2700000" algn="tl">
-                    <a:srgbClr val="000000">
-                      <a:alpha val="43137"/>
-                    </a:srgbClr>
-                  </a:outerShdw>
-                </a:effectLst>
-                <a:latin typeface="+mn-lt"/>
-                <a:ea typeface="+mn-ea"/>
-                <a:cs typeface="+mn-cs"/>
-              </a:defRPr>
-            </a:lvl2pPr>
-            <a:lvl3pPr marL="922338" indent="-273050" algn="l" rtl="0" eaLnBrk="0" fontAlgn="base" hangingPunct="0">
-              <a:spcBef>
-                <a:spcPct val="20000"/>
-              </a:spcBef>
-              <a:spcAft>
-                <a:spcPct val="0"/>
-              </a:spcAft>
-              <a:buClr>
-                <a:schemeClr val="tx1">
-                  <a:lumMod val="50000"/>
-                </a:schemeClr>
-              </a:buClr>
-              <a:buFont typeface="Wingdings 2" pitchFamily="18" charset="2"/>
-              <a:buChar char=""/>
-              <a:defRPr sz="2800" b="1" kern="1200">
-                <a:solidFill>
-                  <a:schemeClr val="tx1">
-                    <a:lumMod val="20000"/>
-                    <a:lumOff val="80000"/>
-                  </a:schemeClr>
-                </a:solidFill>
-                <a:effectLst>
-                  <a:outerShdw blurRad="38100" dist="38100" dir="2700000" algn="tl">
-                    <a:srgbClr val="000000">
-                      <a:alpha val="43137"/>
-                    </a:srgbClr>
-                  </a:outerShdw>
-                </a:effectLst>
-                <a:latin typeface="+mn-lt"/>
-                <a:ea typeface="+mn-ea"/>
-                <a:cs typeface="+mn-cs"/>
-              </a:defRPr>
-            </a:lvl3pPr>
-            <a:lvl4pPr marL="1187450" indent="-228600" algn="l" rtl="0" eaLnBrk="0" fontAlgn="base" hangingPunct="0">
-              <a:spcBef>
-                <a:spcPct val="20000"/>
-              </a:spcBef>
-              <a:spcAft>
-                <a:spcPct val="0"/>
-              </a:spcAft>
-              <a:buClr>
-                <a:srgbClr val="F8BD52"/>
-              </a:buClr>
-              <a:buFont typeface="Wingdings 2" pitchFamily="18" charset="2"/>
-              <a:buChar char=""/>
-              <a:defRPr sz="2600" b="1" kern="1200">
-                <a:solidFill>
-                  <a:schemeClr val="tx1">
-                    <a:lumMod val="20000"/>
-                    <a:lumOff val="80000"/>
-                  </a:schemeClr>
-                </a:solidFill>
-                <a:effectLst>
-                  <a:outerShdw blurRad="38100" dist="38100" dir="2700000" algn="tl">
-                    <a:srgbClr val="000000">
-                      <a:alpha val="43137"/>
-                    </a:srgbClr>
-                  </a:outerShdw>
-                </a:effectLst>
-                <a:latin typeface="+mn-lt"/>
-                <a:ea typeface="+mn-ea"/>
-                <a:cs typeface="+mn-cs"/>
-              </a:defRPr>
-            </a:lvl4pPr>
-            <a:lvl5pPr marL="1425575" indent="-228600" algn="l" rtl="0" eaLnBrk="0" fontAlgn="base" hangingPunct="0">
-              <a:spcBef>
-                <a:spcPct val="20000"/>
-              </a:spcBef>
-              <a:spcAft>
-                <a:spcPct val="0"/>
-              </a:spcAft>
-              <a:buClr>
-                <a:srgbClr val="46A6BD"/>
-              </a:buClr>
-              <a:buFont typeface="Wingdings 2" pitchFamily="18" charset="2"/>
-              <a:buChar char=""/>
-              <a:defRPr sz="2400" b="1" kern="1200">
-                <a:solidFill>
-                  <a:schemeClr val="tx1">
-                    <a:lumMod val="20000"/>
-                    <a:lumOff val="80000"/>
-                  </a:schemeClr>
-                </a:solidFill>
-                <a:effectLst>
-                  <a:outerShdw blurRad="38100" dist="38100" dir="2700000" algn="tl">
-                    <a:srgbClr val="000000">
-                      <a:alpha val="43137"/>
-                    </a:srgbClr>
-                  </a:outerShdw>
-                </a:effectLst>
-                <a:latin typeface="+mn-lt"/>
-                <a:ea typeface="+mn-ea"/>
-                <a:cs typeface="+mn-cs"/>
-              </a:defRPr>
-            </a:lvl5pPr>
-            <a:lvl6pPr marL="1673352" indent="-228600" algn="l" rtl="0" eaLnBrk="1" latinLnBrk="0" hangingPunct="1">
-              <a:spcBef>
-                <a:spcPct val="20000"/>
-              </a:spcBef>
-              <a:buClr>
-                <a:schemeClr val="accent6"/>
-              </a:buClr>
-              <a:buFont typeface="Wingdings 2"/>
-              <a:buChar char=""/>
-              <a:defRPr sz="1800" kern="1200">
-                <a:solidFill>
-                  <a:schemeClr val="tx1"/>
-                </a:solidFill>
-                <a:latin typeface="+mn-lt"/>
-                <a:ea typeface="+mn-ea"/>
-                <a:cs typeface="+mn-cs"/>
-              </a:defRPr>
-            </a:lvl6pPr>
-            <a:lvl7pPr marL="1911096" indent="-228600" algn="l" rtl="0" eaLnBrk="1" latinLnBrk="0" hangingPunct="1">
-              <a:spcBef>
-                <a:spcPct val="20000"/>
-              </a:spcBef>
-              <a:buClr>
-                <a:schemeClr val="tx2"/>
-              </a:buClr>
-              <a:buFont typeface="Wingdings 2"/>
-              <a:buChar char=""/>
-              <a:defRPr sz="1600" kern="1200">
-                <a:solidFill>
-                  <a:schemeClr val="tx1"/>
-                </a:solidFill>
-                <a:latin typeface="+mn-lt"/>
-                <a:ea typeface="+mn-ea"/>
-                <a:cs typeface="+mn-cs"/>
-              </a:defRPr>
-            </a:lvl7pPr>
-            <a:lvl8pPr marL="2121408" indent="-182880" algn="l" rtl="0" eaLnBrk="1" latinLnBrk="0" hangingPunct="1">
-              <a:spcBef>
-                <a:spcPct val="20000"/>
-              </a:spcBef>
-              <a:buClr>
-                <a:schemeClr val="tx2"/>
-              </a:buClr>
-              <a:buFont typeface="Wingdings 2"/>
-              <a:buChar char=""/>
-              <a:defRPr sz="1400" kern="1200">
-                <a:solidFill>
-                  <a:schemeClr val="tx1"/>
-                </a:solidFill>
-                <a:latin typeface="+mn-lt"/>
-                <a:ea typeface="+mn-ea"/>
-                <a:cs typeface="+mn-cs"/>
-              </a:defRPr>
-            </a:lvl8pPr>
-            <a:lvl9pPr marL="2322576" indent="-182880" algn="l" rtl="0" eaLnBrk="1" latinLnBrk="0" hangingPunct="1">
-              <a:spcBef>
-                <a:spcPct val="20000"/>
-              </a:spcBef>
-              <a:buClr>
-                <a:schemeClr val="tx2"/>
-              </a:buClr>
-              <a:buFont typeface="Wingdings 2"/>
-              <a:buChar char=""/>
-              <a:defRPr sz="1400" kern="1200">
-                <a:solidFill>
-                  <a:schemeClr val="tx1"/>
-                </a:solidFill>
-                <a:latin typeface="+mn-lt"/>
-                <a:ea typeface="+mn-ea"/>
-                <a:cs typeface="+mn-cs"/>
-              </a:defRPr>
-            </a:lvl9pPr>
-          </a:lstStyle>
-          <a:p>
-            <a:r>
-              <a:rPr lang="en-US" sz="1800" dirty="0" smtClean="0">
-                <a:hlinkClick r:id="rId5"/>
-              </a:rPr>
-              <a:t>www.nakov.com</a:t>
-            </a:r>
-            <a:endParaRPr lang="en-US" sz="1800" dirty="0"/>
-          </a:p>
-        </p:txBody>
-      </p:sp>
-      <p:pic>
-        <p:nvPicPr>
-          <p:cNvPr id="16" name="Picture 5"/>
-          <p:cNvPicPr>
-            <a:picLocks noChangeAspect="1" noChangeArrowheads="1"/>
-          </p:cNvPicPr>
-          <p:nvPr/>
-        </p:nvPicPr>
-        <p:blipFill>
-          <a:blip r:embed="rId6">
-            <a:extLst>
-              <a:ext uri="{28A0092B-C50C-407E-A947-70E740481C1C}">
-                <a14:useLocalDpi xmlns:a14="http://schemas.microsoft.com/office/drawing/2010/main"/>
-              </a:ext>
-            </a:extLst>
-          </a:blip>
-          <a:srcRect/>
-          <a:stretch>
-            <a:fillRect/>
-          </a:stretch>
-        </p:blipFill>
-        <p:spPr bwMode="auto">
-          <a:xfrm>
-            <a:off x="3552420" y="4713570"/>
-            <a:ext cx="1476780" cy="1611030"/>
-          </a:xfrm>
-          <a:prstGeom prst="rect">
-            <a:avLst/>
-          </a:prstGeom>
-          <a:noFill/>
-          <a:ln>
-            <a:noFill/>
-          </a:ln>
-          <a:effectLst/>
-          <a:extLst>
-            <a:ext uri="{909E8E84-426E-40DD-AFC4-6F175D3DCCD1}">
-              <a14:hiddenFill xmlns:a14="http://schemas.microsoft.com/office/drawing/2010/main">
-                <a:solidFill>
-                  <a:schemeClr val="accent1"/>
-                </a:solidFill>
-              </a14:hiddenFill>
-            </a:ext>
-            <a:ext uri="{91240B29-F687-4F45-9708-019B960494DF}">
-              <a14:hiddenLine xmlns:a14="http://schemas.microsoft.com/office/drawing/2010/main" w="9525">
-                <a:solidFill>
-                  <a:schemeClr val="tx1"/>
-                </a:solidFill>
-                <a:miter lim="800000"/>
-                <a:headEnd/>
-                <a:tailEnd/>
-              </a14:hiddenLine>
-            </a:ext>
-            <a:ext uri="{AF507438-7753-43E0-B8FC-AC1667EBCBE1}">
-              <a14:hiddenEffects xmlns:a14="http://schemas.microsoft.com/office/drawing/2010/main">
-                <a:effectLst>
-                  <a:outerShdw dist="35921" dir="2700000" algn="ctr" rotWithShape="0">
-                    <a:schemeClr val="bg2"/>
-                  </a:outerShdw>
-                </a:effectLst>
-              </a14:hiddenEffects>
-            </a:ext>
-          </a:extLst>
-        </p:spPr>
-      </p:pic>
       <p:pic>
         <p:nvPicPr>
           <p:cNvPr id="1026" name="Picture 2" descr="http://lh5.ggpht.com/-MjVekYdXCT4/Tt-VZOY9pxI/AAAAAAAAAaY/cc16iLbYm4U/s512/no-TDD%25255B3%25255D.png?imgmax=800"/>
@@ -7864,7 +12238,7 @@
           <p:nvPr/>
         </p:nvPicPr>
         <p:blipFill>
-          <a:blip r:embed="rId7">
+          <a:blip r:embed="rId4">
             <a:extLst>
               <a:ext uri="{28A0092B-C50C-407E-A947-70E740481C1C}">
                 <a14:useLocalDpi xmlns:a14="http://schemas.microsoft.com/office/drawing/2010/main"/>
@@ -7907,7 +12281,7 @@
           <p:nvPr/>
         </p:nvPicPr>
         <p:blipFill>
-          <a:blip r:embed="rId8"/>
+          <a:blip r:embed="rId5"/>
           <a:stretch>
             <a:fillRect/>
           </a:stretch>
@@ -7928,6 +12302,162 @@
               </a:schemeClr>
             </a:glow>
           </a:effectLst>
+        </p:spPr>
+      </p:pic>
+      <p:sp>
+        <p:nvSpPr>
+          <p:cNvPr id="35" name="Text Placeholder 12"/>
+          <p:cNvSpPr>
+            <a:spLocks noGrp="1"/>
+          </p:cNvSpPr>
+          <p:nvPr>
+            <p:ph type="body" sz="quarter" idx="10"/>
+          </p:nvPr>
+        </p:nvSpPr>
+        <p:spPr>
+          <a:xfrm>
+            <a:off x="381000" y="5802868"/>
+            <a:ext cx="3990513" cy="400110"/>
+          </a:xfrm>
+        </p:spPr>
+        <p:txBody>
+          <a:bodyPr/>
+          <a:lstStyle/>
+          <a:p>
+            <a:r>
+              <a:rPr lang="en-US" dirty="0" smtClean="0"/>
+              <a:t>Learning &amp; Development</a:t>
+            </a:r>
+            <a:endParaRPr lang="en-US" dirty="0"/>
+          </a:p>
+        </p:txBody>
+      </p:sp>
+      <p:sp>
+        <p:nvSpPr>
+          <p:cNvPr id="36" name="Text Placeholder 13"/>
+          <p:cNvSpPr>
+            <a:spLocks noGrp="1"/>
+          </p:cNvSpPr>
+          <p:nvPr>
+            <p:ph type="body" sz="quarter" idx="11"/>
+          </p:nvPr>
+        </p:nvSpPr>
+        <p:spPr>
+          <a:xfrm>
+            <a:off x="381001" y="6107668"/>
+            <a:ext cx="3990513" cy="369332"/>
+          </a:xfrm>
+        </p:spPr>
+        <p:txBody>
+          <a:bodyPr/>
+          <a:lstStyle/>
+          <a:p>
+            <a:r>
+              <a:rPr lang="en-US" dirty="0" smtClean="0">
+                <a:hlinkClick r:id="rId6"/>
+              </a:rPr>
+              <a:t>http://academy.telerik.com</a:t>
+            </a:r>
+            <a:r>
+              <a:rPr lang="en-US" dirty="0" smtClean="0"/>
+              <a:t> </a:t>
+            </a:r>
+            <a:endParaRPr lang="en-US" dirty="0"/>
+          </a:p>
+        </p:txBody>
+      </p:sp>
+      <p:sp>
+        <p:nvSpPr>
+          <p:cNvPr id="37" name="Text Placeholder 14"/>
+          <p:cNvSpPr>
+            <a:spLocks noGrp="1"/>
+          </p:cNvSpPr>
+          <p:nvPr>
+            <p:ph type="body" sz="quarter" idx="12"/>
+          </p:nvPr>
+        </p:nvSpPr>
+        <p:spPr>
+          <a:xfrm>
+            <a:off x="381001" y="5428225"/>
+            <a:ext cx="3990513" cy="461665"/>
+          </a:xfrm>
+        </p:spPr>
+        <p:txBody>
+          <a:bodyPr/>
+          <a:lstStyle/>
+          <a:p>
+            <a:r>
+              <a:rPr lang="en-US" dirty="0" smtClean="0"/>
+              <a:t>Telerik Software Academy</a:t>
+            </a:r>
+            <a:endParaRPr lang="en-US" dirty="0"/>
+          </a:p>
+        </p:txBody>
+      </p:sp>
+      <p:pic>
+        <p:nvPicPr>
+          <p:cNvPr id="16" name="Picture 5"/>
+          <p:cNvPicPr>
+            <a:picLocks noChangeAspect="1" noChangeArrowheads="1"/>
+          </p:cNvPicPr>
+          <p:nvPr/>
+        </p:nvPicPr>
+        <p:blipFill>
+          <a:blip r:embed="rId7">
+            <a:extLst>
+              <a:ext uri="{28A0092B-C50C-407E-A947-70E740481C1C}">
+                <a14:useLocalDpi xmlns:a14="http://schemas.microsoft.com/office/drawing/2010/main"/>
+              </a:ext>
+            </a:extLst>
+          </a:blip>
+          <a:srcRect/>
+          <a:stretch>
+            <a:fillRect/>
+          </a:stretch>
+        </p:blipFill>
+        <p:spPr bwMode="auto">
+          <a:xfrm rot="694828">
+            <a:off x="4337671" y="4070757"/>
+            <a:ext cx="1476780" cy="1611030"/>
+          </a:xfrm>
+          <a:prstGeom prst="rect">
+            <a:avLst/>
+          </a:prstGeom>
+          <a:noFill/>
+          <a:ln>
+            <a:noFill/>
+          </a:ln>
+          <a:effectLst>
+            <a:glow rad="101600">
+              <a:schemeClr val="accent5">
+                <a:lumMod val="20000"/>
+                <a:lumOff val="80000"/>
+                <a:alpha val="60000"/>
+              </a:schemeClr>
+            </a:glow>
+            <a:outerShdw dist="35921" dir="2700000" algn="ctr" rotWithShape="0">
+              <a:schemeClr val="bg2"/>
+            </a:outerShdw>
+          </a:effectLst>
+          <a:extLst>
+            <a:ext uri="{909E8E84-426E-40DD-AFC4-6F175D3DCCD1}">
+              <a14:hiddenFill xmlns:a14="http://schemas.microsoft.com/office/drawing/2010/main">
+                <a:solidFill>
+                  <a:schemeClr val="accent1"/>
+                </a:solidFill>
+              </a14:hiddenFill>
+            </a:ext>
+            <a:ext uri="{91240B29-F687-4F45-9708-019B960494DF}">
+              <a14:hiddenLine xmlns:a14="http://schemas.microsoft.com/office/drawing/2010/main" w="9525">
+                <a:solidFill>
+                  <a:schemeClr val="tx1"/>
+                </a:solidFill>
+                <a:miter lim="800000"/>
+                <a:headEnd/>
+                <a:tailEnd/>
+              </a14:hiddenLine>
+            </a:ext>
+          </a:extLst>
         </p:spPr>
       </p:pic>
     </p:spTree>
@@ -12092,11 +16622,7 @@
           <a:p>
             <a:r>
               <a:rPr lang="en-US" dirty="0" smtClean="0"/>
-              <a:t>Live </a:t>
-            </a:r>
-            <a:r>
-              <a:rPr lang="en-US" dirty="0" smtClean="0"/>
-              <a:t>Demo: Poker Hands Checker</a:t>
+              <a:t>Live Demo: Poker Hands Checker</a:t>
             </a:r>
             <a:endParaRPr lang="en-US" dirty="0"/>
           </a:p>
@@ -12298,7 +16824,7 @@
 </file>
 
 <file path=ppt/theme/theme1.xml><?xml version="1.0" encoding="utf-8"?>
-<a:theme xmlns:a="http://schemas.openxmlformats.org/drawingml/2006/main" name="Telerik Academy">
+<a:theme xmlns:a="http://schemas.openxmlformats.org/drawingml/2006/main" name="Telerik Academy theme">
   <a:themeElements>
     <a:clrScheme name="Telerik Colors Theme">
       <a:dk1>
@@ -12611,6 +17137,11 @@
   </a:themeElements>
   <a:objectDefaults/>
   <a:extraClrSchemeLst/>
+  <a:extLst>
+    <a:ext uri="{05A4C25C-085E-4340-85A3-A5531E510DB2}">
+      <thm15:themeFamily xmlns:thm15="http://schemas.microsoft.com/office/thememl/2012/main" name="Telerik Academy theme" id="{2620D71C-A5FD-46E0-A488-16D4CF22AEE2}" vid="{F028A4D3-6851-4D6D-A82D-72CBFB9A818D}"/>
+    </a:ext>
+  </a:extLst>
 </a:theme>
 </file>
 
